--- a/BTP_2/BTP_2_PPTs/BTP_Presentation_with_comments - Copy.pptx
+++ b/BTP_2/BTP_2_PPTs/BTP_Presentation_with_comments - Copy.pptx
@@ -5,29 +5,30 @@
     <p:sldMasterId id="2147483701" r:id="rId4"/>
   </p:sldMasterIdLst>
   <p:notesMasterIdLst>
-    <p:notesMasterId r:id="rId25"/>
+    <p:notesMasterId r:id="rId26"/>
   </p:notesMasterIdLst>
   <p:sldIdLst>
     <p:sldId id="256" r:id="rId5"/>
     <p:sldId id="270" r:id="rId6"/>
     <p:sldId id="260" r:id="rId7"/>
-    <p:sldId id="259" r:id="rId8"/>
-    <p:sldId id="261" r:id="rId9"/>
-    <p:sldId id="267" r:id="rId10"/>
-    <p:sldId id="263" r:id="rId11"/>
-    <p:sldId id="271" r:id="rId12"/>
-    <p:sldId id="273" r:id="rId13"/>
-    <p:sldId id="283" r:id="rId14"/>
-    <p:sldId id="285" r:id="rId15"/>
-    <p:sldId id="286" r:id="rId16"/>
-    <p:sldId id="269" r:id="rId17"/>
-    <p:sldId id="288" r:id="rId18"/>
-    <p:sldId id="287" r:id="rId19"/>
-    <p:sldId id="279" r:id="rId20"/>
-    <p:sldId id="276" r:id="rId21"/>
-    <p:sldId id="289" r:id="rId22"/>
-    <p:sldId id="280" r:id="rId23"/>
-    <p:sldId id="281" r:id="rId24"/>
+    <p:sldId id="290" r:id="rId8"/>
+    <p:sldId id="259" r:id="rId9"/>
+    <p:sldId id="261" r:id="rId10"/>
+    <p:sldId id="267" r:id="rId11"/>
+    <p:sldId id="263" r:id="rId12"/>
+    <p:sldId id="271" r:id="rId13"/>
+    <p:sldId id="273" r:id="rId14"/>
+    <p:sldId id="283" r:id="rId15"/>
+    <p:sldId id="285" r:id="rId16"/>
+    <p:sldId id="286" r:id="rId17"/>
+    <p:sldId id="269" r:id="rId18"/>
+    <p:sldId id="288" r:id="rId19"/>
+    <p:sldId id="287" r:id="rId20"/>
+    <p:sldId id="279" r:id="rId21"/>
+    <p:sldId id="276" r:id="rId22"/>
+    <p:sldId id="289" r:id="rId23"/>
+    <p:sldId id="280" r:id="rId24"/>
+    <p:sldId id="281" r:id="rId25"/>
   </p:sldIdLst>
   <p:sldSz cx="12192000" cy="6858000"/>
   <p:notesSz cx="6858000" cy="9144000"/>
@@ -3443,6 +3444,298 @@
             </a:pPr>
             <a:r>
               <a:rPr lang="en-IN" dirty="0"/>
+              <a:t>-** Analog Digital Conversion (ADC) consists of 3 steps </a:t>
+            </a:r>
+            <a:r>
+              <a:rPr lang="en-IN" dirty="0">
+                <a:sym typeface="Wingdings" panose="05000000000000000000" pitchFamily="2" charset="2"/>
+              </a:rPr>
+              <a:t> Sampling ,Quantization and Encoding</a:t>
+            </a:r>
+          </a:p>
+          <a:p>
+            <a:pPr marL="0" marR="0" lvl="0" indent="0" algn="l" defTabSz="914400" rtl="0" eaLnBrk="1" fontAlgn="auto" latinLnBrk="0" hangingPunct="1">
+              <a:lnSpc>
+                <a:spcPct val="100000"/>
+              </a:lnSpc>
+              <a:spcBef>
+                <a:spcPts val="0"/>
+              </a:spcBef>
+              <a:spcAft>
+                <a:spcPts val="0"/>
+              </a:spcAft>
+              <a:buClrTx/>
+              <a:buSzTx/>
+              <a:buFontTx/>
+              <a:buNone/>
+              <a:tabLst/>
+              <a:defRPr/>
+            </a:pPr>
+            <a:endParaRPr lang="en-IN" dirty="0">
+              <a:sym typeface="Wingdings" panose="05000000000000000000" pitchFamily="2" charset="2"/>
+            </a:endParaRPr>
+          </a:p>
+          <a:p>
+            <a:pPr marL="0" marR="0" lvl="0" indent="0" algn="l" defTabSz="914400" rtl="0" eaLnBrk="1" fontAlgn="auto" latinLnBrk="0" hangingPunct="1">
+              <a:lnSpc>
+                <a:spcPct val="100000"/>
+              </a:lnSpc>
+              <a:spcBef>
+                <a:spcPts val="0"/>
+              </a:spcBef>
+              <a:spcAft>
+                <a:spcPts val="0"/>
+              </a:spcAft>
+              <a:buClrTx/>
+              <a:buSzTx/>
+              <a:buFontTx/>
+              <a:buNone/>
+              <a:tabLst/>
+              <a:defRPr/>
+            </a:pPr>
+            <a:r>
+              <a:rPr lang="en-IN" dirty="0">
+                <a:sym typeface="Wingdings" panose="05000000000000000000" pitchFamily="2" charset="2"/>
+              </a:rPr>
+              <a:t>Sampling: Here we try to freeze the signal, this is done by taking samples of the wave after a specified time interval (The inverse of this interval is called sampling rate), this is shown under Analogue signal</a:t>
+            </a:r>
+          </a:p>
+          <a:p>
+            <a:pPr marL="0" marR="0" lvl="0" indent="0" algn="l" defTabSz="914400" rtl="0" eaLnBrk="1" fontAlgn="auto" latinLnBrk="0" hangingPunct="1">
+              <a:lnSpc>
+                <a:spcPct val="100000"/>
+              </a:lnSpc>
+              <a:spcBef>
+                <a:spcPts val="0"/>
+              </a:spcBef>
+              <a:spcAft>
+                <a:spcPts val="0"/>
+              </a:spcAft>
+              <a:buClrTx/>
+              <a:buSzTx/>
+              <a:buFontTx/>
+              <a:buNone/>
+              <a:tabLst/>
+              <a:defRPr/>
+            </a:pPr>
+            <a:endParaRPr lang="en-IN" dirty="0">
+              <a:sym typeface="Wingdings" panose="05000000000000000000" pitchFamily="2" charset="2"/>
+            </a:endParaRPr>
+          </a:p>
+          <a:p>
+            <a:pPr marL="0" marR="0" lvl="0" indent="0" algn="l" defTabSz="914400" rtl="0" eaLnBrk="1" fontAlgn="auto" latinLnBrk="0" hangingPunct="1">
+              <a:lnSpc>
+                <a:spcPct val="100000"/>
+              </a:lnSpc>
+              <a:spcBef>
+                <a:spcPts val="0"/>
+              </a:spcBef>
+              <a:spcAft>
+                <a:spcPts val="0"/>
+              </a:spcAft>
+              <a:buClrTx/>
+              <a:buSzTx/>
+              <a:buFontTx/>
+              <a:buNone/>
+              <a:tabLst/>
+              <a:defRPr/>
+            </a:pPr>
+            <a:r>
+              <a:rPr lang="en-IN" dirty="0">
+                <a:sym typeface="Wingdings" panose="05000000000000000000" pitchFamily="2" charset="2"/>
+              </a:rPr>
+              <a:t>Quantization: - After sampling we have a discrete time continuous valued signal, this signal is then converted to discrete time discrete valued signal using quantization. </a:t>
+            </a:r>
+          </a:p>
+          <a:p>
+            <a:pPr marL="0" marR="0" lvl="0" indent="0" algn="l" defTabSz="914400" rtl="0" eaLnBrk="1" fontAlgn="auto" latinLnBrk="0" hangingPunct="1">
+              <a:lnSpc>
+                <a:spcPct val="100000"/>
+              </a:lnSpc>
+              <a:spcBef>
+                <a:spcPts val="0"/>
+              </a:spcBef>
+              <a:spcAft>
+                <a:spcPts val="0"/>
+              </a:spcAft>
+              <a:buClrTx/>
+              <a:buSzTx/>
+              <a:buFontTx/>
+              <a:buNone/>
+              <a:tabLst/>
+              <a:defRPr/>
+            </a:pPr>
+            <a:r>
+              <a:rPr lang="en-IN" dirty="0">
+                <a:sym typeface="Wingdings" panose="05000000000000000000" pitchFamily="2" charset="2"/>
+              </a:rPr>
+              <a:t>                       - Here the </a:t>
+            </a:r>
+            <a:r>
+              <a:rPr lang="en-US" dirty="0">
+                <a:sym typeface="Wingdings" panose="05000000000000000000" pitchFamily="2" charset="2"/>
+              </a:rPr>
+              <a:t>reference signal is partitioned into several discrete quanta and then the input signal is matched with the correct quantum. This is shown under digital signal.</a:t>
+            </a:r>
+          </a:p>
+          <a:p>
+            <a:pPr marL="0" marR="0" lvl="0" indent="0" algn="l" defTabSz="914400" rtl="0" eaLnBrk="1" fontAlgn="auto" latinLnBrk="0" hangingPunct="1">
+              <a:lnSpc>
+                <a:spcPct val="100000"/>
+              </a:lnSpc>
+              <a:spcBef>
+                <a:spcPts val="0"/>
+              </a:spcBef>
+              <a:spcAft>
+                <a:spcPts val="0"/>
+              </a:spcAft>
+              <a:buClrTx/>
+              <a:buSzTx/>
+              <a:buFontTx/>
+              <a:buNone/>
+              <a:tabLst/>
+              <a:defRPr/>
+            </a:pPr>
+            <a:endParaRPr lang="en-IN" dirty="0">
+              <a:sym typeface="Wingdings" panose="05000000000000000000" pitchFamily="2" charset="2"/>
+            </a:endParaRPr>
+          </a:p>
+          <a:p>
+            <a:pPr marL="0" marR="0" lvl="0" indent="0" algn="l" defTabSz="914400" rtl="0" eaLnBrk="1" fontAlgn="auto" latinLnBrk="0" hangingPunct="1">
+              <a:lnSpc>
+                <a:spcPct val="100000"/>
+              </a:lnSpc>
+              <a:spcBef>
+                <a:spcPts val="0"/>
+              </a:spcBef>
+              <a:spcAft>
+                <a:spcPts val="0"/>
+              </a:spcAft>
+              <a:buClrTx/>
+              <a:buSzTx/>
+              <a:buFontTx/>
+              <a:buNone/>
+              <a:tabLst/>
+              <a:defRPr/>
+            </a:pPr>
+            <a:r>
+              <a:rPr lang="en-IN" dirty="0">
+                <a:sym typeface="Wingdings" panose="05000000000000000000" pitchFamily="2" charset="2"/>
+              </a:rPr>
+              <a:t>Encoding: </a:t>
+            </a:r>
+            <a:r>
+              <a:rPr lang="en-US" dirty="0">
+                <a:sym typeface="Wingdings" panose="05000000000000000000" pitchFamily="2" charset="2"/>
+              </a:rPr>
+              <a:t>Here; for each quantum, a unique digital code will be assigned and after that the input signal is allocated with this digital code. These digital codes are stored in form of an array as shown on the right under digital representation of signal</a:t>
+            </a:r>
+            <a:endParaRPr lang="en-IN" dirty="0"/>
+          </a:p>
+          <a:p>
+            <a:endParaRPr lang="en-IN" dirty="0"/>
+          </a:p>
+        </p:txBody>
+      </p:sp>
+      <p:sp>
+        <p:nvSpPr>
+          <p:cNvPr id="4" name="Slide Number Placeholder 3"/>
+          <p:cNvSpPr>
+            <a:spLocks noGrp="1"/>
+          </p:cNvSpPr>
+          <p:nvPr>
+            <p:ph type="sldNum" sz="quarter" idx="5"/>
+          </p:nvPr>
+        </p:nvSpPr>
+        <p:spPr/>
+        <p:txBody>
+          <a:bodyPr/>
+          <a:lstStyle/>
+          <a:p>
+            <a:fld id="{1C1A28B9-81B1-4457-BC57-23C2E077B729}" type="slidenum">
+              <a:rPr lang="en-IN" smtClean="0"/>
+              <a:t>10</a:t>
+            </a:fld>
+            <a:endParaRPr lang="en-IN"/>
+          </a:p>
+        </p:txBody>
+      </p:sp>
+    </p:spTree>
+    <p:extLst>
+      <p:ext uri="{BB962C8B-B14F-4D97-AF65-F5344CB8AC3E}">
+        <p14:creationId xmlns:p14="http://schemas.microsoft.com/office/powerpoint/2010/main" val="3858583708"/>
+      </p:ext>
+    </p:extLst>
+  </p:cSld>
+  <p:clrMapOvr>
+    <a:masterClrMapping/>
+  </p:clrMapOvr>
+</p:notes>
+</file>
+
+<file path=ppt/notesSlides/notesSlide11.xml><?xml version="1.0" encoding="utf-8"?>
+<p:notes xmlns:a="http://schemas.openxmlformats.org/drawingml/2006/main" xmlns:r="http://schemas.openxmlformats.org/officeDocument/2006/relationships" xmlns:p="http://schemas.openxmlformats.org/presentationml/2006/main">
+  <p:cSld>
+    <p:spTree>
+      <p:nvGrpSpPr>
+        <p:cNvPr id="1" name=""/>
+        <p:cNvGrpSpPr/>
+        <p:nvPr/>
+      </p:nvGrpSpPr>
+      <p:grpSpPr>
+        <a:xfrm>
+          <a:off x="0" y="0"/>
+          <a:ext cx="0" cy="0"/>
+          <a:chOff x="0" y="0"/>
+          <a:chExt cx="0" cy="0"/>
+        </a:xfrm>
+      </p:grpSpPr>
+      <p:sp>
+        <p:nvSpPr>
+          <p:cNvPr id="2" name="Slide Image Placeholder 1"/>
+          <p:cNvSpPr>
+            <a:spLocks noGrp="1" noRot="1" noChangeAspect="1"/>
+          </p:cNvSpPr>
+          <p:nvPr>
+            <p:ph type="sldImg"/>
+          </p:nvPr>
+        </p:nvSpPr>
+        <p:spPr/>
+      </p:sp>
+      <p:sp>
+        <p:nvSpPr>
+          <p:cNvPr id="3" name="Notes Placeholder 2"/>
+          <p:cNvSpPr>
+            <a:spLocks noGrp="1"/>
+          </p:cNvSpPr>
+          <p:nvPr>
+            <p:ph type="body" idx="1"/>
+          </p:nvPr>
+        </p:nvSpPr>
+        <p:spPr/>
+        <p:txBody>
+          <a:bodyPr/>
+          <a:lstStyle/>
+          <a:p>
+            <a:pPr marL="0" marR="0" lvl="0" indent="0" algn="l" defTabSz="914400" rtl="0" eaLnBrk="1" fontAlgn="auto" latinLnBrk="0" hangingPunct="1">
+              <a:lnSpc>
+                <a:spcPct val="100000"/>
+              </a:lnSpc>
+              <a:spcBef>
+                <a:spcPts val="0"/>
+              </a:spcBef>
+              <a:spcAft>
+                <a:spcPts val="0"/>
+              </a:spcAft>
+              <a:buClrTx/>
+              <a:buSzTx/>
+              <a:buFontTx/>
+              <a:buNone/>
+              <a:tabLst/>
+              <a:defRPr/>
+            </a:pPr>
+            <a:r>
+              <a:rPr lang="en-IN" dirty="0"/>
               <a:t>WHY FEATURES --Now that we have the cough audio signals in digital format we need to identify which features to extract in order to obtain maximum spectral information in the cough. </a:t>
             </a:r>
           </a:p>
@@ -3542,7 +3835,7 @@
           <a:p>
             <a:fld id="{1C1A28B9-81B1-4457-BC57-23C2E077B729}" type="slidenum">
               <a:rPr lang="en-IN" smtClean="0"/>
-              <a:t>10</a:t>
+              <a:t>11</a:t>
             </a:fld>
             <a:endParaRPr lang="en-IN"/>
           </a:p>
@@ -3561,7 +3854,7 @@
 </p:notes>
 </file>
 
-<file path=ppt/notesSlides/notesSlide11.xml><?xml version="1.0" encoding="utf-8"?>
+<file path=ppt/notesSlides/notesSlide12.xml><?xml version="1.0" encoding="utf-8"?>
 <p:notes xmlns:a="http://schemas.openxmlformats.org/drawingml/2006/main" xmlns:r="http://schemas.openxmlformats.org/officeDocument/2006/relationships" xmlns:p="http://schemas.openxmlformats.org/presentationml/2006/main">
   <p:cSld>
     <p:spTree>
@@ -3931,7 +4224,7 @@
           <a:p>
             <a:fld id="{1C1A28B9-81B1-4457-BC57-23C2E077B729}" type="slidenum">
               <a:rPr lang="en-IN" smtClean="0"/>
-              <a:t>11</a:t>
+              <a:t>12</a:t>
             </a:fld>
             <a:endParaRPr lang="en-IN"/>
           </a:p>
@@ -3941,304 +4234,6 @@
     <p:extLst>
       <p:ext uri="{BB962C8B-B14F-4D97-AF65-F5344CB8AC3E}">
         <p14:creationId xmlns:p14="http://schemas.microsoft.com/office/powerpoint/2010/main" val="1700138515"/>
-      </p:ext>
-    </p:extLst>
-  </p:cSld>
-  <p:clrMapOvr>
-    <a:masterClrMapping/>
-  </p:clrMapOvr>
-</p:notes>
-</file>
-
-<file path=ppt/notesSlides/notesSlide12.xml><?xml version="1.0" encoding="utf-8"?>
-<p:notes xmlns:a="http://schemas.openxmlformats.org/drawingml/2006/main" xmlns:r="http://schemas.openxmlformats.org/officeDocument/2006/relationships" xmlns:p="http://schemas.openxmlformats.org/presentationml/2006/main">
-  <p:cSld>
-    <p:spTree>
-      <p:nvGrpSpPr>
-        <p:cNvPr id="1" name=""/>
-        <p:cNvGrpSpPr/>
-        <p:nvPr/>
-      </p:nvGrpSpPr>
-      <p:grpSpPr>
-        <a:xfrm>
-          <a:off x="0" y="0"/>
-          <a:ext cx="0" cy="0"/>
-          <a:chOff x="0" y="0"/>
-          <a:chExt cx="0" cy="0"/>
-        </a:xfrm>
-      </p:grpSpPr>
-      <p:sp>
-        <p:nvSpPr>
-          <p:cNvPr id="2" name="Slide Image Placeholder 1"/>
-          <p:cNvSpPr>
-            <a:spLocks noGrp="1" noRot="1" noChangeAspect="1"/>
-          </p:cNvSpPr>
-          <p:nvPr>
-            <p:ph type="sldImg"/>
-          </p:nvPr>
-        </p:nvSpPr>
-        <p:spPr/>
-      </p:sp>
-      <p:sp>
-        <p:nvSpPr>
-          <p:cNvPr id="3" name="Notes Placeholder 2"/>
-          <p:cNvSpPr>
-            <a:spLocks noGrp="1"/>
-          </p:cNvSpPr>
-          <p:nvPr>
-            <p:ph type="body" idx="1"/>
-          </p:nvPr>
-        </p:nvSpPr>
-        <p:spPr/>
-        <p:txBody>
-          <a:bodyPr/>
-          <a:lstStyle/>
-          <a:p>
-            <a:r>
-              <a:rPr lang="en-IN" dirty="0"/>
-              <a:t>HOW FEATURES – MFCC</a:t>
-            </a:r>
-          </a:p>
-          <a:p>
-            <a:endParaRPr lang="en-IN" dirty="0"/>
-          </a:p>
-          <a:p>
-            <a:pPr marL="285750" marR="0" lvl="0" indent="-285750" algn="l" defTabSz="914400" rtl="0" eaLnBrk="1" fontAlgn="auto" latinLnBrk="0" hangingPunct="1">
-              <a:lnSpc>
-                <a:spcPct val="100000"/>
-              </a:lnSpc>
-              <a:spcBef>
-                <a:spcPts val="0"/>
-              </a:spcBef>
-              <a:spcAft>
-                <a:spcPts val="0"/>
-              </a:spcAft>
-              <a:buClrTx/>
-              <a:buSzTx/>
-              <a:buFontTx/>
-              <a:buChar char="-"/>
-              <a:tabLst/>
-              <a:defRPr/>
-            </a:pPr>
-            <a:r>
-              <a:rPr lang="en-IN" sz="1200" dirty="0"/>
-              <a:t>The Log spectrum graph obtained in the previous slide can be divided into 2 parts, one is due to.</a:t>
-            </a:r>
-          </a:p>
-          <a:p>
-            <a:pPr marL="285750" marR="0" lvl="0" indent="-285750" algn="l" defTabSz="914400" rtl="0" eaLnBrk="1" fontAlgn="auto" latinLnBrk="0" hangingPunct="1">
-              <a:lnSpc>
-                <a:spcPct val="100000"/>
-              </a:lnSpc>
-              <a:spcBef>
-                <a:spcPts val="0"/>
-              </a:spcBef>
-              <a:spcAft>
-                <a:spcPts val="0"/>
-              </a:spcAft>
-              <a:buClrTx/>
-              <a:buSzTx/>
-              <a:buFontTx/>
-              <a:buChar char="-"/>
-              <a:tabLst/>
-              <a:defRPr/>
-            </a:pPr>
-            <a:r>
-              <a:rPr lang="en-IN" sz="1200" dirty="0"/>
-              <a:t>COVID-19 alters the flexibility of vocal cords</a:t>
-            </a:r>
-          </a:p>
-          <a:p>
-            <a:pPr marL="285750" marR="0" lvl="0" indent="-285750" algn="l" defTabSz="914400" rtl="0" eaLnBrk="1" fontAlgn="auto" latinLnBrk="0" hangingPunct="1">
-              <a:lnSpc>
-                <a:spcPct val="100000"/>
-              </a:lnSpc>
-              <a:spcBef>
-                <a:spcPts val="0"/>
-              </a:spcBef>
-              <a:spcAft>
-                <a:spcPts val="0"/>
-              </a:spcAft>
-              <a:buClrTx/>
-              <a:buSzTx/>
-              <a:buFontTx/>
-              <a:buChar char="-"/>
-              <a:tabLst/>
-              <a:defRPr/>
-            </a:pPr>
-            <a:r>
-              <a:rPr lang="en-IN" sz="1200" dirty="0"/>
-              <a:t>The frequency of these peaks carries the identity of the cough hence is able to distinguish between COVID and Non- COVID cough</a:t>
-            </a:r>
-          </a:p>
-          <a:p>
-            <a:pPr marL="285750" marR="0" lvl="0" indent="-285750" algn="l" defTabSz="914400" rtl="0" eaLnBrk="1" fontAlgn="auto" latinLnBrk="0" hangingPunct="1">
-              <a:lnSpc>
-                <a:spcPct val="100000"/>
-              </a:lnSpc>
-              <a:spcBef>
-                <a:spcPts val="0"/>
-              </a:spcBef>
-              <a:spcAft>
-                <a:spcPts val="0"/>
-              </a:spcAft>
-              <a:buClrTx/>
-              <a:buSzTx/>
-              <a:buFontTx/>
-              <a:buChar char="-"/>
-              <a:tabLst/>
-              <a:defRPr/>
-            </a:pPr>
-            <a:r>
-              <a:rPr lang="en-IN" sz="1200" dirty="0"/>
-              <a:t>Now, After applying the IDFT, we obtain the occurrences (get the frequency) of different peaks present in the log spectrum graph</a:t>
-            </a:r>
-          </a:p>
-          <a:p>
-            <a:pPr marL="285750" marR="0" lvl="0" indent="-285750" algn="l" defTabSz="914400" rtl="0" eaLnBrk="1" fontAlgn="auto" latinLnBrk="0" hangingPunct="1">
-              <a:lnSpc>
-                <a:spcPct val="100000"/>
-              </a:lnSpc>
-              <a:spcBef>
-                <a:spcPts val="0"/>
-              </a:spcBef>
-              <a:spcAft>
-                <a:spcPts val="0"/>
-              </a:spcAft>
-              <a:buClrTx/>
-              <a:buSzTx/>
-              <a:buFontTx/>
-              <a:buChar char="-"/>
-              <a:tabLst/>
-              <a:defRPr/>
-            </a:pPr>
-            <a:r>
-              <a:rPr lang="en-IN" dirty="0"/>
-              <a:t>Y-value corresponding to the first 20 coordinates on X-axis are the first 20 MFCCs of that portion of cough signal</a:t>
-            </a:r>
-          </a:p>
-          <a:p>
-            <a:pPr marL="285750" marR="0" lvl="0" indent="-285750" algn="l" defTabSz="914400" rtl="0" eaLnBrk="1" fontAlgn="auto" latinLnBrk="0" hangingPunct="1">
-              <a:lnSpc>
-                <a:spcPct val="100000"/>
-              </a:lnSpc>
-              <a:spcBef>
-                <a:spcPts val="0"/>
-              </a:spcBef>
-              <a:spcAft>
-                <a:spcPts val="0"/>
-              </a:spcAft>
-              <a:buClrTx/>
-              <a:buSzTx/>
-              <a:buFontTx/>
-              <a:buChar char="-"/>
-              <a:tabLst/>
-              <a:defRPr/>
-            </a:pPr>
-            <a:r>
-              <a:rPr lang="en-IN" dirty="0"/>
-              <a:t>The mean of these 20 MFCCs of all the portions of the cough signal represents the first 20 MFCCs of the entire cough</a:t>
-            </a:r>
-          </a:p>
-          <a:p>
-            <a:pPr marL="285750" marR="0" lvl="0" indent="-285750" algn="l" defTabSz="914400" rtl="0" eaLnBrk="1" fontAlgn="auto" latinLnBrk="0" hangingPunct="1">
-              <a:lnSpc>
-                <a:spcPct val="100000"/>
-              </a:lnSpc>
-              <a:spcBef>
-                <a:spcPts val="0"/>
-              </a:spcBef>
-              <a:spcAft>
-                <a:spcPts val="0"/>
-              </a:spcAft>
-              <a:buClrTx/>
-              <a:buSzTx/>
-              <a:buFontTx/>
-              <a:buChar char="-"/>
-              <a:tabLst/>
-              <a:defRPr/>
-            </a:pPr>
-            <a:endParaRPr lang="en-IN" sz="1200" dirty="0"/>
-          </a:p>
-          <a:p>
-            <a:pPr marL="285750" marR="0" lvl="0" indent="-285750" algn="l" defTabSz="914400" rtl="0" eaLnBrk="1" fontAlgn="auto" latinLnBrk="0" hangingPunct="1">
-              <a:lnSpc>
-                <a:spcPct val="100000"/>
-              </a:lnSpc>
-              <a:spcBef>
-                <a:spcPts val="0"/>
-              </a:spcBef>
-              <a:spcAft>
-                <a:spcPts val="0"/>
-              </a:spcAft>
-              <a:buClrTx/>
-              <a:buSzTx/>
-              <a:buFontTx/>
-              <a:buChar char="-"/>
-              <a:tabLst/>
-              <a:defRPr/>
-            </a:pPr>
-            <a:endParaRPr lang="en-IN" sz="1200" dirty="0"/>
-          </a:p>
-          <a:p>
-            <a:pPr marL="285750" marR="0" lvl="0" indent="-285750" algn="l" defTabSz="914400" rtl="0" eaLnBrk="1" fontAlgn="auto" latinLnBrk="0" hangingPunct="1">
-              <a:lnSpc>
-                <a:spcPct val="100000"/>
-              </a:lnSpc>
-              <a:spcBef>
-                <a:spcPts val="0"/>
-              </a:spcBef>
-              <a:spcAft>
-                <a:spcPts val="0"/>
-              </a:spcAft>
-              <a:buClrTx/>
-              <a:buSzTx/>
-              <a:buFontTx/>
-              <a:buChar char="-"/>
-              <a:tabLst/>
-              <a:defRPr/>
-            </a:pPr>
-            <a:r>
-              <a:rPr lang="en-IN" sz="1200" dirty="0"/>
-              <a:t>The method of applying the DFT to small portion of cough signal is performed by applying STFT to the entire signal</a:t>
-            </a:r>
-          </a:p>
-          <a:p>
-            <a:pPr marL="285750" indent="-285750">
-              <a:buFontTx/>
-              <a:buChar char="-"/>
-            </a:pPr>
-            <a:endParaRPr lang="en-IN" dirty="0"/>
-          </a:p>
-        </p:txBody>
-      </p:sp>
-      <p:sp>
-        <p:nvSpPr>
-          <p:cNvPr id="4" name="Slide Number Placeholder 3"/>
-          <p:cNvSpPr>
-            <a:spLocks noGrp="1"/>
-          </p:cNvSpPr>
-          <p:nvPr>
-            <p:ph type="sldNum" sz="quarter" idx="5"/>
-          </p:nvPr>
-        </p:nvSpPr>
-        <p:spPr/>
-        <p:txBody>
-          <a:bodyPr/>
-          <a:lstStyle/>
-          <a:p>
-            <a:fld id="{1C1A28B9-81B1-4457-BC57-23C2E077B729}" type="slidenum">
-              <a:rPr lang="en-IN" smtClean="0"/>
-              <a:t>12</a:t>
-            </a:fld>
-            <a:endParaRPr lang="en-IN"/>
-          </a:p>
-        </p:txBody>
-      </p:sp>
-    </p:spTree>
-    <p:extLst>
-      <p:ext uri="{BB962C8B-B14F-4D97-AF65-F5344CB8AC3E}">
-        <p14:creationId xmlns:p14="http://schemas.microsoft.com/office/powerpoint/2010/main" val="1922361999"/>
       </p:ext>
     </p:extLst>
   </p:cSld>
@@ -4292,6 +4287,304 @@
           <a:bodyPr/>
           <a:lstStyle/>
           <a:p>
+            <a:r>
+              <a:rPr lang="en-IN" dirty="0"/>
+              <a:t>HOW FEATURES – MFCC</a:t>
+            </a:r>
+          </a:p>
+          <a:p>
+            <a:endParaRPr lang="en-IN" dirty="0"/>
+          </a:p>
+          <a:p>
+            <a:pPr marL="285750" marR="0" lvl="0" indent="-285750" algn="l" defTabSz="914400" rtl="0" eaLnBrk="1" fontAlgn="auto" latinLnBrk="0" hangingPunct="1">
+              <a:lnSpc>
+                <a:spcPct val="100000"/>
+              </a:lnSpc>
+              <a:spcBef>
+                <a:spcPts val="0"/>
+              </a:spcBef>
+              <a:spcAft>
+                <a:spcPts val="0"/>
+              </a:spcAft>
+              <a:buClrTx/>
+              <a:buSzTx/>
+              <a:buFontTx/>
+              <a:buChar char="-"/>
+              <a:tabLst/>
+              <a:defRPr/>
+            </a:pPr>
+            <a:r>
+              <a:rPr lang="en-IN" sz="1200" dirty="0"/>
+              <a:t>The Log spectrum graph obtained in the previous slide can be divided into 2 parts, one is due to.</a:t>
+            </a:r>
+          </a:p>
+          <a:p>
+            <a:pPr marL="285750" marR="0" lvl="0" indent="-285750" algn="l" defTabSz="914400" rtl="0" eaLnBrk="1" fontAlgn="auto" latinLnBrk="0" hangingPunct="1">
+              <a:lnSpc>
+                <a:spcPct val="100000"/>
+              </a:lnSpc>
+              <a:spcBef>
+                <a:spcPts val="0"/>
+              </a:spcBef>
+              <a:spcAft>
+                <a:spcPts val="0"/>
+              </a:spcAft>
+              <a:buClrTx/>
+              <a:buSzTx/>
+              <a:buFontTx/>
+              <a:buChar char="-"/>
+              <a:tabLst/>
+              <a:defRPr/>
+            </a:pPr>
+            <a:r>
+              <a:rPr lang="en-IN" sz="1200" dirty="0"/>
+              <a:t>COVID-19 alters the flexibility of vocal cords</a:t>
+            </a:r>
+          </a:p>
+          <a:p>
+            <a:pPr marL="285750" marR="0" lvl="0" indent="-285750" algn="l" defTabSz="914400" rtl="0" eaLnBrk="1" fontAlgn="auto" latinLnBrk="0" hangingPunct="1">
+              <a:lnSpc>
+                <a:spcPct val="100000"/>
+              </a:lnSpc>
+              <a:spcBef>
+                <a:spcPts val="0"/>
+              </a:spcBef>
+              <a:spcAft>
+                <a:spcPts val="0"/>
+              </a:spcAft>
+              <a:buClrTx/>
+              <a:buSzTx/>
+              <a:buFontTx/>
+              <a:buChar char="-"/>
+              <a:tabLst/>
+              <a:defRPr/>
+            </a:pPr>
+            <a:r>
+              <a:rPr lang="en-IN" sz="1200" dirty="0"/>
+              <a:t>The frequency of these peaks carries the identity of the cough hence is able to distinguish between COVID and Non- COVID cough</a:t>
+            </a:r>
+          </a:p>
+          <a:p>
+            <a:pPr marL="285750" marR="0" lvl="0" indent="-285750" algn="l" defTabSz="914400" rtl="0" eaLnBrk="1" fontAlgn="auto" latinLnBrk="0" hangingPunct="1">
+              <a:lnSpc>
+                <a:spcPct val="100000"/>
+              </a:lnSpc>
+              <a:spcBef>
+                <a:spcPts val="0"/>
+              </a:spcBef>
+              <a:spcAft>
+                <a:spcPts val="0"/>
+              </a:spcAft>
+              <a:buClrTx/>
+              <a:buSzTx/>
+              <a:buFontTx/>
+              <a:buChar char="-"/>
+              <a:tabLst/>
+              <a:defRPr/>
+            </a:pPr>
+            <a:r>
+              <a:rPr lang="en-IN" sz="1200" dirty="0"/>
+              <a:t>Now, After applying the IDFT, we obtain the occurrences (get the frequency) of different peaks present in the log spectrum graph</a:t>
+            </a:r>
+          </a:p>
+          <a:p>
+            <a:pPr marL="285750" marR="0" lvl="0" indent="-285750" algn="l" defTabSz="914400" rtl="0" eaLnBrk="1" fontAlgn="auto" latinLnBrk="0" hangingPunct="1">
+              <a:lnSpc>
+                <a:spcPct val="100000"/>
+              </a:lnSpc>
+              <a:spcBef>
+                <a:spcPts val="0"/>
+              </a:spcBef>
+              <a:spcAft>
+                <a:spcPts val="0"/>
+              </a:spcAft>
+              <a:buClrTx/>
+              <a:buSzTx/>
+              <a:buFontTx/>
+              <a:buChar char="-"/>
+              <a:tabLst/>
+              <a:defRPr/>
+            </a:pPr>
+            <a:r>
+              <a:rPr lang="en-IN" dirty="0"/>
+              <a:t>Y-value corresponding to the first 20 coordinates on X-axis are the first 20 MFCCs of that portion of cough signal</a:t>
+            </a:r>
+          </a:p>
+          <a:p>
+            <a:pPr marL="285750" marR="0" lvl="0" indent="-285750" algn="l" defTabSz="914400" rtl="0" eaLnBrk="1" fontAlgn="auto" latinLnBrk="0" hangingPunct="1">
+              <a:lnSpc>
+                <a:spcPct val="100000"/>
+              </a:lnSpc>
+              <a:spcBef>
+                <a:spcPts val="0"/>
+              </a:spcBef>
+              <a:spcAft>
+                <a:spcPts val="0"/>
+              </a:spcAft>
+              <a:buClrTx/>
+              <a:buSzTx/>
+              <a:buFontTx/>
+              <a:buChar char="-"/>
+              <a:tabLst/>
+              <a:defRPr/>
+            </a:pPr>
+            <a:r>
+              <a:rPr lang="en-IN" dirty="0"/>
+              <a:t>The mean of these 20 MFCCs of all the portions of the cough signal represents the first 20 MFCCs of the entire cough</a:t>
+            </a:r>
+          </a:p>
+          <a:p>
+            <a:pPr marL="285750" marR="0" lvl="0" indent="-285750" algn="l" defTabSz="914400" rtl="0" eaLnBrk="1" fontAlgn="auto" latinLnBrk="0" hangingPunct="1">
+              <a:lnSpc>
+                <a:spcPct val="100000"/>
+              </a:lnSpc>
+              <a:spcBef>
+                <a:spcPts val="0"/>
+              </a:spcBef>
+              <a:spcAft>
+                <a:spcPts val="0"/>
+              </a:spcAft>
+              <a:buClrTx/>
+              <a:buSzTx/>
+              <a:buFontTx/>
+              <a:buChar char="-"/>
+              <a:tabLst/>
+              <a:defRPr/>
+            </a:pPr>
+            <a:endParaRPr lang="en-IN" sz="1200" dirty="0"/>
+          </a:p>
+          <a:p>
+            <a:pPr marL="285750" marR="0" lvl="0" indent="-285750" algn="l" defTabSz="914400" rtl="0" eaLnBrk="1" fontAlgn="auto" latinLnBrk="0" hangingPunct="1">
+              <a:lnSpc>
+                <a:spcPct val="100000"/>
+              </a:lnSpc>
+              <a:spcBef>
+                <a:spcPts val="0"/>
+              </a:spcBef>
+              <a:spcAft>
+                <a:spcPts val="0"/>
+              </a:spcAft>
+              <a:buClrTx/>
+              <a:buSzTx/>
+              <a:buFontTx/>
+              <a:buChar char="-"/>
+              <a:tabLst/>
+              <a:defRPr/>
+            </a:pPr>
+            <a:endParaRPr lang="en-IN" sz="1200" dirty="0"/>
+          </a:p>
+          <a:p>
+            <a:pPr marL="285750" marR="0" lvl="0" indent="-285750" algn="l" defTabSz="914400" rtl="0" eaLnBrk="1" fontAlgn="auto" latinLnBrk="0" hangingPunct="1">
+              <a:lnSpc>
+                <a:spcPct val="100000"/>
+              </a:lnSpc>
+              <a:spcBef>
+                <a:spcPts val="0"/>
+              </a:spcBef>
+              <a:spcAft>
+                <a:spcPts val="0"/>
+              </a:spcAft>
+              <a:buClrTx/>
+              <a:buSzTx/>
+              <a:buFontTx/>
+              <a:buChar char="-"/>
+              <a:tabLst/>
+              <a:defRPr/>
+            </a:pPr>
+            <a:r>
+              <a:rPr lang="en-IN" sz="1200" dirty="0"/>
+              <a:t>The method of applying the DFT to small portion of cough signal is performed by applying STFT to the entire signal</a:t>
+            </a:r>
+          </a:p>
+          <a:p>
+            <a:pPr marL="285750" indent="-285750">
+              <a:buFontTx/>
+              <a:buChar char="-"/>
+            </a:pPr>
+            <a:endParaRPr lang="en-IN" dirty="0"/>
+          </a:p>
+        </p:txBody>
+      </p:sp>
+      <p:sp>
+        <p:nvSpPr>
+          <p:cNvPr id="4" name="Slide Number Placeholder 3"/>
+          <p:cNvSpPr>
+            <a:spLocks noGrp="1"/>
+          </p:cNvSpPr>
+          <p:nvPr>
+            <p:ph type="sldNum" sz="quarter" idx="5"/>
+          </p:nvPr>
+        </p:nvSpPr>
+        <p:spPr/>
+        <p:txBody>
+          <a:bodyPr/>
+          <a:lstStyle/>
+          <a:p>
+            <a:fld id="{1C1A28B9-81B1-4457-BC57-23C2E077B729}" type="slidenum">
+              <a:rPr lang="en-IN" smtClean="0"/>
+              <a:t>13</a:t>
+            </a:fld>
+            <a:endParaRPr lang="en-IN"/>
+          </a:p>
+        </p:txBody>
+      </p:sp>
+    </p:spTree>
+    <p:extLst>
+      <p:ext uri="{BB962C8B-B14F-4D97-AF65-F5344CB8AC3E}">
+        <p14:creationId xmlns:p14="http://schemas.microsoft.com/office/powerpoint/2010/main" val="1922361999"/>
+      </p:ext>
+    </p:extLst>
+  </p:cSld>
+  <p:clrMapOvr>
+    <a:masterClrMapping/>
+  </p:clrMapOvr>
+</p:notes>
+</file>
+
+<file path=ppt/notesSlides/notesSlide14.xml><?xml version="1.0" encoding="utf-8"?>
+<p:notes xmlns:a="http://schemas.openxmlformats.org/drawingml/2006/main" xmlns:r="http://schemas.openxmlformats.org/officeDocument/2006/relationships" xmlns:p="http://schemas.openxmlformats.org/presentationml/2006/main">
+  <p:cSld>
+    <p:spTree>
+      <p:nvGrpSpPr>
+        <p:cNvPr id="1" name=""/>
+        <p:cNvGrpSpPr/>
+        <p:nvPr/>
+      </p:nvGrpSpPr>
+      <p:grpSpPr>
+        <a:xfrm>
+          <a:off x="0" y="0"/>
+          <a:ext cx="0" cy="0"/>
+          <a:chOff x="0" y="0"/>
+          <a:chExt cx="0" cy="0"/>
+        </a:xfrm>
+      </p:grpSpPr>
+      <p:sp>
+        <p:nvSpPr>
+          <p:cNvPr id="2" name="Slide Image Placeholder 1"/>
+          <p:cNvSpPr>
+            <a:spLocks noGrp="1" noRot="1" noChangeAspect="1"/>
+          </p:cNvSpPr>
+          <p:nvPr>
+            <p:ph type="sldImg"/>
+          </p:nvPr>
+        </p:nvSpPr>
+        <p:spPr/>
+      </p:sp>
+      <p:sp>
+        <p:nvSpPr>
+          <p:cNvPr id="3" name="Notes Placeholder 2"/>
+          <p:cNvSpPr>
+            <a:spLocks noGrp="1"/>
+          </p:cNvSpPr>
+          <p:nvPr>
+            <p:ph type="body" idx="1"/>
+          </p:nvPr>
+        </p:nvSpPr>
+        <p:spPr/>
+        <p:txBody>
+          <a:bodyPr/>
+          <a:lstStyle/>
+          <a:p>
             <a:pPr marL="0" marR="0" lvl="0" indent="0" algn="l" defTabSz="914400" rtl="0" eaLnBrk="1" fontAlgn="auto" latinLnBrk="0" hangingPunct="1">
               <a:lnSpc>
                 <a:spcPct val="100000"/>
@@ -4441,7 +4734,7 @@
           <a:p>
             <a:fld id="{1C1A28B9-81B1-4457-BC57-23C2E077B729}" type="slidenum">
               <a:rPr lang="en-IN" smtClean="0"/>
-              <a:t>13</a:t>
+              <a:t>14</a:t>
             </a:fld>
             <a:endParaRPr lang="en-IN"/>
           </a:p>
@@ -4460,7 +4753,7 @@
 </p:notes>
 </file>
 
-<file path=ppt/notesSlides/notesSlide14.xml><?xml version="1.0" encoding="utf-8"?>
+<file path=ppt/notesSlides/notesSlide15.xml><?xml version="1.0" encoding="utf-8"?>
 <p:notes xmlns:a="http://schemas.openxmlformats.org/drawingml/2006/main" xmlns:r="http://schemas.openxmlformats.org/officeDocument/2006/relationships" xmlns:p="http://schemas.openxmlformats.org/presentationml/2006/main">
   <p:cSld>
     <p:spTree>
@@ -5844,7 +6137,7 @@
           <a:p>
             <a:fld id="{1C1A28B9-81B1-4457-BC57-23C2E077B729}" type="slidenum">
               <a:rPr lang="en-IN" smtClean="0"/>
-              <a:t>14</a:t>
+              <a:t>15</a:t>
             </a:fld>
             <a:endParaRPr lang="en-IN"/>
           </a:p>
@@ -5854,230 +6147,6 @@
     <p:extLst>
       <p:ext uri="{BB962C8B-B14F-4D97-AF65-F5344CB8AC3E}">
         <p14:creationId xmlns:p14="http://schemas.microsoft.com/office/powerpoint/2010/main" val="2532602465"/>
-      </p:ext>
-    </p:extLst>
-  </p:cSld>
-  <p:clrMapOvr>
-    <a:masterClrMapping/>
-  </p:clrMapOvr>
-</p:notes>
-</file>
-
-<file path=ppt/notesSlides/notesSlide15.xml><?xml version="1.0" encoding="utf-8"?>
-<p:notes xmlns:a="http://schemas.openxmlformats.org/drawingml/2006/main" xmlns:r="http://schemas.openxmlformats.org/officeDocument/2006/relationships" xmlns:p="http://schemas.openxmlformats.org/presentationml/2006/main">
-  <p:cSld>
-    <p:spTree>
-      <p:nvGrpSpPr>
-        <p:cNvPr id="1" name=""/>
-        <p:cNvGrpSpPr/>
-        <p:nvPr/>
-      </p:nvGrpSpPr>
-      <p:grpSpPr>
-        <a:xfrm>
-          <a:off x="0" y="0"/>
-          <a:ext cx="0" cy="0"/>
-          <a:chOff x="0" y="0"/>
-          <a:chExt cx="0" cy="0"/>
-        </a:xfrm>
-      </p:grpSpPr>
-      <p:sp>
-        <p:nvSpPr>
-          <p:cNvPr id="2" name="Slide Image Placeholder 1"/>
-          <p:cNvSpPr>
-            <a:spLocks noGrp="1" noRot="1" noChangeAspect="1"/>
-          </p:cNvSpPr>
-          <p:nvPr>
-            <p:ph type="sldImg"/>
-          </p:nvPr>
-        </p:nvSpPr>
-        <p:spPr/>
-      </p:sp>
-      <p:sp>
-        <p:nvSpPr>
-          <p:cNvPr id="3" name="Notes Placeholder 2"/>
-          <p:cNvSpPr>
-            <a:spLocks noGrp="1"/>
-          </p:cNvSpPr>
-          <p:nvPr>
-            <p:ph type="body" idx="1"/>
-          </p:nvPr>
-        </p:nvSpPr>
-        <p:spPr/>
-        <p:txBody>
-          <a:bodyPr/>
-          <a:lstStyle/>
-          <a:p>
-            <a:pPr marL="0" marR="0" lvl="0" indent="0" algn="l" defTabSz="914400" rtl="0" eaLnBrk="1" fontAlgn="auto" latinLnBrk="0" hangingPunct="1">
-              <a:lnSpc>
-                <a:spcPct val="100000"/>
-              </a:lnSpc>
-              <a:spcBef>
-                <a:spcPts val="0"/>
-              </a:spcBef>
-              <a:spcAft>
-                <a:spcPts val="0"/>
-              </a:spcAft>
-              <a:buClrTx/>
-              <a:buSzTx/>
-              <a:buFontTx/>
-              <a:buNone/>
-              <a:tabLst/>
-              <a:defRPr/>
-            </a:pPr>
-            <a:r>
-              <a:rPr lang="en-US" sz="1200" dirty="0">
-                <a:effectLst/>
-                <a:latin typeface="Calibri" panose="020F0502020204030204" pitchFamily="34" charset="0"/>
-                <a:ea typeface="Calibri" panose="020F0502020204030204" pitchFamily="34" charset="0"/>
-                <a:cs typeface="Calibri" panose="020F0502020204030204" pitchFamily="34" charset="0"/>
-              </a:rPr>
-              <a:t>ENSEMBLE MODELS</a:t>
-            </a:r>
-            <a:br>
-              <a:rPr lang="en-US" sz="1200" dirty="0">
-                <a:effectLst/>
-                <a:latin typeface="Calibri" panose="020F0502020204030204" pitchFamily="34" charset="0"/>
-                <a:ea typeface="Calibri" panose="020F0502020204030204" pitchFamily="34" charset="0"/>
-                <a:cs typeface="Calibri" panose="020F0502020204030204" pitchFamily="34" charset="0"/>
-              </a:rPr>
-            </a:br>
-            <a:r>
-              <a:rPr lang="en-US" sz="1200" dirty="0">
-                <a:effectLst/>
-                <a:latin typeface="Calibri" panose="020F0502020204030204" pitchFamily="34" charset="0"/>
-                <a:ea typeface="Calibri" panose="020F0502020204030204" pitchFamily="34" charset="0"/>
-                <a:cs typeface="Calibri" panose="020F0502020204030204" pitchFamily="34" charset="0"/>
-              </a:rPr>
-              <a:t>*The idea here is to combine models with more explainability and more precision*</a:t>
-            </a:r>
-            <a:endParaRPr lang="en-IN" sz="1200" dirty="0">
-              <a:effectLst/>
-              <a:latin typeface="Calibri" panose="020F0502020204030204" pitchFamily="34" charset="0"/>
-              <a:ea typeface="Calibri" panose="020F0502020204030204" pitchFamily="34" charset="0"/>
-              <a:cs typeface="Times New Roman" panose="02020603050405020304" pitchFamily="18" charset="0"/>
-            </a:endParaRPr>
-          </a:p>
-          <a:p>
-            <a:endParaRPr lang="en-IN" dirty="0"/>
-          </a:p>
-          <a:p>
-            <a:r>
-              <a:rPr lang="en-IN" dirty="0"/>
-              <a:t>Combined the models and trained the ensemble model on train dataset</a:t>
-            </a:r>
-          </a:p>
-          <a:p>
-            <a:endParaRPr lang="en-IN" dirty="0"/>
-          </a:p>
-          <a:p>
-            <a:pPr marL="342900" indent="-342900">
-              <a:buAutoNum type="arabicPeriod"/>
-            </a:pPr>
-            <a:r>
-              <a:rPr lang="en-IN" sz="1800" dirty="0">
-                <a:effectLst/>
-                <a:latin typeface="Calibri" panose="020F0502020204030204" pitchFamily="34" charset="0"/>
-                <a:ea typeface="Calibri" panose="020F0502020204030204" pitchFamily="34" charset="0"/>
-              </a:rPr>
-              <a:t>Base Model or Base Learners are those models which fit the training data and the predictions are made</a:t>
-            </a:r>
-          </a:p>
-          <a:p>
-            <a:pPr marL="228600" indent="-228600">
-              <a:buAutoNum type="arabicPeriod"/>
-            </a:pPr>
-            <a:r>
-              <a:rPr lang="en-IN" sz="1800" dirty="0">
-                <a:effectLst/>
-                <a:latin typeface="Calibri" panose="020F0502020204030204" pitchFamily="34" charset="0"/>
-              </a:rPr>
-              <a:t>   </a:t>
-            </a:r>
-            <a:r>
-              <a:rPr lang="en-IN" sz="1800" dirty="0">
-                <a:effectLst/>
-                <a:latin typeface="Calibri" panose="020F0502020204030204" pitchFamily="34" charset="0"/>
-                <a:ea typeface="Calibri" panose="020F0502020204030204" pitchFamily="34" charset="0"/>
-              </a:rPr>
-              <a:t>Meta model or Meta Learners is the model which learns how to combine the predictions of the Base models best</a:t>
-            </a:r>
-          </a:p>
-          <a:p>
-            <a:pPr marL="228600" indent="-228600">
-              <a:buAutoNum type="arabicPeriod"/>
-            </a:pPr>
-            <a:r>
-              <a:rPr lang="en-IN" sz="1800" dirty="0">
-                <a:effectLst/>
-                <a:latin typeface="Calibri" panose="020F0502020204030204" pitchFamily="34" charset="0"/>
-              </a:rPr>
-              <a:t>   </a:t>
-            </a:r>
-            <a:r>
-              <a:rPr lang="en-IN" sz="1800" dirty="0">
-                <a:effectLst/>
-                <a:latin typeface="Calibri" panose="020F0502020204030204" pitchFamily="34" charset="0"/>
-                <a:ea typeface="Calibri" panose="020F0502020204030204" pitchFamily="34" charset="0"/>
-              </a:rPr>
-              <a:t>Here, Logistic Regression, Explainable Boosting Machine, XG Boost, Decision Tree and Random Forest Classifier has been used as “Level 0” models.  Random Forest Classifier has been used as the “Level 1” model.</a:t>
-            </a:r>
-          </a:p>
-          <a:p>
-            <a:pPr marL="228600" lvl="0" indent="-228600">
-              <a:buAutoNum type="arabicPeriod"/>
-            </a:pPr>
-            <a:endParaRPr lang="en-IN" sz="1800" dirty="0">
-              <a:effectLst/>
-              <a:latin typeface="Calibri" panose="020F0502020204030204" pitchFamily="34" charset="0"/>
-            </a:endParaRPr>
-          </a:p>
-          <a:p>
-            <a:pPr marL="0" indent="0">
-              <a:buNone/>
-            </a:pPr>
-            <a:r>
-              <a:rPr lang="en-IN" sz="1800" dirty="0">
-                <a:effectLst/>
-                <a:latin typeface="Calibri" panose="020F0502020204030204" pitchFamily="34" charset="0"/>
-              </a:rPr>
-              <a:t>Further Explanation:  </a:t>
-            </a:r>
-          </a:p>
-          <a:p>
-            <a:pPr marL="0" indent="0">
-              <a:buNone/>
-            </a:pPr>
-            <a:endParaRPr lang="en-IN" dirty="0"/>
-          </a:p>
-        </p:txBody>
-      </p:sp>
-      <p:sp>
-        <p:nvSpPr>
-          <p:cNvPr id="4" name="Slide Number Placeholder 3"/>
-          <p:cNvSpPr>
-            <a:spLocks noGrp="1"/>
-          </p:cNvSpPr>
-          <p:nvPr>
-            <p:ph type="sldNum" sz="quarter" idx="5"/>
-          </p:nvPr>
-        </p:nvSpPr>
-        <p:spPr/>
-        <p:txBody>
-          <a:bodyPr/>
-          <a:lstStyle/>
-          <a:p>
-            <a:fld id="{1C1A28B9-81B1-4457-BC57-23C2E077B729}" type="slidenum">
-              <a:rPr lang="en-IN" smtClean="0"/>
-              <a:t>15</a:t>
-            </a:fld>
-            <a:endParaRPr lang="en-IN"/>
-          </a:p>
-        </p:txBody>
-      </p:sp>
-    </p:spTree>
-    <p:extLst>
-      <p:ext uri="{BB962C8B-B14F-4D97-AF65-F5344CB8AC3E}">
-        <p14:creationId xmlns:p14="http://schemas.microsoft.com/office/powerpoint/2010/main" val="3310885500"/>
       </p:ext>
     </p:extLst>
   </p:cSld>
@@ -6149,226 +6218,128 @@
               <a:defRPr/>
             </a:pPr>
             <a:r>
+              <a:rPr lang="en-US" sz="1200" dirty="0">
+                <a:effectLst/>
+                <a:latin typeface="Calibri" panose="020F0502020204030204" pitchFamily="34" charset="0"/>
+                <a:ea typeface="Calibri" panose="020F0502020204030204" pitchFamily="34" charset="0"/>
+                <a:cs typeface="Calibri" panose="020F0502020204030204" pitchFamily="34" charset="0"/>
+              </a:rPr>
+              <a:t>ENSEMBLE MODELS</a:t>
+            </a:r>
+            <a:br>
+              <a:rPr lang="en-US" sz="1200" dirty="0">
+                <a:effectLst/>
+                <a:latin typeface="Calibri" panose="020F0502020204030204" pitchFamily="34" charset="0"/>
+                <a:ea typeface="Calibri" panose="020F0502020204030204" pitchFamily="34" charset="0"/>
+                <a:cs typeface="Calibri" panose="020F0502020204030204" pitchFamily="34" charset="0"/>
+              </a:rPr>
+            </a:br>
+            <a:r>
+              <a:rPr lang="en-US" sz="1200" dirty="0">
+                <a:effectLst/>
+                <a:latin typeface="Calibri" panose="020F0502020204030204" pitchFamily="34" charset="0"/>
+                <a:ea typeface="Calibri" panose="020F0502020204030204" pitchFamily="34" charset="0"/>
+                <a:cs typeface="Calibri" panose="020F0502020204030204" pitchFamily="34" charset="0"/>
+              </a:rPr>
+              <a:t>*The idea here is to combine models with more explainability and more precision*</a:t>
+            </a:r>
+            <a:endParaRPr lang="en-IN" sz="1200" dirty="0">
+              <a:effectLst/>
+              <a:latin typeface="Calibri" panose="020F0502020204030204" pitchFamily="34" charset="0"/>
+              <a:ea typeface="Calibri" panose="020F0502020204030204" pitchFamily="34" charset="0"/>
+              <a:cs typeface="Times New Roman" panose="02020603050405020304" pitchFamily="18" charset="0"/>
+            </a:endParaRPr>
+          </a:p>
+          <a:p>
+            <a:endParaRPr lang="en-IN" dirty="0"/>
+          </a:p>
+          <a:p>
+            <a:r>
               <a:rPr lang="en-IN" dirty="0"/>
-              <a:t>RESULTS</a:t>
-            </a:r>
-          </a:p>
-          <a:p>
-            <a:pPr marL="0" marR="0" lvl="0" indent="0" algn="l" defTabSz="914400" rtl="0" eaLnBrk="1" fontAlgn="auto" latinLnBrk="0" hangingPunct="1">
-              <a:lnSpc>
-                <a:spcPct val="100000"/>
-              </a:lnSpc>
-              <a:spcBef>
-                <a:spcPts val="0"/>
-              </a:spcBef>
-              <a:spcAft>
-                <a:spcPts val="0"/>
-              </a:spcAft>
-              <a:buClrTx/>
-              <a:buSzTx/>
-              <a:buFontTx/>
-              <a:buNone/>
-              <a:tabLst/>
-              <a:defRPr/>
+              <a:t>Combined the models and trained the ensemble model on train dataset</a:t>
+            </a:r>
+          </a:p>
+          <a:p>
+            <a:endParaRPr lang="en-IN" dirty="0"/>
+          </a:p>
+          <a:p>
+            <a:pPr marL="342900" indent="-342900">
+              <a:buAutoNum type="arabicPeriod"/>
             </a:pPr>
-            <a:endParaRPr lang="en-IN" dirty="0"/>
-          </a:p>
-          <a:p>
-            <a:pPr marL="0" marR="0" lvl="0" indent="0" algn="l" defTabSz="914400" rtl="0" eaLnBrk="1" fontAlgn="auto" latinLnBrk="0" hangingPunct="1">
-              <a:lnSpc>
-                <a:spcPct val="100000"/>
-              </a:lnSpc>
-              <a:spcBef>
-                <a:spcPts val="0"/>
-              </a:spcBef>
-              <a:spcAft>
-                <a:spcPts val="0"/>
-              </a:spcAft>
-              <a:buClrTx/>
-              <a:buSzTx/>
-              <a:buFontTx/>
-              <a:buNone/>
-              <a:tabLst/>
-              <a:defRPr/>
-            </a:pPr>
-            <a:r>
-              <a:rPr lang="en-IN" dirty="0"/>
-              <a:t>For evaluating our model, there are 2 important metrics.</a:t>
-            </a:r>
-          </a:p>
-          <a:p>
-            <a:pPr marL="228600" marR="0" lvl="0" indent="-228600" algn="l" defTabSz="914400" rtl="0" eaLnBrk="1" fontAlgn="auto" latinLnBrk="0" hangingPunct="1">
-              <a:lnSpc>
-                <a:spcPct val="100000"/>
-              </a:lnSpc>
-              <a:spcBef>
-                <a:spcPts val="0"/>
-              </a:spcBef>
-              <a:spcAft>
-                <a:spcPts val="0"/>
-              </a:spcAft>
-              <a:buClrTx/>
-              <a:buSzTx/>
-              <a:buFontTx/>
-              <a:buAutoNum type="arabicPeriod"/>
-              <a:tabLst/>
-              <a:defRPr/>
-            </a:pPr>
-            <a:r>
-              <a:rPr lang="en-IN" dirty="0"/>
-              <a:t>Correctly identifying all the COVID-19 Positive Patients including the asymptotic ones </a:t>
-            </a:r>
-            <a:r>
-              <a:rPr lang="en-IN" dirty="0">
-                <a:sym typeface="Wingdings" panose="05000000000000000000" pitchFamily="2" charset="2"/>
-              </a:rPr>
-              <a:t> Recall: </a:t>
-            </a:r>
-            <a:r>
-              <a:rPr lang="en-US" sz="1800" dirty="0">
+            <a:r>
+              <a:rPr lang="en-IN" sz="1800" dirty="0">
                 <a:effectLst/>
                 <a:latin typeface="Calibri" panose="020F0502020204030204" pitchFamily="34" charset="0"/>
                 <a:ea typeface="Calibri" panose="020F0502020204030204" pitchFamily="34" charset="0"/>
               </a:rPr>
-              <a:t>Recall is the measure of the Total True positives (in this case COVID positive patients’ cough) detected by the Model </a:t>
-            </a:r>
-          </a:p>
-          <a:p>
-            <a:pPr marL="228600" marR="0" lvl="0" indent="-228600" algn="l" defTabSz="914400" rtl="0" eaLnBrk="1" fontAlgn="auto" latinLnBrk="0" hangingPunct="1">
-              <a:lnSpc>
-                <a:spcPct val="100000"/>
-              </a:lnSpc>
-              <a:spcBef>
-                <a:spcPts val="0"/>
-              </a:spcBef>
-              <a:spcAft>
-                <a:spcPts val="0"/>
-              </a:spcAft>
-              <a:buClrTx/>
-              <a:buSzTx/>
-              <a:buFontTx/>
+              <a:t>Base Model or Base Learners are those models which fit the training data and the predictions are made</a:t>
+            </a:r>
+          </a:p>
+          <a:p>
+            <a:pPr marL="228600" indent="-228600">
               <a:buAutoNum type="arabicPeriod"/>
-              <a:tabLst/>
-              <a:defRPr/>
             </a:pPr>
             <a:r>
-              <a:rPr lang="en-IN" dirty="0">
-                <a:sym typeface="Wingdings" panose="05000000000000000000" pitchFamily="2" charset="2"/>
+              <a:rPr lang="en-IN" sz="1800" dirty="0">
+                <a:effectLst/>
+                <a:latin typeface="Calibri" panose="020F0502020204030204" pitchFamily="34" charset="0"/>
               </a:rPr>
-              <a:t>This metric is more important as we can not let a COVID-19 Positive patient get tested as Negative as that would lead to increased transmission, hence </a:t>
-            </a:r>
-            <a:r>
-              <a:rPr lang="en-US" sz="1800" dirty="0">
+              <a:t>   </a:t>
+            </a:r>
+            <a:r>
+              <a:rPr lang="en-IN" sz="1800" dirty="0">
                 <a:effectLst/>
                 <a:latin typeface="Calibri" panose="020F0502020204030204" pitchFamily="34" charset="0"/>
                 <a:ea typeface="Calibri" panose="020F0502020204030204" pitchFamily="34" charset="0"/>
               </a:rPr>
-              <a:t>Recall is the correct metric for evaluating the models used for detecting COVID positive patients, and a Recall of 1 would be ideal for such a model</a:t>
-            </a:r>
-            <a:r>
-              <a:rPr lang="en-IN" dirty="0">
-                <a:sym typeface="Wingdings" panose="05000000000000000000" pitchFamily="2" charset="2"/>
+              <a:t>Meta model or Meta Learners is the model which learns how to combine the predictions of the Base models best</a:t>
+            </a:r>
+          </a:p>
+          <a:p>
+            <a:pPr marL="228600" indent="-228600">
+              <a:buAutoNum type="arabicPeriod"/>
+            </a:pPr>
+            <a:r>
+              <a:rPr lang="en-IN" sz="1800" dirty="0">
+                <a:effectLst/>
+                <a:latin typeface="Calibri" panose="020F0502020204030204" pitchFamily="34" charset="0"/>
               </a:rPr>
-              <a:t>.</a:t>
-            </a:r>
-            <a:endParaRPr lang="en-IN" dirty="0"/>
-          </a:p>
-          <a:p>
-            <a:pPr marL="228600" marR="0" lvl="0" indent="-228600" algn="l" defTabSz="914400" rtl="0" eaLnBrk="1" fontAlgn="auto" latinLnBrk="0" hangingPunct="1">
-              <a:lnSpc>
-                <a:spcPct val="100000"/>
-              </a:lnSpc>
-              <a:spcBef>
-                <a:spcPts val="0"/>
-              </a:spcBef>
-              <a:spcAft>
-                <a:spcPts val="0"/>
-              </a:spcAft>
-              <a:buClrTx/>
-              <a:buSzTx/>
-              <a:buFontTx/>
+              <a:t>   </a:t>
+            </a:r>
+            <a:r>
+              <a:rPr lang="en-IN" sz="1800" dirty="0">
+                <a:effectLst/>
+                <a:latin typeface="Calibri" panose="020F0502020204030204" pitchFamily="34" charset="0"/>
+                <a:ea typeface="Calibri" panose="020F0502020204030204" pitchFamily="34" charset="0"/>
+              </a:rPr>
+              <a:t>Here, Logistic Regression, Explainable Boosting Machine, XG Boost, Decision Tree and Random Forest Classifier has been used as “Level 0” models.  Random Forest Classifier has been used as the “Level 1” model.</a:t>
+            </a:r>
+          </a:p>
+          <a:p>
+            <a:pPr marL="228600" lvl="0" indent="-228600">
               <a:buAutoNum type="arabicPeriod"/>
-              <a:tabLst/>
-              <a:defRPr/>
             </a:pPr>
-            <a:r>
-              <a:rPr lang="en-IN" dirty="0"/>
-              <a:t>Correct differentiation between COVID-19 and Non-COVID-19 patients’ cough</a:t>
-            </a:r>
-          </a:p>
-          <a:p>
-            <a:pPr marL="0" marR="0" lvl="0" indent="0" algn="l" defTabSz="914400" rtl="0" eaLnBrk="1" fontAlgn="auto" latinLnBrk="0" hangingPunct="1">
-              <a:lnSpc>
-                <a:spcPct val="100000"/>
-              </a:lnSpc>
-              <a:spcBef>
-                <a:spcPts val="0"/>
-              </a:spcBef>
-              <a:spcAft>
-                <a:spcPts val="0"/>
-              </a:spcAft>
-              <a:buClrTx/>
-              <a:buSzTx/>
-              <a:buFontTx/>
+            <a:endParaRPr lang="en-IN" sz="1800" dirty="0">
+              <a:effectLst/>
+              <a:latin typeface="Calibri" panose="020F0502020204030204" pitchFamily="34" charset="0"/>
+            </a:endParaRPr>
+          </a:p>
+          <a:p>
+            <a:pPr marL="0" indent="0">
               <a:buNone/>
-              <a:tabLst/>
-              <a:defRPr/>
             </a:pPr>
-            <a:endParaRPr lang="en-IN" dirty="0"/>
-          </a:p>
-          <a:p>
-            <a:pPr marL="0" marR="0" lvl="0" indent="0" algn="l" defTabSz="914400" rtl="0" eaLnBrk="1" fontAlgn="auto" latinLnBrk="0" hangingPunct="1">
-              <a:lnSpc>
-                <a:spcPct val="100000"/>
-              </a:lnSpc>
-              <a:spcBef>
-                <a:spcPts val="0"/>
-              </a:spcBef>
-              <a:spcAft>
-                <a:spcPts val="0"/>
-              </a:spcAft>
-              <a:buClrTx/>
-              <a:buSzTx/>
-              <a:buFontTx/>
+            <a:r>
+              <a:rPr lang="en-IN" sz="1800" dirty="0">
+                <a:effectLst/>
+                <a:latin typeface="Calibri" panose="020F0502020204030204" pitchFamily="34" charset="0"/>
+              </a:rPr>
+              <a:t>Further Explanation:  </a:t>
+            </a:r>
+          </a:p>
+          <a:p>
+            <a:pPr marL="0" indent="0">
               <a:buNone/>
-              <a:tabLst/>
-              <a:defRPr/>
             </a:pPr>
-            <a:r>
-              <a:rPr lang="en-IN" dirty="0"/>
-              <a:t>Learning Curve of the Model </a:t>
-            </a:r>
-            <a:r>
-              <a:rPr lang="en-IN" dirty="0">
-                <a:sym typeface="Wingdings" panose="05000000000000000000" pitchFamily="2" charset="2"/>
-              </a:rPr>
-              <a:t> Used to check if the model was overfitting the dataset which was not the case</a:t>
-            </a:r>
-          </a:p>
-          <a:p>
-            <a:pPr marL="0" marR="0" lvl="0" indent="0" algn="l" defTabSz="914400" rtl="0" eaLnBrk="1" fontAlgn="auto" latinLnBrk="0" hangingPunct="1">
-              <a:lnSpc>
-                <a:spcPct val="100000"/>
-              </a:lnSpc>
-              <a:spcBef>
-                <a:spcPts val="0"/>
-              </a:spcBef>
-              <a:spcAft>
-                <a:spcPts val="0"/>
-              </a:spcAft>
-              <a:buClrTx/>
-              <a:buSzTx/>
-              <a:buFontTx/>
-              <a:buNone/>
-              <a:tabLst/>
-              <a:defRPr/>
-            </a:pPr>
-            <a:r>
-              <a:rPr lang="en-IN" dirty="0">
-                <a:sym typeface="Wingdings" panose="05000000000000000000" pitchFamily="2" charset="2"/>
-              </a:rPr>
-              <a:t>Table  As we can see the table, our Model has shown highest Recall and Precision </a:t>
-            </a:r>
             <a:endParaRPr lang="en-IN" dirty="0"/>
           </a:p>
         </p:txBody>
@@ -6399,7 +6370,7 @@
     </p:spTree>
     <p:extLst>
       <p:ext uri="{BB962C8B-B14F-4D97-AF65-F5344CB8AC3E}">
-        <p14:creationId xmlns:p14="http://schemas.microsoft.com/office/powerpoint/2010/main" val="2060458879"/>
+        <p14:creationId xmlns:p14="http://schemas.microsoft.com/office/powerpoint/2010/main" val="3310885500"/>
       </p:ext>
     </p:extLst>
   </p:cSld>
@@ -6453,15 +6424,6 @@
           <a:bodyPr/>
           <a:lstStyle/>
           <a:p>
-            <a:r>
-              <a:rPr lang="en-IN" dirty="0"/>
-              <a:t>APP</a:t>
-            </a:r>
-          </a:p>
-          <a:p>
-            <a:endParaRPr lang="en-IN" dirty="0"/>
-          </a:p>
-          <a:p>
             <a:pPr marL="0" marR="0" lvl="0" indent="0" algn="l" defTabSz="914400" rtl="0" eaLnBrk="1" fontAlgn="auto" latinLnBrk="0" hangingPunct="1">
               <a:lnSpc>
                 <a:spcPct val="100000"/>
@@ -6481,19 +6443,225 @@
             </a:pPr>
             <a:r>
               <a:rPr lang="en-IN" dirty="0"/>
-              <a:t>Figure 1.: </a:t>
-            </a:r>
-            <a:r>
-              <a:rPr lang="en-IN" sz="1800" dirty="0">
+              <a:t>RESULTS</a:t>
+            </a:r>
+          </a:p>
+          <a:p>
+            <a:pPr marL="0" marR="0" lvl="0" indent="0" algn="l" defTabSz="914400" rtl="0" eaLnBrk="1" fontAlgn="auto" latinLnBrk="0" hangingPunct="1">
+              <a:lnSpc>
+                <a:spcPct val="100000"/>
+              </a:lnSpc>
+              <a:spcBef>
+                <a:spcPts val="0"/>
+              </a:spcBef>
+              <a:spcAft>
+                <a:spcPts val="0"/>
+              </a:spcAft>
+              <a:buClrTx/>
+              <a:buSzTx/>
+              <a:buFontTx/>
+              <a:buNone/>
+              <a:tabLst/>
+              <a:defRPr/>
+            </a:pPr>
+            <a:endParaRPr lang="en-IN" dirty="0"/>
+          </a:p>
+          <a:p>
+            <a:pPr marL="0" marR="0" lvl="0" indent="0" algn="l" defTabSz="914400" rtl="0" eaLnBrk="1" fontAlgn="auto" latinLnBrk="0" hangingPunct="1">
+              <a:lnSpc>
+                <a:spcPct val="100000"/>
+              </a:lnSpc>
+              <a:spcBef>
+                <a:spcPts val="0"/>
+              </a:spcBef>
+              <a:spcAft>
+                <a:spcPts val="0"/>
+              </a:spcAft>
+              <a:buClrTx/>
+              <a:buSzTx/>
+              <a:buFontTx/>
+              <a:buNone/>
+              <a:tabLst/>
+              <a:defRPr/>
+            </a:pPr>
+            <a:r>
+              <a:rPr lang="en-IN" dirty="0"/>
+              <a:t>For evaluating our model, there are 2 important metrics.</a:t>
+            </a:r>
+          </a:p>
+          <a:p>
+            <a:pPr marL="228600" marR="0" lvl="0" indent="-228600" algn="l" defTabSz="914400" rtl="0" eaLnBrk="1" fontAlgn="auto" latinLnBrk="0" hangingPunct="1">
+              <a:lnSpc>
+                <a:spcPct val="100000"/>
+              </a:lnSpc>
+              <a:spcBef>
+                <a:spcPts val="0"/>
+              </a:spcBef>
+              <a:spcAft>
+                <a:spcPts val="0"/>
+              </a:spcAft>
+              <a:buClrTx/>
+              <a:buSzTx/>
+              <a:buFontTx/>
+              <a:buAutoNum type="arabicPeriod"/>
+              <a:tabLst/>
+              <a:defRPr/>
+            </a:pPr>
+            <a:r>
+              <a:rPr lang="en-IN" dirty="0"/>
+              <a:t>Correctly identifying all the COVID-19 Positive Patients including the asymptotic ones </a:t>
+            </a:r>
+            <a:r>
+              <a:rPr lang="en-IN" dirty="0">
+                <a:sym typeface="Wingdings" panose="05000000000000000000" pitchFamily="2" charset="2"/>
+              </a:rPr>
+              <a:t> Recall: </a:t>
+            </a:r>
+            <a:r>
+              <a:rPr lang="en-US" sz="1800" dirty="0">
                 <a:effectLst/>
                 <a:latin typeface="Calibri" panose="020F0502020204030204" pitchFamily="34" charset="0"/>
                 <a:ea typeface="Calibri" panose="020F0502020204030204" pitchFamily="34" charset="0"/>
-                <a:cs typeface="Times New Roman" panose="02020603050405020304" pitchFamily="18" charset="0"/>
               </a:rPr>
-              <a:t>In the application, the user is the prompted to input their name and record their cough. Here I have taken a sample of my cough recording hence I have inserted my name. As we can see, the app starts recording the cough sounds. This recording is of a 5 second duration.</a:t>
-            </a:r>
-          </a:p>
-          <a:p>
+              <a:t>Recall is the measure of the Total True positives (in this case COVID positive patients’ cough) detected by the Model </a:t>
+            </a:r>
+          </a:p>
+          <a:p>
+            <a:pPr marL="228600" marR="0" lvl="0" indent="-228600" algn="l" defTabSz="914400" rtl="0" eaLnBrk="1" fontAlgn="auto" latinLnBrk="0" hangingPunct="1">
+              <a:lnSpc>
+                <a:spcPct val="100000"/>
+              </a:lnSpc>
+              <a:spcBef>
+                <a:spcPts val="0"/>
+              </a:spcBef>
+              <a:spcAft>
+                <a:spcPts val="0"/>
+              </a:spcAft>
+              <a:buClrTx/>
+              <a:buSzTx/>
+              <a:buFontTx/>
+              <a:buAutoNum type="arabicPeriod"/>
+              <a:tabLst/>
+              <a:defRPr/>
+            </a:pPr>
+            <a:r>
+              <a:rPr lang="en-IN" dirty="0">
+                <a:sym typeface="Wingdings" panose="05000000000000000000" pitchFamily="2" charset="2"/>
+              </a:rPr>
+              <a:t>This metric is more important as we can not let a COVID-19 Positive patient get tested as Negative as that would lead to increased transmission, hence </a:t>
+            </a:r>
+            <a:r>
+              <a:rPr lang="en-US" sz="1800" dirty="0">
+                <a:effectLst/>
+                <a:latin typeface="Calibri" panose="020F0502020204030204" pitchFamily="34" charset="0"/>
+                <a:ea typeface="Calibri" panose="020F0502020204030204" pitchFamily="34" charset="0"/>
+              </a:rPr>
+              <a:t>Recall is the correct metric for evaluating the models used for detecting COVID positive patients, and a Recall of 1 would be ideal for such a model</a:t>
+            </a:r>
+            <a:r>
+              <a:rPr lang="en-IN" dirty="0">
+                <a:sym typeface="Wingdings" panose="05000000000000000000" pitchFamily="2" charset="2"/>
+              </a:rPr>
+              <a:t>.</a:t>
+            </a:r>
+            <a:endParaRPr lang="en-IN" dirty="0"/>
+          </a:p>
+          <a:p>
+            <a:pPr marL="228600" marR="0" lvl="0" indent="-228600" algn="l" defTabSz="914400" rtl="0" eaLnBrk="1" fontAlgn="auto" latinLnBrk="0" hangingPunct="1">
+              <a:lnSpc>
+                <a:spcPct val="100000"/>
+              </a:lnSpc>
+              <a:spcBef>
+                <a:spcPts val="0"/>
+              </a:spcBef>
+              <a:spcAft>
+                <a:spcPts val="0"/>
+              </a:spcAft>
+              <a:buClrTx/>
+              <a:buSzTx/>
+              <a:buFontTx/>
+              <a:buAutoNum type="arabicPeriod"/>
+              <a:tabLst/>
+              <a:defRPr/>
+            </a:pPr>
+            <a:r>
+              <a:rPr lang="en-IN" dirty="0"/>
+              <a:t>Correct differentiation between COVID-19 and Non-COVID-19 patients’ cough</a:t>
+            </a:r>
+          </a:p>
+          <a:p>
+            <a:pPr marL="0" marR="0" lvl="0" indent="0" algn="l" defTabSz="914400" rtl="0" eaLnBrk="1" fontAlgn="auto" latinLnBrk="0" hangingPunct="1">
+              <a:lnSpc>
+                <a:spcPct val="100000"/>
+              </a:lnSpc>
+              <a:spcBef>
+                <a:spcPts val="0"/>
+              </a:spcBef>
+              <a:spcAft>
+                <a:spcPts val="0"/>
+              </a:spcAft>
+              <a:buClrTx/>
+              <a:buSzTx/>
+              <a:buFontTx/>
+              <a:buNone/>
+              <a:tabLst/>
+              <a:defRPr/>
+            </a:pPr>
+            <a:endParaRPr lang="en-IN" dirty="0"/>
+          </a:p>
+          <a:p>
+            <a:pPr marL="0" marR="0" lvl="0" indent="0" algn="l" defTabSz="914400" rtl="0" eaLnBrk="1" fontAlgn="auto" latinLnBrk="0" hangingPunct="1">
+              <a:lnSpc>
+                <a:spcPct val="100000"/>
+              </a:lnSpc>
+              <a:spcBef>
+                <a:spcPts val="0"/>
+              </a:spcBef>
+              <a:spcAft>
+                <a:spcPts val="0"/>
+              </a:spcAft>
+              <a:buClrTx/>
+              <a:buSzTx/>
+              <a:buFontTx/>
+              <a:buNone/>
+              <a:tabLst/>
+              <a:defRPr/>
+            </a:pPr>
+            <a:r>
+              <a:rPr lang="en-IN" dirty="0"/>
+              <a:t>Learning Curve of the Model </a:t>
+            </a:r>
+            <a:r>
+              <a:rPr lang="en-IN" dirty="0">
+                <a:sym typeface="Wingdings" panose="05000000000000000000" pitchFamily="2" charset="2"/>
+              </a:rPr>
+              <a:t> Used to check if the model was overfitting the dataset which was not the case</a:t>
+            </a:r>
+          </a:p>
+          <a:p>
+            <a:pPr marL="0" marR="0" lvl="0" indent="0" algn="l" defTabSz="914400" rtl="0" eaLnBrk="1" fontAlgn="auto" latinLnBrk="0" hangingPunct="1">
+              <a:lnSpc>
+                <a:spcPct val="100000"/>
+              </a:lnSpc>
+              <a:spcBef>
+                <a:spcPts val="0"/>
+              </a:spcBef>
+              <a:spcAft>
+                <a:spcPts val="0"/>
+              </a:spcAft>
+              <a:buClrTx/>
+              <a:buSzTx/>
+              <a:buFontTx/>
+              <a:buNone/>
+              <a:tabLst/>
+              <a:defRPr/>
+            </a:pPr>
+            <a:r>
+              <a:rPr lang="en-IN" dirty="0">
+                <a:sym typeface="Wingdings" panose="05000000000000000000" pitchFamily="2" charset="2"/>
+              </a:rPr>
+              <a:t>Table  As we can see the table, our Model has shown highest Recall and Precision </a:t>
+            </a:r>
             <a:endParaRPr lang="en-IN" dirty="0"/>
           </a:p>
         </p:txBody>
@@ -6524,7 +6692,7 @@
     </p:spTree>
     <p:extLst>
       <p:ext uri="{BB962C8B-B14F-4D97-AF65-F5344CB8AC3E}">
-        <p14:creationId xmlns:p14="http://schemas.microsoft.com/office/powerpoint/2010/main" val="49893187"/>
+        <p14:creationId xmlns:p14="http://schemas.microsoft.com/office/powerpoint/2010/main" val="2060458879"/>
       </p:ext>
     </p:extLst>
   </p:cSld>
@@ -6606,8 +6774,20 @@
             </a:pPr>
             <a:r>
               <a:rPr lang="en-IN" dirty="0"/>
-              <a:t>Figure 1.: The user can listen to his/her recording to ensure that the cough has been accurately recorded.</a:t>
-            </a:r>
+              <a:t>Figure 1.: </a:t>
+            </a:r>
+            <a:r>
+              <a:rPr lang="en-IN" sz="1800" dirty="0">
+                <a:effectLst/>
+                <a:latin typeface="Calibri" panose="020F0502020204030204" pitchFamily="34" charset="0"/>
+                <a:ea typeface="Calibri" panose="020F0502020204030204" pitchFamily="34" charset="0"/>
+                <a:cs typeface="Times New Roman" panose="02020603050405020304" pitchFamily="18" charset="0"/>
+              </a:rPr>
+              <a:t>In the application, the user is the prompted to input their name and record their cough. Here I have taken a sample of my cough recording hence I have inserted my name. As we can see, the app starts recording the cough sounds. This recording is of a 5 second duration.</a:t>
+            </a:r>
+          </a:p>
+          <a:p>
+            <a:endParaRPr lang="en-IN" dirty="0"/>
           </a:p>
         </p:txBody>
       </p:sp>
@@ -6637,7 +6817,7 @@
     </p:spTree>
     <p:extLst>
       <p:ext uri="{BB962C8B-B14F-4D97-AF65-F5344CB8AC3E}">
-        <p14:creationId xmlns:p14="http://schemas.microsoft.com/office/powerpoint/2010/main" val="2584621002"/>
+        <p14:creationId xmlns:p14="http://schemas.microsoft.com/office/powerpoint/2010/main" val="49893187"/>
       </p:ext>
     </p:extLst>
   </p:cSld>
@@ -6693,7 +6873,7 @@
           <a:p>
             <a:r>
               <a:rPr lang="en-IN" dirty="0"/>
-              <a:t>APP RESULTS: </a:t>
+              <a:t>APP</a:t>
             </a:r>
           </a:p>
           <a:p>
@@ -6718,17 +6898,9 @@
               <a:defRPr/>
             </a:pPr>
             <a:r>
-              <a:rPr lang="en-IN" sz="1800" dirty="0">
-                <a:effectLst/>
-                <a:latin typeface="Calibri" panose="020F0502020204030204" pitchFamily="34" charset="0"/>
-                <a:ea typeface="Calibri" panose="020F0502020204030204" pitchFamily="34" charset="0"/>
-                <a:cs typeface="Times New Roman" panose="02020603050405020304" pitchFamily="18" charset="0"/>
-              </a:rPr>
-              <a:t>The app was tested on 15 COVID-19 positive Patients. These patients belonged to Visakhapatnam Steel General Hospital. The app detected 13 of these patients correctly.</a:t>
-            </a:r>
-          </a:p>
-          <a:p>
-            <a:endParaRPr lang="en-IN" dirty="0"/>
+              <a:rPr lang="en-IN" dirty="0"/>
+              <a:t>Figure 1.: The user can listen to his/her recording to ensure that the cough has been accurately recorded.</a:t>
+            </a:r>
           </a:p>
         </p:txBody>
       </p:sp>
@@ -6758,7 +6930,7 @@
     </p:spTree>
     <p:extLst>
       <p:ext uri="{BB962C8B-B14F-4D97-AF65-F5344CB8AC3E}">
-        <p14:creationId xmlns:p14="http://schemas.microsoft.com/office/powerpoint/2010/main" val="3829749584"/>
+        <p14:creationId xmlns:p14="http://schemas.microsoft.com/office/powerpoint/2010/main" val="2584621002"/>
       </p:ext>
     </p:extLst>
   </p:cSld>
@@ -7039,35 +7211,30 @@
           <a:p>
             <a:r>
               <a:rPr lang="en-IN" dirty="0"/>
-              <a:t>COVID 1</a:t>
-            </a:r>
-            <a:r>
-              <a:rPr lang="en-IN" baseline="30000" dirty="0"/>
-              <a:t>ST</a:t>
-            </a:r>
-            <a:r>
-              <a:rPr lang="en-IN" dirty="0"/>
-              <a:t> AND 2</a:t>
-            </a:r>
-            <a:r>
-              <a:rPr lang="en-IN" baseline="30000" dirty="0"/>
-              <a:t>ND</a:t>
-            </a:r>
-            <a:r>
-              <a:rPr lang="en-IN" dirty="0"/>
-              <a:t> WAVE COMPARISON</a:t>
+              <a:t>APP RESULTS: </a:t>
             </a:r>
           </a:p>
           <a:p>
             <a:endParaRPr lang="en-IN" dirty="0"/>
           </a:p>
           <a:p>
-            <a:r>
-              <a:rPr lang="en-IN" dirty="0"/>
-              <a:t>Method:</a:t>
-            </a:r>
-          </a:p>
-          <a:p>
+            <a:pPr marL="0" marR="0" lvl="0" indent="0" algn="l" defTabSz="914400" rtl="0" eaLnBrk="1" fontAlgn="auto" latinLnBrk="0" hangingPunct="1">
+              <a:lnSpc>
+                <a:spcPct val="100000"/>
+              </a:lnSpc>
+              <a:spcBef>
+                <a:spcPts val="0"/>
+              </a:spcBef>
+              <a:spcAft>
+                <a:spcPts val="0"/>
+              </a:spcAft>
+              <a:buClrTx/>
+              <a:buSzTx/>
+              <a:buFontTx/>
+              <a:buNone/>
+              <a:tabLst/>
+              <a:defRPr/>
+            </a:pPr>
             <a:r>
               <a:rPr lang="en-IN" sz="1800" dirty="0">
                 <a:effectLst/>
@@ -7075,26 +7242,10 @@
                 <a:ea typeface="Calibri" panose="020F0502020204030204" pitchFamily="34" charset="0"/>
                 <a:cs typeface="Times New Roman" panose="02020603050405020304" pitchFamily="18" charset="0"/>
               </a:rPr>
-              <a:t>The cough recordings have been divided into two parts according to the wave they belonged to. The dataset dating from April 2020 to December 2020 was labelled as the First Wave. The dataset dating from March 2021 to August 2021 was labelled as the Second Wave.</a:t>
-            </a:r>
-          </a:p>
-          <a:p>
-            <a:endParaRPr lang="en-IN" dirty="0"/>
-          </a:p>
-          <a:p>
-            <a:r>
-              <a:rPr lang="en-IN" dirty="0"/>
-              <a:t> </a:t>
-            </a:r>
-            <a:r>
-              <a:rPr lang="en-IN" sz="1800" dirty="0">
-                <a:effectLst/>
-                <a:latin typeface="Calibri" panose="020F0502020204030204" pitchFamily="34" charset="0"/>
-                <a:ea typeface="Calibri" panose="020F0502020204030204" pitchFamily="34" charset="0"/>
-                <a:cs typeface="Times New Roman" panose="02020603050405020304" pitchFamily="18" charset="0"/>
-              </a:rPr>
-              <a:t>The features were extracted as discussed above, and these features were grouped by their wave and analysed to find significant relative differences among both the waves. The Exploratory Data Analysis using visual methods, using python libraries like Dtale, Plotly, Seaborn</a:t>
-            </a:r>
+              <a:t>The app was tested on 15 COVID-19 positive Patients. These patients belonged to Visakhapatnam Steel General Hospital. The app detected 13 of these patients correctly.</a:t>
+            </a:r>
+          </a:p>
+          <a:p>
             <a:endParaRPr lang="en-IN" dirty="0"/>
           </a:p>
         </p:txBody>
@@ -7117,6 +7268,148 @@
             <a:fld id="{1C1A28B9-81B1-4457-BC57-23C2E077B729}" type="slidenum">
               <a:rPr lang="en-IN" smtClean="0"/>
               <a:t>20</a:t>
+            </a:fld>
+            <a:endParaRPr lang="en-IN"/>
+          </a:p>
+        </p:txBody>
+      </p:sp>
+    </p:spTree>
+    <p:extLst>
+      <p:ext uri="{BB962C8B-B14F-4D97-AF65-F5344CB8AC3E}">
+        <p14:creationId xmlns:p14="http://schemas.microsoft.com/office/powerpoint/2010/main" val="3829749584"/>
+      </p:ext>
+    </p:extLst>
+  </p:cSld>
+  <p:clrMapOvr>
+    <a:masterClrMapping/>
+  </p:clrMapOvr>
+</p:notes>
+</file>
+
+<file path=ppt/notesSlides/notesSlide21.xml><?xml version="1.0" encoding="utf-8"?>
+<p:notes xmlns:a="http://schemas.openxmlformats.org/drawingml/2006/main" xmlns:r="http://schemas.openxmlformats.org/officeDocument/2006/relationships" xmlns:p="http://schemas.openxmlformats.org/presentationml/2006/main">
+  <p:cSld>
+    <p:spTree>
+      <p:nvGrpSpPr>
+        <p:cNvPr id="1" name=""/>
+        <p:cNvGrpSpPr/>
+        <p:nvPr/>
+      </p:nvGrpSpPr>
+      <p:grpSpPr>
+        <a:xfrm>
+          <a:off x="0" y="0"/>
+          <a:ext cx="0" cy="0"/>
+          <a:chOff x="0" y="0"/>
+          <a:chExt cx="0" cy="0"/>
+        </a:xfrm>
+      </p:grpSpPr>
+      <p:sp>
+        <p:nvSpPr>
+          <p:cNvPr id="2" name="Slide Image Placeholder 1"/>
+          <p:cNvSpPr>
+            <a:spLocks noGrp="1" noRot="1" noChangeAspect="1"/>
+          </p:cNvSpPr>
+          <p:nvPr>
+            <p:ph type="sldImg"/>
+          </p:nvPr>
+        </p:nvSpPr>
+        <p:spPr/>
+      </p:sp>
+      <p:sp>
+        <p:nvSpPr>
+          <p:cNvPr id="3" name="Notes Placeholder 2"/>
+          <p:cNvSpPr>
+            <a:spLocks noGrp="1"/>
+          </p:cNvSpPr>
+          <p:nvPr>
+            <p:ph type="body" idx="1"/>
+          </p:nvPr>
+        </p:nvSpPr>
+        <p:spPr/>
+        <p:txBody>
+          <a:bodyPr/>
+          <a:lstStyle/>
+          <a:p>
+            <a:r>
+              <a:rPr lang="en-IN" dirty="0"/>
+              <a:t>COVID 1</a:t>
+            </a:r>
+            <a:r>
+              <a:rPr lang="en-IN" baseline="30000" dirty="0"/>
+              <a:t>ST</a:t>
+            </a:r>
+            <a:r>
+              <a:rPr lang="en-IN" dirty="0"/>
+              <a:t> AND 2</a:t>
+            </a:r>
+            <a:r>
+              <a:rPr lang="en-IN" baseline="30000" dirty="0"/>
+              <a:t>ND</a:t>
+            </a:r>
+            <a:r>
+              <a:rPr lang="en-IN" dirty="0"/>
+              <a:t> WAVE COMPARISON</a:t>
+            </a:r>
+          </a:p>
+          <a:p>
+            <a:endParaRPr lang="en-IN" dirty="0"/>
+          </a:p>
+          <a:p>
+            <a:r>
+              <a:rPr lang="en-IN" dirty="0"/>
+              <a:t>Method:</a:t>
+            </a:r>
+          </a:p>
+          <a:p>
+            <a:r>
+              <a:rPr lang="en-IN" sz="1800" dirty="0">
+                <a:effectLst/>
+                <a:latin typeface="Calibri" panose="020F0502020204030204" pitchFamily="34" charset="0"/>
+                <a:ea typeface="Calibri" panose="020F0502020204030204" pitchFamily="34" charset="0"/>
+                <a:cs typeface="Times New Roman" panose="02020603050405020304" pitchFamily="18" charset="0"/>
+              </a:rPr>
+              <a:t>The cough recordings have been divided into two parts according to the wave they belonged to. The dataset dating from April 2020 to December 2020 was labelled as the First Wave. The dataset dating from March 2021 to August 2021 was labelled as the Second Wave.</a:t>
+            </a:r>
+          </a:p>
+          <a:p>
+            <a:endParaRPr lang="en-IN" dirty="0"/>
+          </a:p>
+          <a:p>
+            <a:r>
+              <a:rPr lang="en-IN" dirty="0"/>
+              <a:t> </a:t>
+            </a:r>
+            <a:r>
+              <a:rPr lang="en-IN" sz="1800" dirty="0">
+                <a:effectLst/>
+                <a:latin typeface="Calibri" panose="020F0502020204030204" pitchFamily="34" charset="0"/>
+                <a:ea typeface="Calibri" panose="020F0502020204030204" pitchFamily="34" charset="0"/>
+                <a:cs typeface="Times New Roman" panose="02020603050405020304" pitchFamily="18" charset="0"/>
+              </a:rPr>
+              <a:t>The features were extracted as discussed above, and these features were grouped by their wave and analysed to find significant relative differences among both the waves. The Exploratory Data Analysis using visual methods, using python libraries like Dtale, Plotly, Seaborn</a:t>
+            </a:r>
+            <a:endParaRPr lang="en-IN" dirty="0"/>
+          </a:p>
+        </p:txBody>
+      </p:sp>
+      <p:sp>
+        <p:nvSpPr>
+          <p:cNvPr id="4" name="Slide Number Placeholder 3"/>
+          <p:cNvSpPr>
+            <a:spLocks noGrp="1"/>
+          </p:cNvSpPr>
+          <p:nvPr>
+            <p:ph type="sldNum" sz="quarter" idx="5"/>
+          </p:nvPr>
+        </p:nvSpPr>
+        <p:spPr/>
+        <p:txBody>
+          <a:bodyPr/>
+          <a:lstStyle/>
+          <a:p>
+            <a:fld id="{1C1A28B9-81B1-4457-BC57-23C2E077B729}" type="slidenum">
+              <a:rPr lang="en-IN" smtClean="0"/>
+              <a:t>21</a:t>
             </a:fld>
             <a:endParaRPr lang="en-IN"/>
           </a:p>
@@ -7411,52 +7704,86 @@
           <a:bodyPr/>
           <a:lstStyle/>
           <a:p>
+            <a:pPr marL="171450" marR="0" lvl="0" indent="-171450" algn="l" defTabSz="914400" rtl="0" eaLnBrk="1" fontAlgn="auto" latinLnBrk="0" hangingPunct="1">
+              <a:lnSpc>
+                <a:spcPct val="100000"/>
+              </a:lnSpc>
+              <a:spcBef>
+                <a:spcPts val="0"/>
+              </a:spcBef>
+              <a:spcAft>
+                <a:spcPts val="0"/>
+              </a:spcAft>
+              <a:buClrTx/>
+              <a:buSzTx/>
+              <a:buFontTx/>
+              <a:buChar char="-"/>
+              <a:tabLst/>
+              <a:defRPr/>
+            </a:pPr>
             <a:r>
               <a:rPr lang="en-IN" dirty="0"/>
-              <a:t>The Existing solution which is the RTPCR has certain disadvantages as discussed in the previous slide, I try to address these questions in my COVID Detection model. </a:t>
-            </a:r>
-          </a:p>
-          <a:p>
+              <a:t>In the previous </a:t>
+            </a:r>
+            <a:r>
+              <a:rPr lang="en-IN" dirty="0" err="1"/>
+              <a:t>sem</a:t>
+            </a:r>
             <a:r>
               <a:rPr lang="en-IN" dirty="0"/>
-              <a:t>(The first Q is) 1. can we get accurate test results with reduced waiting time</a:t>
-            </a:r>
-          </a:p>
-          <a:p>
+              <a:t> BTP, I found that there was a correlation between the type of cough and certain metrics which I extracted from those coughs.</a:t>
+            </a:r>
+          </a:p>
+          <a:p>
+            <a:pPr marL="171450" marR="0" lvl="0" indent="-171450" algn="l" defTabSz="914400" rtl="0" eaLnBrk="1" fontAlgn="auto" latinLnBrk="0" hangingPunct="1">
+              <a:lnSpc>
+                <a:spcPct val="100000"/>
+              </a:lnSpc>
+              <a:spcBef>
+                <a:spcPts val="0"/>
+              </a:spcBef>
+              <a:spcAft>
+                <a:spcPts val="0"/>
+              </a:spcAft>
+              <a:buClrTx/>
+              <a:buSzTx/>
+              <a:buFontTx/>
+              <a:buChar char="-"/>
+              <a:tabLst/>
+              <a:defRPr/>
+            </a:pPr>
             <a:r>
               <a:rPr lang="en-IN" dirty="0"/>
-              <a:t>2. Currently, experts have suggested that RTPCR tests be taken after a gap of at least 14 days. Here the question is Can we propose a method using which we can conduct tests more frequently? This can significantly bring down transmission as the potentially infected person can immediately isolate or get treated after he is diagnosed as covid positively.</a:t>
-            </a:r>
-          </a:p>
-          <a:p>
+              <a:t>But these metrics were difficult to understand and comprehend</a:t>
+            </a:r>
+          </a:p>
+          <a:p>
+            <a:pPr marL="171450" marR="0" lvl="0" indent="-171450" algn="l" defTabSz="914400" rtl="0" eaLnBrk="1" fontAlgn="auto" latinLnBrk="0" hangingPunct="1">
+              <a:lnSpc>
+                <a:spcPct val="100000"/>
+              </a:lnSpc>
+              <a:spcBef>
+                <a:spcPts val="0"/>
+              </a:spcBef>
+              <a:spcAft>
+                <a:spcPts val="0"/>
+              </a:spcAft>
+              <a:buClrTx/>
+              <a:buSzTx/>
+              <a:buFontTx/>
+              <a:buChar char="-"/>
+              <a:tabLst/>
+              <a:defRPr/>
+            </a:pPr>
             <a:r>
               <a:rPr lang="en-IN" dirty="0"/>
-              <a:t>3. New Strains of COVID 19 are not detected by RTPCR, can it be detected in any way?</a:t>
-            </a:r>
-          </a:p>
-          <a:p>
-            <a:r>
-              <a:rPr lang="en-IN" dirty="0"/>
-              <a:t>4. Is there a way to perform the tests without having to visit testing centres or without any medical supervision?</a:t>
-            </a:r>
-          </a:p>
-          <a:p>
-            <a:r>
-              <a:rPr lang="en-IN" dirty="0"/>
-              <a:t>5. RTPCRs are very costly with their price ranging from Rs 500 to 1500. Can we have tests which are more cost effective?</a:t>
-            </a:r>
-          </a:p>
-          <a:p>
-            <a:r>
-              <a:rPr lang="en-IN" dirty="0"/>
-              <a:t> </a:t>
-            </a:r>
-          </a:p>
-          <a:p>
-            <a:r>
-              <a:rPr lang="en-IN" dirty="0"/>
-              <a:t>Source: https://health-desk.org/articles/how-many-days-after-exposure-should-one-be-tested-to-yield-the-most-accurate-results-and-with-which-test </a:t>
-            </a:r>
+              <a:t>I wanted to now analyse the coughs using metrics which were </a:t>
+            </a:r>
+            <a:r>
+              <a:rPr lang="en-IN"/>
+              <a:t>easily understandable</a:t>
+            </a:r>
+            <a:endParaRPr lang="en-IN" dirty="0"/>
           </a:p>
         </p:txBody>
       </p:sp>
@@ -7486,7 +7813,7 @@
     </p:spTree>
     <p:extLst>
       <p:ext uri="{BB962C8B-B14F-4D97-AF65-F5344CB8AC3E}">
-        <p14:creationId xmlns:p14="http://schemas.microsoft.com/office/powerpoint/2010/main" val="225946140"/>
+        <p14:creationId xmlns:p14="http://schemas.microsoft.com/office/powerpoint/2010/main" val="4071289481"/>
       </p:ext>
     </p:extLst>
   </p:cSld>
@@ -7542,43 +7869,49 @@
           <a:p>
             <a:r>
               <a:rPr lang="en-IN" dirty="0"/>
-              <a:t>Pt 1.: </a:t>
-            </a:r>
-            <a:r>
-              <a:rPr lang="en-IN" sz="1800" dirty="0">
-                <a:effectLst/>
-                <a:latin typeface="Calibri" panose="020F0502020204030204" pitchFamily="34" charset="0"/>
-                <a:ea typeface="Calibri" panose="020F0502020204030204" pitchFamily="34" charset="0"/>
-                <a:cs typeface="Times New Roman" panose="02020603050405020304" pitchFamily="18" charset="0"/>
-              </a:rPr>
-              <a:t>This review attempts to summarize the vital studies in cough detection and identify diseases based on cough audio samples' features like frequency, duration, and intensity</a:t>
-            </a:r>
-          </a:p>
-          <a:p>
-            <a:r>
-              <a:rPr lang="en-IN" sz="1800" dirty="0">
-                <a:effectLst/>
-                <a:latin typeface="Calibri" panose="020F0502020204030204" pitchFamily="34" charset="0"/>
-                <a:cs typeface="Times New Roman" panose="02020603050405020304" pitchFamily="18" charset="0"/>
-              </a:rPr>
-              <a:t>Pt 2.:</a:t>
-            </a:r>
-          </a:p>
-          <a:p>
-            <a:r>
-              <a:rPr lang="en-IN" sz="1800" dirty="0">
-                <a:effectLst/>
-                <a:latin typeface="Calibri" panose="020F0502020204030204" pitchFamily="34" charset="0"/>
-                <a:cs typeface="Times New Roman" panose="02020603050405020304" pitchFamily="18" charset="0"/>
-              </a:rPr>
-              <a:t>Pt 3.:</a:t>
-            </a:r>
-            <a:endParaRPr lang="en-IN" dirty="0"/>
+              <a:t>The Existing solution which is the RTPCR has certain disadvantages as discussed in the previous slide, I try to address these questions in my COVID Detection model. </a:t>
+            </a:r>
           </a:p>
           <a:p>
             <a:r>
               <a:rPr lang="en-IN" dirty="0"/>
-              <a:t>Pt 4.: Which works on the sample principle of detecting the presence of certain frequency </a:t>
+              <a:t>(The first Q is) 1. can we get accurate test results with reduced waiting time</a:t>
+            </a:r>
+          </a:p>
+          <a:p>
+            <a:r>
+              <a:rPr lang="en-IN" dirty="0"/>
+              <a:t>2. Currently, experts have suggested that RTPCR tests be taken after a gap of at least 14 days. Here the question is Can we propose a method using which we can conduct tests more frequently? This can significantly bring down transmission as the potentially infected person can immediately isolate or get treated after he is diagnosed as covid positively.</a:t>
+            </a:r>
+          </a:p>
+          <a:p>
+            <a:r>
+              <a:rPr lang="en-IN" dirty="0"/>
+              <a:t>3. New Strains of COVID 19 are not detected by RTPCR, can it be detected in any way?</a:t>
+            </a:r>
+          </a:p>
+          <a:p>
+            <a:r>
+              <a:rPr lang="en-IN" dirty="0"/>
+              <a:t>4. Is there a way to perform the tests without having to visit testing centres or without any medical supervision?</a:t>
+            </a:r>
+          </a:p>
+          <a:p>
+            <a:r>
+              <a:rPr lang="en-IN" dirty="0"/>
+              <a:t>5. RTPCRs are very costly with their price ranging from Rs 500 to 1500. Can we have tests which are more cost effective?</a:t>
+            </a:r>
+          </a:p>
+          <a:p>
+            <a:r>
+              <a:rPr lang="en-IN" dirty="0"/>
+              <a:t> </a:t>
+            </a:r>
+          </a:p>
+          <a:p>
+            <a:r>
+              <a:rPr lang="en-IN" dirty="0"/>
+              <a:t>Source: https://health-desk.org/articles/how-many-days-after-exposure-should-one-be-tested-to-yield-the-most-accurate-results-and-with-which-test </a:t>
             </a:r>
           </a:p>
         </p:txBody>
@@ -7609,7 +7942,7 @@
     </p:spTree>
     <p:extLst>
       <p:ext uri="{BB962C8B-B14F-4D97-AF65-F5344CB8AC3E}">
-        <p14:creationId xmlns:p14="http://schemas.microsoft.com/office/powerpoint/2010/main" val="2814498727"/>
+        <p14:creationId xmlns:p14="http://schemas.microsoft.com/office/powerpoint/2010/main" val="225946140"/>
       </p:ext>
     </p:extLst>
   </p:cSld>
@@ -7665,7 +7998,43 @@
           <a:p>
             <a:r>
               <a:rPr lang="en-IN" dirty="0"/>
-              <a:t>One More Point -- DONE</a:t>
+              <a:t>Pt 1.: </a:t>
+            </a:r>
+            <a:r>
+              <a:rPr lang="en-IN" sz="1800" dirty="0">
+                <a:effectLst/>
+                <a:latin typeface="Calibri" panose="020F0502020204030204" pitchFamily="34" charset="0"/>
+                <a:ea typeface="Calibri" panose="020F0502020204030204" pitchFamily="34" charset="0"/>
+                <a:cs typeface="Times New Roman" panose="02020603050405020304" pitchFamily="18" charset="0"/>
+              </a:rPr>
+              <a:t>This review attempts to summarize the vital studies in cough detection and identify diseases based on cough audio samples' features like frequency, duration, and intensity</a:t>
+            </a:r>
+          </a:p>
+          <a:p>
+            <a:r>
+              <a:rPr lang="en-IN" sz="1800" dirty="0">
+                <a:effectLst/>
+                <a:latin typeface="Calibri" panose="020F0502020204030204" pitchFamily="34" charset="0"/>
+                <a:cs typeface="Times New Roman" panose="02020603050405020304" pitchFamily="18" charset="0"/>
+              </a:rPr>
+              <a:t>Pt 2.:</a:t>
+            </a:r>
+          </a:p>
+          <a:p>
+            <a:r>
+              <a:rPr lang="en-IN" sz="1800" dirty="0">
+                <a:effectLst/>
+                <a:latin typeface="Calibri" panose="020F0502020204030204" pitchFamily="34" charset="0"/>
+                <a:cs typeface="Times New Roman" panose="02020603050405020304" pitchFamily="18" charset="0"/>
+              </a:rPr>
+              <a:t>Pt 3.:</a:t>
+            </a:r>
+            <a:endParaRPr lang="en-IN" dirty="0"/>
+          </a:p>
+          <a:p>
+            <a:r>
+              <a:rPr lang="en-IN" dirty="0"/>
+              <a:t>Pt 4.: Which works on the sample principle of detecting the presence of certain frequency </a:t>
             </a:r>
           </a:p>
         </p:txBody>
@@ -7696,7 +8065,7 @@
     </p:spTree>
     <p:extLst>
       <p:ext uri="{BB962C8B-B14F-4D97-AF65-F5344CB8AC3E}">
-        <p14:creationId xmlns:p14="http://schemas.microsoft.com/office/powerpoint/2010/main" val="2896061932"/>
+        <p14:creationId xmlns:p14="http://schemas.microsoft.com/office/powerpoint/2010/main" val="2814498727"/>
       </p:ext>
     </p:extLst>
   </p:cSld>
@@ -7752,30 +8121,8 @@
           <a:p>
             <a:r>
               <a:rPr lang="en-IN" dirty="0"/>
-              <a:t>Dataset used to train my Machine Learning models have been obtained from two sources: IISc Bangalore and The University of Manchester</a:t>
-            </a:r>
-          </a:p>
-          <a:p>
-            <a:r>
-              <a:rPr lang="en-IN" dirty="0"/>
-              <a:t>Here you can see the distribution of COVID Positive and COVID Negative cough Recording. </a:t>
-            </a:r>
-          </a:p>
-          <a:p>
-            <a:r>
-              <a:rPr lang="en-US" dirty="0"/>
-              <a:t>Researchers say that COVID-19 has a different response with respect to the country's geographical location; hence, I have given more emphasis to collecting data from Indian resources to make the model more relevant for this climatic condition.</a:t>
-            </a:r>
-          </a:p>
-          <a:p>
-            <a:endParaRPr lang="en-US" dirty="0"/>
-          </a:p>
-          <a:p>
-            <a:r>
-              <a:rPr lang="en-US" dirty="0"/>
-              <a:t>CEBM: https://www.cebm.net/covid-19/effect-of-latitude-on-covid-19/ </a:t>
-            </a:r>
-            <a:endParaRPr lang="en-IN" dirty="0"/>
+              <a:t>One More Point -- DONE</a:t>
+            </a:r>
           </a:p>
         </p:txBody>
       </p:sp>
@@ -7805,7 +8152,7 @@
     </p:spTree>
     <p:extLst>
       <p:ext uri="{BB962C8B-B14F-4D97-AF65-F5344CB8AC3E}">
-        <p14:creationId xmlns:p14="http://schemas.microsoft.com/office/powerpoint/2010/main" val="1237395472"/>
+        <p14:creationId xmlns:p14="http://schemas.microsoft.com/office/powerpoint/2010/main" val="2896061932"/>
       </p:ext>
     </p:extLst>
   </p:cSld>
@@ -7859,282 +8206,32 @@
           <a:bodyPr/>
           <a:lstStyle/>
           <a:p>
-            <a:pPr marL="0" marR="0" lvl="0" indent="0" algn="l" defTabSz="914400" rtl="0" eaLnBrk="1" fontAlgn="auto" latinLnBrk="0" hangingPunct="1">
-              <a:lnSpc>
-                <a:spcPct val="100000"/>
-              </a:lnSpc>
-              <a:spcBef>
-                <a:spcPts val="0"/>
-              </a:spcBef>
-              <a:spcAft>
-                <a:spcPts val="0"/>
-              </a:spcAft>
-              <a:buClrTx/>
-              <a:buSzTx/>
-              <a:buFontTx/>
-              <a:buNone/>
-              <a:tabLst/>
-              <a:defRPr/>
-            </a:pPr>
             <a:r>
               <a:rPr lang="en-IN" dirty="0"/>
-              <a:t>Now that we have the data, we need to understand why we are taking this approach to detect COVID-19. Hence we need to Before understanding how the features were extracted, we need to understand 1. Why we are taking this approach? and 2. Why we are extracting these features?</a:t>
-            </a:r>
-          </a:p>
-          <a:p>
-            <a:pPr marL="0" marR="0" lvl="0" indent="0" algn="l" defTabSz="914400" rtl="0" eaLnBrk="1" fontAlgn="auto" latinLnBrk="0" hangingPunct="1">
-              <a:lnSpc>
-                <a:spcPct val="100000"/>
-              </a:lnSpc>
-              <a:spcBef>
-                <a:spcPts val="0"/>
-              </a:spcBef>
-              <a:spcAft>
-                <a:spcPts val="0"/>
-              </a:spcAft>
-              <a:buClrTx/>
-              <a:buSzTx/>
-              <a:buFontTx/>
-              <a:buNone/>
-              <a:tabLst/>
-              <a:defRPr/>
-            </a:pPr>
+              <a:t>Dataset used to train my Machine Learning models have been obtained from two sources: IISc Bangalore and The University of Manchester</a:t>
+            </a:r>
+          </a:p>
+          <a:p>
+            <a:r>
+              <a:rPr lang="en-IN" dirty="0"/>
+              <a:t>Here you can see the distribution of COVID Positive and COVID Negative cough Recording. </a:t>
+            </a:r>
+          </a:p>
+          <a:p>
+            <a:r>
+              <a:rPr lang="en-US" dirty="0"/>
+              <a:t>Researchers say that COVID-19 has a different response with respect to the country's geographical location; hence, I have given more emphasis to collecting data from Indian resources to make the model more relevant for this climatic condition.</a:t>
+            </a:r>
+          </a:p>
+          <a:p>
+            <a:endParaRPr lang="en-US" dirty="0"/>
+          </a:p>
+          <a:p>
+            <a:r>
+              <a:rPr lang="en-US" dirty="0"/>
+              <a:t>CEBM: https://www.cebm.net/covid-19/effect-of-latitude-on-covid-19/ </a:t>
+            </a:r>
             <a:endParaRPr lang="en-IN" dirty="0"/>
-          </a:p>
-          <a:p>
-            <a:pPr marL="0" marR="0" lvl="0" indent="0" algn="l" defTabSz="914400" rtl="0" eaLnBrk="1" fontAlgn="auto" latinLnBrk="0" hangingPunct="1">
-              <a:lnSpc>
-                <a:spcPct val="100000"/>
-              </a:lnSpc>
-              <a:spcBef>
-                <a:spcPts val="0"/>
-              </a:spcBef>
-              <a:spcAft>
-                <a:spcPts val="0"/>
-              </a:spcAft>
-              <a:buClrTx/>
-              <a:buSzTx/>
-              <a:buFontTx/>
-              <a:buNone/>
-              <a:tabLst/>
-              <a:defRPr/>
-            </a:pPr>
-            <a:r>
-              <a:rPr lang="en-IN" dirty="0"/>
-              <a:t>Pt 1.: </a:t>
-            </a:r>
-            <a:r>
-              <a:rPr lang="en-IN" sz="1800" dirty="0">
-                <a:solidFill>
-                  <a:srgbClr val="0E101A"/>
-                </a:solidFill>
-                <a:effectLst/>
-                <a:latin typeface="Calibri" panose="020F0502020204030204" pitchFamily="34" charset="0"/>
-                <a:ea typeface="Calibri" panose="020F0502020204030204" pitchFamily="34" charset="0"/>
-              </a:rPr>
-              <a:t>Studies have reported that Cough sound contains vital underutilised respiratory health info, which can be used for analysis</a:t>
-            </a:r>
-          </a:p>
-          <a:p>
-            <a:pPr marL="0" marR="0" lvl="0" indent="0" algn="l" defTabSz="914400" rtl="0" eaLnBrk="1" fontAlgn="auto" latinLnBrk="0" hangingPunct="1">
-              <a:lnSpc>
-                <a:spcPct val="100000"/>
-              </a:lnSpc>
-              <a:spcBef>
-                <a:spcPts val="0"/>
-              </a:spcBef>
-              <a:spcAft>
-                <a:spcPts val="0"/>
-              </a:spcAft>
-              <a:buClrTx/>
-              <a:buSzTx/>
-              <a:buFontTx/>
-              <a:buNone/>
-              <a:tabLst/>
-              <a:defRPr/>
-            </a:pPr>
-            <a:r>
-              <a:rPr lang="en-IN" sz="1800" dirty="0">
-                <a:solidFill>
-                  <a:srgbClr val="0E101A"/>
-                </a:solidFill>
-                <a:effectLst/>
-                <a:latin typeface="Calibri" panose="020F0502020204030204" pitchFamily="34" charset="0"/>
-              </a:rPr>
-              <a:t>Pt 2.: </a:t>
-            </a:r>
-            <a:r>
-              <a:rPr lang="en-IN" sz="1800" dirty="0">
-                <a:solidFill>
-                  <a:srgbClr val="0E101A"/>
-                </a:solidFill>
-                <a:effectLst/>
-                <a:latin typeface="Calibri" panose="020F0502020204030204" pitchFamily="34" charset="0"/>
-                <a:ea typeface="Calibri" panose="020F0502020204030204" pitchFamily="34" charset="0"/>
-              </a:rPr>
-              <a:t>Methods like X-rays and Chest CT scans have been used to identify COVID-19 patients, these methods have suggested that the COVID-19 influences the LRS in a distinctive way</a:t>
-            </a:r>
-          </a:p>
-          <a:p>
-            <a:pPr marL="0" marR="0" lvl="0" indent="0" algn="l" defTabSz="914400" rtl="0" eaLnBrk="1" fontAlgn="auto" latinLnBrk="0" hangingPunct="1">
-              <a:lnSpc>
-                <a:spcPct val="100000"/>
-              </a:lnSpc>
-              <a:spcBef>
-                <a:spcPts val="0"/>
-              </a:spcBef>
-              <a:spcAft>
-                <a:spcPts val="0"/>
-              </a:spcAft>
-              <a:buClrTx/>
-              <a:buSzTx/>
-              <a:buFontTx/>
-              <a:buNone/>
-              <a:tabLst/>
-              <a:defRPr/>
-            </a:pPr>
-            <a:r>
-              <a:rPr lang="en-IN" sz="1800" dirty="0">
-                <a:solidFill>
-                  <a:srgbClr val="0E101A"/>
-                </a:solidFill>
-                <a:effectLst/>
-                <a:latin typeface="Calibri" panose="020F0502020204030204" pitchFamily="34" charset="0"/>
-              </a:rPr>
-              <a:t>Pt 3.: Capturing and comparing the time-varying characteristics would help us reveal important patterns/differences in COVID-19 and Non-COVID-19 cough sounds</a:t>
-            </a:r>
-          </a:p>
-          <a:p>
-            <a:pPr marL="0" marR="0" lvl="0" indent="0" algn="l" defTabSz="914400" rtl="0" eaLnBrk="1" fontAlgn="auto" latinLnBrk="0" hangingPunct="1">
-              <a:lnSpc>
-                <a:spcPct val="100000"/>
-              </a:lnSpc>
-              <a:spcBef>
-                <a:spcPts val="0"/>
-              </a:spcBef>
-              <a:spcAft>
-                <a:spcPts val="0"/>
-              </a:spcAft>
-              <a:buClrTx/>
-              <a:buSzTx/>
-              <a:buFontTx/>
-              <a:buNone/>
-              <a:tabLst/>
-              <a:defRPr/>
-            </a:pPr>
-            <a:r>
-              <a:rPr lang="en-IN" dirty="0"/>
-              <a:t>Pt 4.: Comparing such huge numerical database is not possible manually, hence machine learning techniques are used for the finding the hidden patterns in cough sounds </a:t>
-            </a:r>
-          </a:p>
-          <a:p>
-            <a:pPr marL="0" marR="0" lvl="0" indent="0" algn="l" defTabSz="914400" rtl="0" eaLnBrk="1" fontAlgn="auto" latinLnBrk="0" hangingPunct="1">
-              <a:lnSpc>
-                <a:spcPct val="100000"/>
-              </a:lnSpc>
-              <a:spcBef>
-                <a:spcPts val="0"/>
-              </a:spcBef>
-              <a:spcAft>
-                <a:spcPts val="0"/>
-              </a:spcAft>
-              <a:buClrTx/>
-              <a:buSzTx/>
-              <a:buFontTx/>
-              <a:buNone/>
-              <a:tabLst/>
-              <a:defRPr/>
-            </a:pPr>
-            <a:endParaRPr lang="en-IN" dirty="0"/>
-          </a:p>
-          <a:p>
-            <a:pPr marL="0" marR="0" lvl="0" indent="0" algn="l" defTabSz="914400" rtl="0" eaLnBrk="1" fontAlgn="auto" latinLnBrk="0" hangingPunct="1">
-              <a:lnSpc>
-                <a:spcPct val="100000"/>
-              </a:lnSpc>
-              <a:spcBef>
-                <a:spcPts val="0"/>
-              </a:spcBef>
-              <a:spcAft>
-                <a:spcPts val="0"/>
-              </a:spcAft>
-              <a:buClrTx/>
-              <a:buSzTx/>
-              <a:buFontTx/>
-              <a:buNone/>
-              <a:tabLst/>
-              <a:defRPr/>
-            </a:pPr>
-            <a:r>
-              <a:rPr lang="en-IN" dirty="0"/>
-              <a:t>COVERED -- Extra Pt: These minor differences can not be manually processed hence we can use Machine Learning for the comparison</a:t>
-            </a:r>
-          </a:p>
-          <a:p>
-            <a:pPr marL="0" marR="0" lvl="0" indent="0" algn="l" defTabSz="914400" rtl="0" eaLnBrk="1" fontAlgn="auto" latinLnBrk="0" hangingPunct="1">
-              <a:lnSpc>
-                <a:spcPct val="100000"/>
-              </a:lnSpc>
-              <a:spcBef>
-                <a:spcPts val="0"/>
-              </a:spcBef>
-              <a:spcAft>
-                <a:spcPts val="0"/>
-              </a:spcAft>
-              <a:buClrTx/>
-              <a:buSzTx/>
-              <a:buFontTx/>
-              <a:buNone/>
-              <a:tabLst/>
-              <a:defRPr/>
-            </a:pPr>
-            <a:endParaRPr lang="en-IN" dirty="0"/>
-          </a:p>
-          <a:p>
-            <a:pPr marL="0" marR="0" lvl="0" indent="0" algn="l" defTabSz="914400" rtl="0" eaLnBrk="1" fontAlgn="auto" latinLnBrk="0" hangingPunct="1">
-              <a:lnSpc>
-                <a:spcPct val="100000"/>
-              </a:lnSpc>
-              <a:spcBef>
-                <a:spcPts val="0"/>
-              </a:spcBef>
-              <a:spcAft>
-                <a:spcPts val="0"/>
-              </a:spcAft>
-              <a:buClrTx/>
-              <a:buSzTx/>
-              <a:buFontTx/>
-              <a:buNone/>
-              <a:tabLst/>
-              <a:defRPr/>
-            </a:pPr>
-            <a:r>
-              <a:rPr lang="en-IN" dirty="0"/>
-              <a:t>- Before applying the machine learning techniques we need to convert the cough sound waves from analog signal to a digital signal</a:t>
-            </a:r>
-          </a:p>
-          <a:p>
-            <a:pPr marL="0" marR="0" lvl="0" indent="0" algn="l" defTabSz="914400" rtl="0" eaLnBrk="1" fontAlgn="auto" latinLnBrk="0" hangingPunct="1">
-              <a:lnSpc>
-                <a:spcPct val="100000"/>
-              </a:lnSpc>
-              <a:spcBef>
-                <a:spcPts val="0"/>
-              </a:spcBef>
-              <a:spcAft>
-                <a:spcPts val="0"/>
-              </a:spcAft>
-              <a:buClrTx/>
-              <a:buSzTx/>
-              <a:buFontTx/>
-              <a:buNone/>
-              <a:tabLst/>
-              <a:defRPr/>
-            </a:pPr>
-            <a:r>
-              <a:rPr lang="en-IN" dirty="0"/>
-              <a:t>-* Cough Sound recordings are analog signals and need to be converted to digital signals for further processing</a:t>
-            </a:r>
           </a:p>
         </p:txBody>
       </p:sp>
@@ -8164,7 +8261,7 @@
     </p:spTree>
     <p:extLst>
       <p:ext uri="{BB962C8B-B14F-4D97-AF65-F5344CB8AC3E}">
-        <p14:creationId xmlns:p14="http://schemas.microsoft.com/office/powerpoint/2010/main" val="142939667"/>
+        <p14:creationId xmlns:p14="http://schemas.microsoft.com/office/powerpoint/2010/main" val="1237395472"/>
       </p:ext>
     </p:extLst>
   </p:cSld>
@@ -8237,13 +8334,7 @@
             </a:pPr>
             <a:r>
               <a:rPr lang="en-IN" dirty="0"/>
-              <a:t>-** Analog Digital Conversion (ADC) consists of 3 steps </a:t>
-            </a:r>
-            <a:r>
-              <a:rPr lang="en-IN" dirty="0">
-                <a:sym typeface="Wingdings" panose="05000000000000000000" pitchFamily="2" charset="2"/>
-              </a:rPr>
-              <a:t> Sampling ,Quantization and Encoding</a:t>
+              <a:t>Now that we have the data, we need to understand why we are taking this approach to detect COVID-19. Hence we need to Before understanding how the features were extracted, we need to understand 1. Why we are taking this approach? and 2. Why we are extracting these features?</a:t>
             </a:r>
           </a:p>
           <a:p>
@@ -8264,9 +8355,7 @@
               <a:tabLst/>
               <a:defRPr/>
             </a:pPr>
-            <a:endParaRPr lang="en-IN" dirty="0">
-              <a:sym typeface="Wingdings" panose="05000000000000000000" pitchFamily="2" charset="2"/>
-            </a:endParaRPr>
+            <a:endParaRPr lang="en-IN" dirty="0"/>
           </a:p>
           <a:p>
             <a:pPr marL="0" marR="0" lvl="0" indent="0" algn="l" defTabSz="914400" rtl="0" eaLnBrk="1" fontAlgn="auto" latinLnBrk="0" hangingPunct="1">
@@ -8287,10 +8376,19 @@
               <a:defRPr/>
             </a:pPr>
             <a:r>
-              <a:rPr lang="en-IN" dirty="0">
-                <a:sym typeface="Wingdings" panose="05000000000000000000" pitchFamily="2" charset="2"/>
+              <a:rPr lang="en-IN" dirty="0"/>
+              <a:t>Pt 1.: </a:t>
+            </a:r>
+            <a:r>
+              <a:rPr lang="en-IN" sz="1800" dirty="0">
+                <a:solidFill>
+                  <a:srgbClr val="0E101A"/>
+                </a:solidFill>
+                <a:effectLst/>
+                <a:latin typeface="Calibri" panose="020F0502020204030204" pitchFamily="34" charset="0"/>
+                <a:ea typeface="Calibri" panose="020F0502020204030204" pitchFamily="34" charset="0"/>
               </a:rPr>
-              <a:t>Sampling: Here we try to freeze the signal, this is done by taking samples of the wave after a specified time interval (The inverse of this interval is called sampling rate), this is shown under Analogue signal</a:t>
+              <a:t>Studies have reported that Cough sound contains vital underutilised respiratory health info, which can be used for analysis</a:t>
             </a:r>
           </a:p>
           <a:p>
@@ -8311,9 +8409,27 @@
               <a:tabLst/>
               <a:defRPr/>
             </a:pPr>
-            <a:endParaRPr lang="en-IN" dirty="0">
-              <a:sym typeface="Wingdings" panose="05000000000000000000" pitchFamily="2" charset="2"/>
-            </a:endParaRPr>
+            <a:r>
+              <a:rPr lang="en-IN" sz="1800" dirty="0">
+                <a:solidFill>
+                  <a:srgbClr val="0E101A"/>
+                </a:solidFill>
+                <a:effectLst/>
+                <a:latin typeface="Calibri" panose="020F0502020204030204" pitchFamily="34" charset="0"/>
+              </a:rPr>
+              <a:t>Pt 2.: </a:t>
+            </a:r>
+            <a:r>
+              <a:rPr lang="en-IN" sz="1800" dirty="0">
+                <a:solidFill>
+                  <a:srgbClr val="0E101A"/>
+                </a:solidFill>
+                <a:effectLst/>
+                <a:latin typeface="Calibri" panose="020F0502020204030204" pitchFamily="34" charset="0"/>
+                <a:ea typeface="Calibri" panose="020F0502020204030204" pitchFamily="34" charset="0"/>
+              </a:rPr>
+              <a:t>Methods like X-rays and Chest CT scans have been used to identify COVID-19 patients, these methods have suggested that the COVID-19 influences the LRS in a distinctive way</a:t>
+            </a:r>
           </a:p>
           <a:p>
             <a:pPr marL="0" marR="0" lvl="0" indent="0" algn="l" defTabSz="914400" rtl="0" eaLnBrk="1" fontAlgn="auto" latinLnBrk="0" hangingPunct="1">
@@ -8334,10 +8450,14 @@
               <a:defRPr/>
             </a:pPr>
             <a:r>
-              <a:rPr lang="en-IN" dirty="0">
-                <a:sym typeface="Wingdings" panose="05000000000000000000" pitchFamily="2" charset="2"/>
+              <a:rPr lang="en-IN" sz="1800" dirty="0">
+                <a:solidFill>
+                  <a:srgbClr val="0E101A"/>
+                </a:solidFill>
+                <a:effectLst/>
+                <a:latin typeface="Calibri" panose="020F0502020204030204" pitchFamily="34" charset="0"/>
               </a:rPr>
-              <a:t>Quantization: - After sampling we have a discrete time continuous valued signal, this signal is then converted to discrete time discrete valued signal using quantization. </a:t>
+              <a:t>Pt 3.: Capturing and comparing the time-varying characteristics would help us reveal important patterns/differences in COVID-19 and Non-COVID-19 cough sounds</a:t>
             </a:r>
           </a:p>
           <a:p>
@@ -8359,16 +8479,8 @@
               <a:defRPr/>
             </a:pPr>
             <a:r>
-              <a:rPr lang="en-IN" dirty="0">
-                <a:sym typeface="Wingdings" panose="05000000000000000000" pitchFamily="2" charset="2"/>
-              </a:rPr>
-              <a:t>                       - Here the </a:t>
-            </a:r>
-            <a:r>
-              <a:rPr lang="en-US" dirty="0">
-                <a:sym typeface="Wingdings" panose="05000000000000000000" pitchFamily="2" charset="2"/>
-              </a:rPr>
-              <a:t>reference signal is partitioned into several discrete quanta and then the input signal is matched with the correct quantum. This is shown under digital signal.</a:t>
+              <a:rPr lang="en-IN" dirty="0"/>
+              <a:t>Pt 4.: Comparing such huge numerical database is not possible manually, hence machine learning techniques are used for the finding the hidden patterns in cough sounds </a:t>
             </a:r>
           </a:p>
           <a:p>
@@ -8389,9 +8501,7 @@
               <a:tabLst/>
               <a:defRPr/>
             </a:pPr>
-            <a:endParaRPr lang="en-IN" dirty="0">
-              <a:sym typeface="Wingdings" panose="05000000000000000000" pitchFamily="2" charset="2"/>
-            </a:endParaRPr>
+            <a:endParaRPr lang="en-IN" dirty="0"/>
           </a:p>
           <a:p>
             <a:pPr marL="0" marR="0" lvl="0" indent="0" algn="l" defTabSz="914400" rtl="0" eaLnBrk="1" fontAlgn="auto" latinLnBrk="0" hangingPunct="1">
@@ -8412,21 +8522,75 @@
               <a:defRPr/>
             </a:pPr>
             <a:r>
-              <a:rPr lang="en-IN" dirty="0">
-                <a:sym typeface="Wingdings" panose="05000000000000000000" pitchFamily="2" charset="2"/>
-              </a:rPr>
-              <a:t>Encoding: </a:t>
-            </a:r>
-            <a:r>
-              <a:rPr lang="en-US" dirty="0">
-                <a:sym typeface="Wingdings" panose="05000000000000000000" pitchFamily="2" charset="2"/>
-              </a:rPr>
-              <a:t>Here; for each quantum, a unique digital code will be assigned and after that the input signal is allocated with this digital code. These digital codes are stored in form of an array as shown on the right under digital representation of signal</a:t>
-            </a:r>
+              <a:rPr lang="en-IN" dirty="0"/>
+              <a:t>COVERED -- Extra Pt: These minor differences can not be manually processed hence we can use Machine Learning for the comparison</a:t>
+            </a:r>
+          </a:p>
+          <a:p>
+            <a:pPr marL="0" marR="0" lvl="0" indent="0" algn="l" defTabSz="914400" rtl="0" eaLnBrk="1" fontAlgn="auto" latinLnBrk="0" hangingPunct="1">
+              <a:lnSpc>
+                <a:spcPct val="100000"/>
+              </a:lnSpc>
+              <a:spcBef>
+                <a:spcPts val="0"/>
+              </a:spcBef>
+              <a:spcAft>
+                <a:spcPts val="0"/>
+              </a:spcAft>
+              <a:buClrTx/>
+              <a:buSzTx/>
+              <a:buFontTx/>
+              <a:buNone/>
+              <a:tabLst/>
+              <a:defRPr/>
+            </a:pPr>
             <a:endParaRPr lang="en-IN" dirty="0"/>
           </a:p>
           <a:p>
-            <a:endParaRPr lang="en-IN" dirty="0"/>
+            <a:pPr marL="0" marR="0" lvl="0" indent="0" algn="l" defTabSz="914400" rtl="0" eaLnBrk="1" fontAlgn="auto" latinLnBrk="0" hangingPunct="1">
+              <a:lnSpc>
+                <a:spcPct val="100000"/>
+              </a:lnSpc>
+              <a:spcBef>
+                <a:spcPts val="0"/>
+              </a:spcBef>
+              <a:spcAft>
+                <a:spcPts val="0"/>
+              </a:spcAft>
+              <a:buClrTx/>
+              <a:buSzTx/>
+              <a:buFontTx/>
+              <a:buNone/>
+              <a:tabLst/>
+              <a:defRPr/>
+            </a:pPr>
+            <a:r>
+              <a:rPr lang="en-IN" dirty="0"/>
+              <a:t>- Before applying the machine learning techniques we need to convert the cough sound waves from analog signal to a digital signal</a:t>
+            </a:r>
+          </a:p>
+          <a:p>
+            <a:pPr marL="0" marR="0" lvl="0" indent="0" algn="l" defTabSz="914400" rtl="0" eaLnBrk="1" fontAlgn="auto" latinLnBrk="0" hangingPunct="1">
+              <a:lnSpc>
+                <a:spcPct val="100000"/>
+              </a:lnSpc>
+              <a:spcBef>
+                <a:spcPts val="0"/>
+              </a:spcBef>
+              <a:spcAft>
+                <a:spcPts val="0"/>
+              </a:spcAft>
+              <a:buClrTx/>
+              <a:buSzTx/>
+              <a:buFontTx/>
+              <a:buNone/>
+              <a:tabLst/>
+              <a:defRPr/>
+            </a:pPr>
+            <a:r>
+              <a:rPr lang="en-IN" dirty="0"/>
+              <a:t>-* Cough Sound recordings are analog signals and need to be converted to digital signals for further processing</a:t>
+            </a:r>
           </a:p>
         </p:txBody>
       </p:sp>
@@ -8456,7 +8620,7 @@
     </p:spTree>
     <p:extLst>
       <p:ext uri="{BB962C8B-B14F-4D97-AF65-F5344CB8AC3E}">
-        <p14:creationId xmlns:p14="http://schemas.microsoft.com/office/powerpoint/2010/main" val="3858583708"/>
+        <p14:creationId xmlns:p14="http://schemas.microsoft.com/office/powerpoint/2010/main" val="142939667"/>
       </p:ext>
     </p:extLst>
   </p:cSld>
@@ -12585,12 +12749,26 @@
             </a:pPr>
             <a:r>
               <a:rPr lang="en-IN" sz="2400" b="1" dirty="0"/>
-              <a:t>Feature Extraction</a:t>
+              <a:t>Analog Digital Converter (ADC)</a:t>
             </a:r>
             <a:r>
               <a:rPr lang="en-IN" sz="2400" dirty="0"/>
-              <a:t> :</a:t>
-            </a:r>
+              <a:t>:</a:t>
+            </a:r>
+          </a:p>
+          <a:p>
+            <a:pPr>
+              <a:lnSpc>
+                <a:spcPct val="200000"/>
+              </a:lnSpc>
+            </a:pPr>
+            <a:endParaRPr lang="en-IN" dirty="0"/>
+          </a:p>
+          <a:p>
+            <a:pPr marL="749808" lvl="1" indent="-457200">
+              <a:buFont typeface="Arial" panose="020B0604020202020204" pitchFamily="34" charset="0"/>
+              <a:buChar char="•"/>
+            </a:pPr>
             <a:endParaRPr lang="en-IN" dirty="0"/>
           </a:p>
           <a:p>
@@ -12631,6 +12809,556 @@
             <a:fld id="{CCAA1144-E559-445C-AEC7-865AEBFCCAD8}" type="slidenum">
               <a:rPr lang="en-IN" smtClean="0"/>
               <a:t>10</a:t>
+            </a:fld>
+            <a:endParaRPr lang="en-IN" dirty="0"/>
+          </a:p>
+        </p:txBody>
+      </p:sp>
+      <p:pic>
+        <p:nvPicPr>
+          <p:cNvPr id="1026" name="Picture 2">
+            <a:extLst>
+              <a:ext uri="{FF2B5EF4-FFF2-40B4-BE49-F238E27FC236}">
+                <a16:creationId xmlns:a16="http://schemas.microsoft.com/office/drawing/2014/main" id="{2681E017-6997-48F1-8357-8CA7CA407854}"/>
+              </a:ext>
+            </a:extLst>
+          </p:cNvPr>
+          <p:cNvPicPr>
+            <a:picLocks noChangeAspect="1" noChangeArrowheads="1"/>
+          </p:cNvPicPr>
+          <p:nvPr/>
+        </p:nvPicPr>
+        <p:blipFill>
+          <a:blip r:embed="rId3">
+            <a:extLst>
+              <a:ext uri="{28A0092B-C50C-407E-A947-70E740481C1C}">
+                <a14:useLocalDpi xmlns:a14="http://schemas.microsoft.com/office/drawing/2010/main" val="0"/>
+              </a:ext>
+            </a:extLst>
+          </a:blip>
+          <a:srcRect/>
+          <a:stretch>
+            <a:fillRect/>
+          </a:stretch>
+        </p:blipFill>
+        <p:spPr bwMode="auto">
+          <a:xfrm>
+            <a:off x="4011186" y="1802624"/>
+            <a:ext cx="4169627" cy="2675869"/>
+          </a:xfrm>
+          <a:prstGeom prst="rect">
+            <a:avLst/>
+          </a:prstGeom>
+          <a:noFill/>
+          <a:extLst>
+            <a:ext uri="{909E8E84-426E-40DD-AFC4-6F175D3DCCD1}">
+              <a14:hiddenFill xmlns:a14="http://schemas.microsoft.com/office/drawing/2010/main">
+                <a:solidFill>
+                  <a:srgbClr val="FFFFFF"/>
+                </a:solidFill>
+              </a14:hiddenFill>
+            </a:ext>
+          </a:extLst>
+        </p:spPr>
+      </p:pic>
+      <p:sp>
+        <p:nvSpPr>
+          <p:cNvPr id="2" name="TextBox 1">
+            <a:extLst>
+              <a:ext uri="{FF2B5EF4-FFF2-40B4-BE49-F238E27FC236}">
+                <a16:creationId xmlns:a16="http://schemas.microsoft.com/office/drawing/2014/main" id="{5974C1CC-CDE3-4FF1-AD61-634B86428C10}"/>
+              </a:ext>
+            </a:extLst>
+          </p:cNvPr>
+          <p:cNvSpPr txBox="1"/>
+          <p:nvPr/>
+        </p:nvSpPr>
+        <p:spPr>
+          <a:xfrm>
+            <a:off x="1195387" y="4954338"/>
+            <a:ext cx="9801225" cy="923330"/>
+          </a:xfrm>
+          <a:prstGeom prst="rect">
+            <a:avLst/>
+          </a:prstGeom>
+          <a:noFill/>
+        </p:spPr>
+        <p:txBody>
+          <a:bodyPr wrap="square" rtlCol="0">
+            <a:spAutoFit/>
+          </a:bodyPr>
+          <a:lstStyle/>
+          <a:p>
+            <a:pPr marL="285750" indent="-285750">
+              <a:buClr>
+                <a:srgbClr val="63A537"/>
+              </a:buClr>
+              <a:buFont typeface="Arial" panose="020B0604020202020204" pitchFamily="34" charset="0"/>
+              <a:buChar char="•"/>
+            </a:pPr>
+            <a:r>
+              <a:rPr lang="en-IN" dirty="0">
+                <a:solidFill>
+                  <a:srgbClr val="404040"/>
+                </a:solidFill>
+              </a:rPr>
+              <a:t>Analogue Signal </a:t>
+            </a:r>
+            <a:r>
+              <a:rPr lang="en-IN" sz="1400" dirty="0">
+                <a:solidFill>
+                  <a:srgbClr val="404040"/>
+                </a:solidFill>
+                <a:sym typeface="Wingdings" panose="05000000000000000000" pitchFamily="2" charset="2"/>
+              </a:rPr>
+              <a:t></a:t>
+            </a:r>
+            <a:r>
+              <a:rPr lang="en-IN" dirty="0">
+                <a:solidFill>
+                  <a:srgbClr val="404040"/>
+                </a:solidFill>
+                <a:sym typeface="Wingdings" panose="05000000000000000000" pitchFamily="2" charset="2"/>
+              </a:rPr>
+              <a:t> Digital Signal </a:t>
+            </a:r>
+            <a:r>
+              <a:rPr lang="en-IN" sz="1400" dirty="0">
+                <a:solidFill>
+                  <a:srgbClr val="404040"/>
+                </a:solidFill>
+                <a:sym typeface="Wingdings" panose="05000000000000000000" pitchFamily="2" charset="2"/>
+              </a:rPr>
+              <a:t></a:t>
+            </a:r>
+            <a:r>
+              <a:rPr lang="en-IN" dirty="0">
+                <a:solidFill>
+                  <a:srgbClr val="404040"/>
+                </a:solidFill>
+                <a:sym typeface="Wingdings" panose="05000000000000000000" pitchFamily="2" charset="2"/>
+              </a:rPr>
+              <a:t> Digital Representation of the obtained points </a:t>
+            </a:r>
+            <a:r>
+              <a:rPr lang="en-IN" sz="1400" dirty="0">
+                <a:solidFill>
+                  <a:srgbClr val="404040"/>
+                </a:solidFill>
+                <a:sym typeface="Wingdings" panose="05000000000000000000" pitchFamily="2" charset="2"/>
+              </a:rPr>
+              <a:t></a:t>
+            </a:r>
+            <a:r>
+              <a:rPr lang="en-IN" dirty="0">
+                <a:solidFill>
+                  <a:srgbClr val="404040"/>
+                </a:solidFill>
+                <a:sym typeface="Wingdings" panose="05000000000000000000" pitchFamily="2" charset="2"/>
+              </a:rPr>
+              <a:t> Array of numbers</a:t>
+            </a:r>
+          </a:p>
+          <a:p>
+            <a:pPr marL="285750" indent="-285750">
+              <a:buClr>
+                <a:srgbClr val="63A537"/>
+              </a:buClr>
+              <a:buFont typeface="Arial" panose="020B0604020202020204" pitchFamily="34" charset="0"/>
+              <a:buChar char="•"/>
+            </a:pPr>
+            <a:r>
+              <a:rPr lang="en-IN" dirty="0">
+                <a:solidFill>
+                  <a:srgbClr val="404040"/>
+                </a:solidFill>
+                <a:sym typeface="Wingdings" panose="05000000000000000000" pitchFamily="2" charset="2"/>
+              </a:rPr>
+              <a:t>Here the Sampling Rate is fixed to 22050 Hz for all cough samples</a:t>
+            </a:r>
+          </a:p>
+          <a:p>
+            <a:pPr marL="285750" indent="-285750">
+              <a:buClr>
+                <a:srgbClr val="63A537"/>
+              </a:buClr>
+              <a:buFont typeface="Arial" panose="020B0604020202020204" pitchFamily="34" charset="0"/>
+              <a:buChar char="•"/>
+            </a:pPr>
+            <a:r>
+              <a:rPr lang="en-IN" dirty="0">
+                <a:solidFill>
+                  <a:srgbClr val="404040"/>
+                </a:solidFill>
+                <a:sym typeface="Wingdings" panose="05000000000000000000" pitchFamily="2" charset="2"/>
+              </a:rPr>
+              <a:t>This process is performed using Python’s Librosa Library</a:t>
+            </a:r>
+            <a:endParaRPr lang="en-IN" dirty="0">
+              <a:solidFill>
+                <a:srgbClr val="404040"/>
+              </a:solidFill>
+            </a:endParaRPr>
+          </a:p>
+        </p:txBody>
+      </p:sp>
+    </p:spTree>
+    <p:extLst>
+      <p:ext uri="{BB962C8B-B14F-4D97-AF65-F5344CB8AC3E}">
+        <p14:creationId xmlns:p14="http://schemas.microsoft.com/office/powerpoint/2010/main" val="2659829889"/>
+      </p:ext>
+    </p:extLst>
+  </p:cSld>
+  <p:clrMapOvr>
+    <a:masterClrMapping/>
+  </p:clrMapOvr>
+</p:sld>
+</file>
+
+<file path=ppt/slides/slide11.xml><?xml version="1.0" encoding="utf-8"?>
+<p:sld xmlns:a="http://schemas.openxmlformats.org/drawingml/2006/main" xmlns:r="http://schemas.openxmlformats.org/officeDocument/2006/relationships" xmlns:p="http://schemas.openxmlformats.org/presentationml/2006/main">
+  <p:cSld>
+    <p:spTree>
+      <p:nvGrpSpPr>
+        <p:cNvPr id="1" name=""/>
+        <p:cNvGrpSpPr/>
+        <p:nvPr/>
+      </p:nvGrpSpPr>
+      <p:grpSpPr>
+        <a:xfrm>
+          <a:off x="0" y="0"/>
+          <a:ext cx="0" cy="0"/>
+          <a:chOff x="0" y="0"/>
+          <a:chExt cx="0" cy="0"/>
+        </a:xfrm>
+      </p:grpSpPr>
+      <p:sp>
+        <p:nvSpPr>
+          <p:cNvPr id="8" name="Content Placeholder 2">
+            <a:extLst>
+              <a:ext uri="{FF2B5EF4-FFF2-40B4-BE49-F238E27FC236}">
+                <a16:creationId xmlns:a16="http://schemas.microsoft.com/office/drawing/2014/main" id="{F35A97AB-994C-437E-AEDC-71D0883BA4C9}"/>
+              </a:ext>
+            </a:extLst>
+          </p:cNvPr>
+          <p:cNvSpPr txBox="1">
+            <a:spLocks/>
+          </p:cNvSpPr>
+          <p:nvPr/>
+        </p:nvSpPr>
+        <p:spPr>
+          <a:xfrm>
+            <a:off x="1066800" y="554815"/>
+            <a:ext cx="10040471" cy="5429125"/>
+          </a:xfrm>
+          <a:prstGeom prst="rect">
+            <a:avLst/>
+          </a:prstGeom>
+        </p:spPr>
+        <p:txBody>
+          <a:bodyPr vert="horz" lIns="0" tIns="45720" rIns="0" bIns="45720" rtlCol="0">
+            <a:normAutofit/>
+          </a:bodyPr>
+          <a:lstStyle>
+            <a:lvl1pPr marL="91440" indent="-91440" algn="l" defTabSz="914400" rtl="0" eaLnBrk="1" latinLnBrk="0" hangingPunct="1">
+              <a:lnSpc>
+                <a:spcPct val="90000"/>
+              </a:lnSpc>
+              <a:spcBef>
+                <a:spcPts val="1200"/>
+              </a:spcBef>
+              <a:spcAft>
+                <a:spcPts val="200"/>
+              </a:spcAft>
+              <a:buClr>
+                <a:schemeClr val="accent1"/>
+              </a:buClr>
+              <a:buSzPct val="100000"/>
+              <a:buFont typeface="Calibri" panose="020F0502020204030204" pitchFamily="34" charset="0"/>
+              <a:buChar char=" "/>
+              <a:defRPr sz="2000" kern="1200">
+                <a:solidFill>
+                  <a:schemeClr val="tx1">
+                    <a:lumMod val="75000"/>
+                    <a:lumOff val="25000"/>
+                  </a:schemeClr>
+                </a:solidFill>
+                <a:latin typeface="+mn-lt"/>
+                <a:ea typeface="+mn-ea"/>
+                <a:cs typeface="+mn-cs"/>
+              </a:defRPr>
+            </a:lvl1pPr>
+            <a:lvl2pPr marL="384048" indent="-182880" algn="l" defTabSz="914400" rtl="0" eaLnBrk="1" latinLnBrk="0" hangingPunct="1">
+              <a:lnSpc>
+                <a:spcPct val="90000"/>
+              </a:lnSpc>
+              <a:spcBef>
+                <a:spcPts val="200"/>
+              </a:spcBef>
+              <a:spcAft>
+                <a:spcPts val="400"/>
+              </a:spcAft>
+              <a:buClr>
+                <a:schemeClr val="accent1"/>
+              </a:buClr>
+              <a:buFont typeface="Calibri" pitchFamily="34" charset="0"/>
+              <a:buChar char="◦"/>
+              <a:defRPr sz="1800" kern="1200">
+                <a:solidFill>
+                  <a:schemeClr val="tx1">
+                    <a:lumMod val="75000"/>
+                    <a:lumOff val="25000"/>
+                  </a:schemeClr>
+                </a:solidFill>
+                <a:latin typeface="+mn-lt"/>
+                <a:ea typeface="+mn-ea"/>
+                <a:cs typeface="+mn-cs"/>
+              </a:defRPr>
+            </a:lvl2pPr>
+            <a:lvl3pPr marL="566928" indent="-182880" algn="l" defTabSz="914400" rtl="0" eaLnBrk="1" latinLnBrk="0" hangingPunct="1">
+              <a:lnSpc>
+                <a:spcPct val="90000"/>
+              </a:lnSpc>
+              <a:spcBef>
+                <a:spcPts val="200"/>
+              </a:spcBef>
+              <a:spcAft>
+                <a:spcPts val="400"/>
+              </a:spcAft>
+              <a:buClr>
+                <a:schemeClr val="accent1"/>
+              </a:buClr>
+              <a:buFont typeface="Calibri" pitchFamily="34" charset="0"/>
+              <a:buChar char="◦"/>
+              <a:defRPr sz="1400" kern="1200">
+                <a:solidFill>
+                  <a:schemeClr val="tx1">
+                    <a:lumMod val="75000"/>
+                    <a:lumOff val="25000"/>
+                  </a:schemeClr>
+                </a:solidFill>
+                <a:latin typeface="+mn-lt"/>
+                <a:ea typeface="+mn-ea"/>
+                <a:cs typeface="+mn-cs"/>
+              </a:defRPr>
+            </a:lvl3pPr>
+            <a:lvl4pPr marL="749808" indent="-182880" algn="l" defTabSz="914400" rtl="0" eaLnBrk="1" latinLnBrk="0" hangingPunct="1">
+              <a:lnSpc>
+                <a:spcPct val="90000"/>
+              </a:lnSpc>
+              <a:spcBef>
+                <a:spcPts val="200"/>
+              </a:spcBef>
+              <a:spcAft>
+                <a:spcPts val="400"/>
+              </a:spcAft>
+              <a:buClr>
+                <a:schemeClr val="accent1"/>
+              </a:buClr>
+              <a:buFont typeface="Calibri" pitchFamily="34" charset="0"/>
+              <a:buChar char="◦"/>
+              <a:defRPr sz="1400" kern="1200">
+                <a:solidFill>
+                  <a:schemeClr val="tx1">
+                    <a:lumMod val="75000"/>
+                    <a:lumOff val="25000"/>
+                  </a:schemeClr>
+                </a:solidFill>
+                <a:latin typeface="+mn-lt"/>
+                <a:ea typeface="+mn-ea"/>
+                <a:cs typeface="+mn-cs"/>
+              </a:defRPr>
+            </a:lvl4pPr>
+            <a:lvl5pPr marL="932688" indent="-182880" algn="l" defTabSz="914400" rtl="0" eaLnBrk="1" latinLnBrk="0" hangingPunct="1">
+              <a:lnSpc>
+                <a:spcPct val="90000"/>
+              </a:lnSpc>
+              <a:spcBef>
+                <a:spcPts val="200"/>
+              </a:spcBef>
+              <a:spcAft>
+                <a:spcPts val="400"/>
+              </a:spcAft>
+              <a:buClr>
+                <a:schemeClr val="accent1"/>
+              </a:buClr>
+              <a:buFont typeface="Calibri" pitchFamily="34" charset="0"/>
+              <a:buChar char="◦"/>
+              <a:defRPr sz="1400" kern="1200">
+                <a:solidFill>
+                  <a:schemeClr val="tx1">
+                    <a:lumMod val="75000"/>
+                    <a:lumOff val="25000"/>
+                  </a:schemeClr>
+                </a:solidFill>
+                <a:latin typeface="+mn-lt"/>
+                <a:ea typeface="+mn-ea"/>
+                <a:cs typeface="+mn-cs"/>
+              </a:defRPr>
+            </a:lvl5pPr>
+            <a:lvl6pPr marL="1100000" indent="-228600" algn="l" defTabSz="914400" rtl="0" eaLnBrk="1" latinLnBrk="0" hangingPunct="1">
+              <a:lnSpc>
+                <a:spcPct val="90000"/>
+              </a:lnSpc>
+              <a:spcBef>
+                <a:spcPts val="200"/>
+              </a:spcBef>
+              <a:spcAft>
+                <a:spcPts val="400"/>
+              </a:spcAft>
+              <a:buClr>
+                <a:schemeClr val="accent1"/>
+              </a:buClr>
+              <a:buFont typeface="Calibri" pitchFamily="34" charset="0"/>
+              <a:buChar char="◦"/>
+              <a:defRPr sz="1400" kern="1200">
+                <a:solidFill>
+                  <a:schemeClr val="tx1">
+                    <a:lumMod val="75000"/>
+                    <a:lumOff val="25000"/>
+                  </a:schemeClr>
+                </a:solidFill>
+                <a:latin typeface="+mn-lt"/>
+                <a:ea typeface="+mn-ea"/>
+                <a:cs typeface="+mn-cs"/>
+              </a:defRPr>
+            </a:lvl6pPr>
+            <a:lvl7pPr marL="1300000" indent="-228600" algn="l" defTabSz="914400" rtl="0" eaLnBrk="1" latinLnBrk="0" hangingPunct="1">
+              <a:lnSpc>
+                <a:spcPct val="90000"/>
+              </a:lnSpc>
+              <a:spcBef>
+                <a:spcPts val="200"/>
+              </a:spcBef>
+              <a:spcAft>
+                <a:spcPts val="400"/>
+              </a:spcAft>
+              <a:buClr>
+                <a:schemeClr val="accent1"/>
+              </a:buClr>
+              <a:buFont typeface="Calibri" pitchFamily="34" charset="0"/>
+              <a:buChar char="◦"/>
+              <a:defRPr sz="1400" kern="1200">
+                <a:solidFill>
+                  <a:schemeClr val="tx1">
+                    <a:lumMod val="75000"/>
+                    <a:lumOff val="25000"/>
+                  </a:schemeClr>
+                </a:solidFill>
+                <a:latin typeface="+mn-lt"/>
+                <a:ea typeface="+mn-ea"/>
+                <a:cs typeface="+mn-cs"/>
+              </a:defRPr>
+            </a:lvl7pPr>
+            <a:lvl8pPr marL="1500000" indent="-228600" algn="l" defTabSz="914400" rtl="0" eaLnBrk="1" latinLnBrk="0" hangingPunct="1">
+              <a:lnSpc>
+                <a:spcPct val="90000"/>
+              </a:lnSpc>
+              <a:spcBef>
+                <a:spcPts val="200"/>
+              </a:spcBef>
+              <a:spcAft>
+                <a:spcPts val="400"/>
+              </a:spcAft>
+              <a:buClr>
+                <a:schemeClr val="accent1"/>
+              </a:buClr>
+              <a:buFont typeface="Calibri" pitchFamily="34" charset="0"/>
+              <a:buChar char="◦"/>
+              <a:defRPr sz="1400" kern="1200">
+                <a:solidFill>
+                  <a:schemeClr val="tx1">
+                    <a:lumMod val="75000"/>
+                    <a:lumOff val="25000"/>
+                  </a:schemeClr>
+                </a:solidFill>
+                <a:latin typeface="+mn-lt"/>
+                <a:ea typeface="+mn-ea"/>
+                <a:cs typeface="+mn-cs"/>
+              </a:defRPr>
+            </a:lvl8pPr>
+            <a:lvl9pPr marL="1700000" indent="-228600" algn="l" defTabSz="914400" rtl="0" eaLnBrk="1" latinLnBrk="0" hangingPunct="1">
+              <a:lnSpc>
+                <a:spcPct val="90000"/>
+              </a:lnSpc>
+              <a:spcBef>
+                <a:spcPts val="200"/>
+              </a:spcBef>
+              <a:spcAft>
+                <a:spcPts val="400"/>
+              </a:spcAft>
+              <a:buClr>
+                <a:schemeClr val="accent1"/>
+              </a:buClr>
+              <a:buFont typeface="Calibri" pitchFamily="34" charset="0"/>
+              <a:buChar char="◦"/>
+              <a:defRPr sz="1400" kern="1200">
+                <a:solidFill>
+                  <a:schemeClr val="tx1">
+                    <a:lumMod val="75000"/>
+                    <a:lumOff val="25000"/>
+                  </a:schemeClr>
+                </a:solidFill>
+                <a:latin typeface="+mn-lt"/>
+                <a:ea typeface="+mn-ea"/>
+                <a:cs typeface="+mn-cs"/>
+              </a:defRPr>
+            </a:lvl9pPr>
+          </a:lstStyle>
+          <a:p>
+            <a:pPr>
+              <a:lnSpc>
+                <a:spcPct val="200000"/>
+              </a:lnSpc>
+            </a:pPr>
+            <a:r>
+              <a:rPr lang="en-IN" sz="2400" b="1" dirty="0"/>
+              <a:t>Feature Extraction</a:t>
+            </a:r>
+            <a:r>
+              <a:rPr lang="en-IN" sz="2400" dirty="0"/>
+              <a:t> :</a:t>
+            </a:r>
+            <a:endParaRPr lang="en-IN" dirty="0"/>
+          </a:p>
+          <a:p>
+            <a:pPr marL="749808" lvl="1" indent="-457200">
+              <a:buFont typeface="+mj-lt"/>
+              <a:buAutoNum type="arabicPeriod"/>
+            </a:pPr>
+            <a:endParaRPr lang="en-IN" dirty="0"/>
+          </a:p>
+        </p:txBody>
+      </p:sp>
+      <p:sp>
+        <p:nvSpPr>
+          <p:cNvPr id="3" name="Slide Number Placeholder 7">
+            <a:extLst>
+              <a:ext uri="{FF2B5EF4-FFF2-40B4-BE49-F238E27FC236}">
+                <a16:creationId xmlns:a16="http://schemas.microsoft.com/office/drawing/2014/main" id="{63A0B9E7-168D-4E70-A1C9-3F418791B7B6}"/>
+              </a:ext>
+            </a:extLst>
+          </p:cNvPr>
+          <p:cNvSpPr>
+            <a:spLocks noGrp="1"/>
+          </p:cNvSpPr>
+          <p:nvPr>
+            <p:ph type="sldNum" sz="quarter" idx="12"/>
+          </p:nvPr>
+        </p:nvSpPr>
+        <p:spPr>
+          <a:xfrm>
+            <a:off x="9900458" y="6459785"/>
+            <a:ext cx="1312025" cy="365125"/>
+          </a:xfrm>
+        </p:spPr>
+        <p:txBody>
+          <a:bodyPr/>
+          <a:lstStyle/>
+          <a:p>
+            <a:fld id="{CCAA1144-E559-445C-AEC7-865AEBFCCAD8}" type="slidenum">
+              <a:rPr lang="en-IN" smtClean="0"/>
+              <a:t>11</a:t>
             </a:fld>
             <a:endParaRPr lang="en-IN" dirty="0"/>
           </a:p>
@@ -13137,7 +13865,7 @@
 </p:sld>
 </file>
 
-<file path=ppt/slides/slide11.xml><?xml version="1.0" encoding="utf-8"?>
+<file path=ppt/slides/slide12.xml><?xml version="1.0" encoding="utf-8"?>
 <p:sld xmlns:a="http://schemas.openxmlformats.org/drawingml/2006/main" xmlns:r="http://schemas.openxmlformats.org/officeDocument/2006/relationships" xmlns:p="http://schemas.openxmlformats.org/presentationml/2006/main">
   <p:cSld>
     <p:spTree>
@@ -13536,7 +14264,7 @@
           <a:p>
             <a:fld id="{CCAA1144-E559-445C-AEC7-865AEBFCCAD8}" type="slidenum">
               <a:rPr lang="en-IN" smtClean="0"/>
-              <a:t>11</a:t>
+              <a:t>12</a:t>
             </a:fld>
             <a:endParaRPr lang="en-IN" dirty="0"/>
           </a:p>
@@ -14050,7 +14778,7 @@
 </p:sld>
 </file>
 
-<file path=ppt/slides/slide12.xml><?xml version="1.0" encoding="utf-8"?>
+<file path=ppt/slides/slide13.xml><?xml version="1.0" encoding="utf-8"?>
 <p:sld xmlns:a="http://schemas.openxmlformats.org/drawingml/2006/main" xmlns:r="http://schemas.openxmlformats.org/officeDocument/2006/relationships" xmlns:p="http://schemas.openxmlformats.org/presentationml/2006/main">
   <p:cSld>
     <p:spTree>
@@ -14398,7 +15126,7 @@
           <a:p>
             <a:fld id="{CCAA1144-E559-445C-AEC7-865AEBFCCAD8}" type="slidenum">
               <a:rPr lang="en-IN" smtClean="0"/>
-              <a:t>12</a:t>
+              <a:t>13</a:t>
             </a:fld>
             <a:endParaRPr lang="en-IN" dirty="0"/>
           </a:p>
@@ -17344,7 +18072,7 @@
 </p:sld>
 </file>
 
-<file path=ppt/slides/slide13.xml><?xml version="1.0" encoding="utf-8"?>
+<file path=ppt/slides/slide14.xml><?xml version="1.0" encoding="utf-8"?>
 <p:sld xmlns:a="http://schemas.openxmlformats.org/drawingml/2006/main" xmlns:r="http://schemas.openxmlformats.org/officeDocument/2006/relationships" xmlns:p="http://schemas.openxmlformats.org/presentationml/2006/main">
   <p:cSld>
     <p:spTree>
@@ -18880,7 +19608,7 @@
           <a:p>
             <a:fld id="{CCAA1144-E559-445C-AEC7-865AEBFCCAD8}" type="slidenum">
               <a:rPr lang="en-IN" smtClean="0"/>
-              <a:t>13</a:t>
+              <a:t>14</a:t>
             </a:fld>
             <a:endParaRPr lang="en-IN" dirty="0"/>
           </a:p>
@@ -20010,7 +20738,7 @@
 </p:sld>
 </file>
 
-<file path=ppt/slides/slide14.xml><?xml version="1.0" encoding="utf-8"?>
+<file path=ppt/slides/slide15.xml><?xml version="1.0" encoding="utf-8"?>
 <p:sld xmlns:a="http://schemas.openxmlformats.org/drawingml/2006/main" xmlns:r="http://schemas.openxmlformats.org/officeDocument/2006/relationships" xmlns:p="http://schemas.openxmlformats.org/presentationml/2006/main">
   <p:cSld>
     <p:spTree>
@@ -21453,7 +22181,7 @@
           <a:p>
             <a:fld id="{CCAA1144-E559-445C-AEC7-865AEBFCCAD8}" type="slidenum">
               <a:rPr lang="en-IN" smtClean="0"/>
-              <a:t>14</a:t>
+              <a:t>15</a:t>
             </a:fld>
             <a:endParaRPr lang="en-IN" dirty="0"/>
           </a:p>
@@ -23506,7 +24234,7 @@
 </p:sld>
 </file>
 
-<file path=ppt/slides/slide15.xml><?xml version="1.0" encoding="utf-8"?>
+<file path=ppt/slides/slide16.xml><?xml version="1.0" encoding="utf-8"?>
 <p:sld xmlns:a="http://schemas.openxmlformats.org/drawingml/2006/main" xmlns:r="http://schemas.openxmlformats.org/officeDocument/2006/relationships" xmlns:p="http://schemas.openxmlformats.org/presentationml/2006/main">
   <p:cSld>
     <p:spTree>
@@ -23849,7 +24577,7 @@
           <a:p>
             <a:fld id="{CCAA1144-E559-445C-AEC7-865AEBFCCAD8}" type="slidenum">
               <a:rPr lang="en-IN" smtClean="0"/>
-              <a:t>15</a:t>
+              <a:t>16</a:t>
             </a:fld>
             <a:endParaRPr lang="en-IN" dirty="0"/>
           </a:p>
@@ -24314,7 +25042,7 @@
 </p:sld>
 </file>
 
-<file path=ppt/slides/slide16.xml><?xml version="1.0" encoding="utf-8"?>
+<file path=ppt/slides/slide17.xml><?xml version="1.0" encoding="utf-8"?>
 <p:sld xmlns:a="http://schemas.openxmlformats.org/drawingml/2006/main" xmlns:r="http://schemas.openxmlformats.org/officeDocument/2006/relationships" xmlns:p="http://schemas.openxmlformats.org/presentationml/2006/main">
   <p:cSld>
     <p:spTree>
@@ -24864,7 +25592,7 @@
           <a:p>
             <a:fld id="{CCAA1144-E559-445C-AEC7-865AEBFCCAD8}" type="slidenum">
               <a:rPr lang="en-IN" smtClean="0"/>
-              <a:t>16</a:t>
+              <a:t>17</a:t>
             </a:fld>
             <a:endParaRPr lang="en-IN" dirty="0"/>
           </a:p>
@@ -24883,7 +25611,7 @@
 </p:sld>
 </file>
 
-<file path=ppt/slides/slide17.xml><?xml version="1.0" encoding="utf-8"?>
+<file path=ppt/slides/slide18.xml><?xml version="1.0" encoding="utf-8"?>
 <p:sld xmlns:a="http://schemas.openxmlformats.org/drawingml/2006/main" xmlns:r="http://schemas.openxmlformats.org/officeDocument/2006/relationships" xmlns:p="http://schemas.openxmlformats.org/presentationml/2006/main">
   <p:cSld>
     <p:spTree>
@@ -25112,7 +25840,7 @@
           <a:p>
             <a:fld id="{CCAA1144-E559-445C-AEC7-865AEBFCCAD8}" type="slidenum">
               <a:rPr lang="en-IN" smtClean="0"/>
-              <a:t>17</a:t>
+              <a:t>18</a:t>
             </a:fld>
             <a:endParaRPr lang="en-IN" dirty="0"/>
           </a:p>
@@ -25131,7 +25859,7 @@
 </p:sld>
 </file>
 
-<file path=ppt/slides/slide18.xml><?xml version="1.0" encoding="utf-8"?>
+<file path=ppt/slides/slide19.xml><?xml version="1.0" encoding="utf-8"?>
 <p:sld xmlns:a="http://schemas.openxmlformats.org/drawingml/2006/main" xmlns:r="http://schemas.openxmlformats.org/officeDocument/2006/relationships" xmlns:p="http://schemas.openxmlformats.org/presentationml/2006/main">
   <p:cSld>
     <p:spTree>
@@ -25366,7 +26094,7 @@
           <a:p>
             <a:fld id="{CCAA1144-E559-445C-AEC7-865AEBFCCAD8}" type="slidenum">
               <a:rPr lang="en-IN" smtClean="0"/>
-              <a:t>18</a:t>
+              <a:t>19</a:t>
             </a:fld>
             <a:endParaRPr lang="en-IN" dirty="0"/>
           </a:p>
@@ -25376,164 +26104,6 @@
     <p:extLst>
       <p:ext uri="{BB962C8B-B14F-4D97-AF65-F5344CB8AC3E}">
         <p14:creationId xmlns:p14="http://schemas.microsoft.com/office/powerpoint/2010/main" val="2283698993"/>
-      </p:ext>
-    </p:extLst>
-  </p:cSld>
-  <p:clrMapOvr>
-    <a:masterClrMapping/>
-  </p:clrMapOvr>
-</p:sld>
-</file>
-
-<file path=ppt/slides/slide19.xml><?xml version="1.0" encoding="utf-8"?>
-<p:sld xmlns:a="http://schemas.openxmlformats.org/drawingml/2006/main" xmlns:r="http://schemas.openxmlformats.org/officeDocument/2006/relationships" xmlns:p="http://schemas.openxmlformats.org/presentationml/2006/main">
-  <p:cSld>
-    <p:spTree>
-      <p:nvGrpSpPr>
-        <p:cNvPr id="1" name=""/>
-        <p:cNvGrpSpPr/>
-        <p:nvPr/>
-      </p:nvGrpSpPr>
-      <p:grpSpPr>
-        <a:xfrm>
-          <a:off x="0" y="0"/>
-          <a:ext cx="0" cy="0"/>
-          <a:chOff x="0" y="0"/>
-          <a:chExt cx="0" cy="0"/>
-        </a:xfrm>
-      </p:grpSpPr>
-      <p:sp>
-        <p:nvSpPr>
-          <p:cNvPr id="6" name="Content Placeholder 5">
-            <a:extLst>
-              <a:ext uri="{FF2B5EF4-FFF2-40B4-BE49-F238E27FC236}">
-                <a16:creationId xmlns:a16="http://schemas.microsoft.com/office/drawing/2014/main" id="{703AB319-6705-45CC-9B92-664CBDCA9653}"/>
-              </a:ext>
-            </a:extLst>
-          </p:cNvPr>
-          <p:cNvSpPr>
-            <a:spLocks noGrp="1"/>
-          </p:cNvSpPr>
-          <p:nvPr>
-            <p:ph idx="1"/>
-          </p:nvPr>
-        </p:nvSpPr>
-        <p:spPr/>
-        <p:txBody>
-          <a:bodyPr/>
-          <a:lstStyle/>
-          <a:p>
-            <a:pPr>
-              <a:buFont typeface="Arial" panose="020B0604020202020204" pitchFamily="34" charset="0"/>
-              <a:buChar char="•"/>
-            </a:pPr>
-            <a:r>
-              <a:rPr lang="en-IN" dirty="0"/>
-              <a:t>The app was tested in real time on COVID-19 Positive Patients admitted in Visakhapatnam Steel General Hospital(VSGH)</a:t>
-            </a:r>
-          </a:p>
-          <a:p>
-            <a:pPr marL="0" indent="0">
-              <a:buNone/>
-            </a:pPr>
-            <a:endParaRPr lang="en-IN" dirty="0"/>
-          </a:p>
-        </p:txBody>
-      </p:sp>
-      <p:sp>
-        <p:nvSpPr>
-          <p:cNvPr id="5" name="Title 4">
-            <a:extLst>
-              <a:ext uri="{FF2B5EF4-FFF2-40B4-BE49-F238E27FC236}">
-                <a16:creationId xmlns:a16="http://schemas.microsoft.com/office/drawing/2014/main" id="{4F3AB52D-DB21-45BC-B452-569B8B238271}"/>
-              </a:ext>
-            </a:extLst>
-          </p:cNvPr>
-          <p:cNvSpPr>
-            <a:spLocks noGrp="1"/>
-          </p:cNvSpPr>
-          <p:nvPr>
-            <p:ph type="title"/>
-          </p:nvPr>
-        </p:nvSpPr>
-        <p:spPr/>
-        <p:txBody>
-          <a:bodyPr/>
-          <a:lstStyle/>
-          <a:p>
-            <a:r>
-              <a:rPr lang="en-IN" dirty="0"/>
-              <a:t>App Results</a:t>
-            </a:r>
-          </a:p>
-        </p:txBody>
-      </p:sp>
-      <p:graphicFrame>
-        <p:nvGraphicFramePr>
-          <p:cNvPr id="8" name="Chart 7">
-            <a:extLst>
-              <a:ext uri="{FF2B5EF4-FFF2-40B4-BE49-F238E27FC236}">
-                <a16:creationId xmlns:a16="http://schemas.microsoft.com/office/drawing/2014/main" id="{48D55B3F-E871-456B-99C9-A2785414C3CD}"/>
-              </a:ext>
-            </a:extLst>
-          </p:cNvPr>
-          <p:cNvGraphicFramePr/>
-          <p:nvPr>
-            <p:extLst>
-              <p:ext uri="{D42A27DB-BD31-4B8C-83A1-F6EECF244321}">
-                <p14:modId xmlns:p14="http://schemas.microsoft.com/office/powerpoint/2010/main" val="1404475059"/>
-              </p:ext>
-            </p:extLst>
-          </p:nvPr>
-        </p:nvGraphicFramePr>
-        <p:xfrm>
-          <a:off x="1844992" y="2787434"/>
-          <a:ext cx="8562975" cy="3441917"/>
-        </p:xfrm>
-        <a:graphic>
-          <a:graphicData uri="http://schemas.openxmlformats.org/drawingml/2006/chart">
-            <c:chart xmlns:c="http://schemas.openxmlformats.org/drawingml/2006/chart" xmlns:r="http://schemas.openxmlformats.org/officeDocument/2006/relationships" r:id="rId3"/>
-          </a:graphicData>
-        </a:graphic>
-      </p:graphicFrame>
-      <p:sp>
-        <p:nvSpPr>
-          <p:cNvPr id="9" name="Slide Number Placeholder 7">
-            <a:extLst>
-              <a:ext uri="{FF2B5EF4-FFF2-40B4-BE49-F238E27FC236}">
-                <a16:creationId xmlns:a16="http://schemas.microsoft.com/office/drawing/2014/main" id="{B27B5567-6AE3-4AEB-8353-19A6B0B0681B}"/>
-              </a:ext>
-            </a:extLst>
-          </p:cNvPr>
-          <p:cNvSpPr>
-            <a:spLocks noGrp="1"/>
-          </p:cNvSpPr>
-          <p:nvPr>
-            <p:ph type="sldNum" sz="quarter" idx="12"/>
-          </p:nvPr>
-        </p:nvSpPr>
-        <p:spPr>
-          <a:xfrm>
-            <a:off x="9900458" y="6459785"/>
-            <a:ext cx="1312025" cy="365125"/>
-          </a:xfrm>
-        </p:spPr>
-        <p:txBody>
-          <a:bodyPr/>
-          <a:lstStyle/>
-          <a:p>
-            <a:fld id="{CCAA1144-E559-445C-AEC7-865AEBFCCAD8}" type="slidenum">
-              <a:rPr lang="en-IN" smtClean="0"/>
-              <a:t>19</a:t>
-            </a:fld>
-            <a:endParaRPr lang="en-IN" dirty="0"/>
-          </a:p>
-        </p:txBody>
-      </p:sp>
-    </p:spTree>
-    <p:extLst>
-      <p:ext uri="{BB962C8B-B14F-4D97-AF65-F5344CB8AC3E}">
-        <p14:creationId xmlns:p14="http://schemas.microsoft.com/office/powerpoint/2010/main" val="1024754774"/>
       </p:ext>
     </p:extLst>
   </p:cSld>
@@ -25616,51 +26186,46 @@
           </a:xfrm>
         </p:spPr>
         <p:txBody>
-          <a:bodyPr/>
+          <a:bodyPr>
+            <a:normAutofit/>
+          </a:bodyPr>
           <a:lstStyle/>
           <a:p>
-            <a:pPr>
+            <a:pPr marL="720000" lvl="1" indent="-457200">
               <a:lnSpc>
-                <a:spcPct val="150000"/>
+                <a:spcPct val="200000"/>
               </a:lnSpc>
-              <a:buFont typeface="Arial" panose="020B0604020202020204" pitchFamily="34" charset="0"/>
-              <a:buChar char="•"/>
+              <a:spcBef>
+                <a:spcPts val="600"/>
+              </a:spcBef>
+              <a:spcAft>
+                <a:spcPts val="600"/>
+              </a:spcAft>
+              <a:buFont typeface="+mj-lt"/>
+              <a:buAutoNum type="arabicPeriod"/>
             </a:pPr>
             <a:r>
-              <a:rPr lang="en-IN" sz="1800" dirty="0">
-                <a:latin typeface="Calibri" panose="020F0502020204030204" pitchFamily="34" charset="0"/>
-              </a:rPr>
-              <a:t> Creating a COVID – 19 Cough Classifier using Machine Learning Techniques</a:t>
-            </a:r>
-          </a:p>
-          <a:p>
-            <a:pPr>
+              <a:rPr lang="en-IN" dirty="0"/>
+              <a:t>Creating a Model for Detection of Cough in Audio Recordings</a:t>
+            </a:r>
+          </a:p>
+          <a:p>
+            <a:pPr marL="720000" lvl="1" indent="-457200">
               <a:lnSpc>
-                <a:spcPct val="150000"/>
+                <a:spcPct val="200000"/>
               </a:lnSpc>
-              <a:buFont typeface="Arial" panose="020B0604020202020204" pitchFamily="34" charset="0"/>
-              <a:buChar char="•"/>
+              <a:spcBef>
+                <a:spcPts val="600"/>
+              </a:spcBef>
+              <a:spcAft>
+                <a:spcPts val="600"/>
+              </a:spcAft>
+              <a:buFont typeface="+mj-lt"/>
+              <a:buAutoNum type="arabicPeriod"/>
             </a:pPr>
             <a:r>
-              <a:rPr lang="en-IN" sz="1800" dirty="0">
-                <a:latin typeface="Calibri" panose="020F0502020204030204" pitchFamily="34" charset="0"/>
-              </a:rPr>
-              <a:t> Combining 5 Interpretable Machine Learning classifiers into 1 Model using Ensemble Learning</a:t>
-            </a:r>
-          </a:p>
-          <a:p>
-            <a:pPr>
-              <a:lnSpc>
-                <a:spcPct val="150000"/>
-              </a:lnSpc>
-              <a:buFont typeface="Arial" panose="020B0604020202020204" pitchFamily="34" charset="0"/>
-              <a:buChar char="•"/>
-            </a:pPr>
-            <a:r>
-              <a:rPr lang="en-IN" sz="1800" dirty="0">
-                <a:latin typeface="Calibri" panose="020F0502020204030204" pitchFamily="34" charset="0"/>
-              </a:rPr>
-              <a:t> Achieved accuracy of 99.3%, Sensitivity of 99% and Area under ROC curve of 0.97 on validation dataset</a:t>
+              <a:rPr lang="en-IN" dirty="0"/>
+              <a:t>COVID-19 Cough Pattern Analysis </a:t>
             </a:r>
           </a:p>
         </p:txBody>
@@ -25728,8 +26293,8 @@
         </p:blipFill>
         <p:spPr bwMode="auto">
           <a:xfrm>
-            <a:off x="3079115" y="3620242"/>
-            <a:ext cx="6033770" cy="2263140"/>
+            <a:off x="2506283" y="3373146"/>
+            <a:ext cx="7179433" cy="2692854"/>
           </a:xfrm>
           <a:prstGeom prst="rect">
             <a:avLst/>
@@ -25797,6 +26362,164 @@
             </a:pPr>
             <a:r>
               <a:rPr lang="en-IN" dirty="0"/>
+              <a:t>The app was tested in real time on COVID-19 Positive Patients admitted in Visakhapatnam Steel General Hospital(VSGH)</a:t>
+            </a:r>
+          </a:p>
+          <a:p>
+            <a:pPr marL="0" indent="0">
+              <a:buNone/>
+            </a:pPr>
+            <a:endParaRPr lang="en-IN" dirty="0"/>
+          </a:p>
+        </p:txBody>
+      </p:sp>
+      <p:sp>
+        <p:nvSpPr>
+          <p:cNvPr id="5" name="Title 4">
+            <a:extLst>
+              <a:ext uri="{FF2B5EF4-FFF2-40B4-BE49-F238E27FC236}">
+                <a16:creationId xmlns:a16="http://schemas.microsoft.com/office/drawing/2014/main" id="{4F3AB52D-DB21-45BC-B452-569B8B238271}"/>
+              </a:ext>
+            </a:extLst>
+          </p:cNvPr>
+          <p:cNvSpPr>
+            <a:spLocks noGrp="1"/>
+          </p:cNvSpPr>
+          <p:nvPr>
+            <p:ph type="title"/>
+          </p:nvPr>
+        </p:nvSpPr>
+        <p:spPr/>
+        <p:txBody>
+          <a:bodyPr/>
+          <a:lstStyle/>
+          <a:p>
+            <a:r>
+              <a:rPr lang="en-IN" dirty="0"/>
+              <a:t>App Results</a:t>
+            </a:r>
+          </a:p>
+        </p:txBody>
+      </p:sp>
+      <p:graphicFrame>
+        <p:nvGraphicFramePr>
+          <p:cNvPr id="8" name="Chart 7">
+            <a:extLst>
+              <a:ext uri="{FF2B5EF4-FFF2-40B4-BE49-F238E27FC236}">
+                <a16:creationId xmlns:a16="http://schemas.microsoft.com/office/drawing/2014/main" id="{48D55B3F-E871-456B-99C9-A2785414C3CD}"/>
+              </a:ext>
+            </a:extLst>
+          </p:cNvPr>
+          <p:cNvGraphicFramePr/>
+          <p:nvPr>
+            <p:extLst>
+              <p:ext uri="{D42A27DB-BD31-4B8C-83A1-F6EECF244321}">
+                <p14:modId xmlns:p14="http://schemas.microsoft.com/office/powerpoint/2010/main" val="1404475059"/>
+              </p:ext>
+            </p:extLst>
+          </p:nvPr>
+        </p:nvGraphicFramePr>
+        <p:xfrm>
+          <a:off x="1844992" y="2787434"/>
+          <a:ext cx="8562975" cy="3441917"/>
+        </p:xfrm>
+        <a:graphic>
+          <a:graphicData uri="http://schemas.openxmlformats.org/drawingml/2006/chart">
+            <c:chart xmlns:c="http://schemas.openxmlformats.org/drawingml/2006/chart" xmlns:r="http://schemas.openxmlformats.org/officeDocument/2006/relationships" r:id="rId3"/>
+          </a:graphicData>
+        </a:graphic>
+      </p:graphicFrame>
+      <p:sp>
+        <p:nvSpPr>
+          <p:cNvPr id="9" name="Slide Number Placeholder 7">
+            <a:extLst>
+              <a:ext uri="{FF2B5EF4-FFF2-40B4-BE49-F238E27FC236}">
+                <a16:creationId xmlns:a16="http://schemas.microsoft.com/office/drawing/2014/main" id="{B27B5567-6AE3-4AEB-8353-19A6B0B0681B}"/>
+              </a:ext>
+            </a:extLst>
+          </p:cNvPr>
+          <p:cNvSpPr>
+            <a:spLocks noGrp="1"/>
+          </p:cNvSpPr>
+          <p:nvPr>
+            <p:ph type="sldNum" sz="quarter" idx="12"/>
+          </p:nvPr>
+        </p:nvSpPr>
+        <p:spPr>
+          <a:xfrm>
+            <a:off x="9900458" y="6459785"/>
+            <a:ext cx="1312025" cy="365125"/>
+          </a:xfrm>
+        </p:spPr>
+        <p:txBody>
+          <a:bodyPr/>
+          <a:lstStyle/>
+          <a:p>
+            <a:fld id="{CCAA1144-E559-445C-AEC7-865AEBFCCAD8}" type="slidenum">
+              <a:rPr lang="en-IN" smtClean="0"/>
+              <a:t>20</a:t>
+            </a:fld>
+            <a:endParaRPr lang="en-IN" dirty="0"/>
+          </a:p>
+        </p:txBody>
+      </p:sp>
+    </p:spTree>
+    <p:extLst>
+      <p:ext uri="{BB962C8B-B14F-4D97-AF65-F5344CB8AC3E}">
+        <p14:creationId xmlns:p14="http://schemas.microsoft.com/office/powerpoint/2010/main" val="1024754774"/>
+      </p:ext>
+    </p:extLst>
+  </p:cSld>
+  <p:clrMapOvr>
+    <a:masterClrMapping/>
+  </p:clrMapOvr>
+</p:sld>
+</file>
+
+<file path=ppt/slides/slide21.xml><?xml version="1.0" encoding="utf-8"?>
+<p:sld xmlns:a="http://schemas.openxmlformats.org/drawingml/2006/main" xmlns:r="http://schemas.openxmlformats.org/officeDocument/2006/relationships" xmlns:p="http://schemas.openxmlformats.org/presentationml/2006/main">
+  <p:cSld>
+    <p:spTree>
+      <p:nvGrpSpPr>
+        <p:cNvPr id="1" name=""/>
+        <p:cNvGrpSpPr/>
+        <p:nvPr/>
+      </p:nvGrpSpPr>
+      <p:grpSpPr>
+        <a:xfrm>
+          <a:off x="0" y="0"/>
+          <a:ext cx="0" cy="0"/>
+          <a:chOff x="0" y="0"/>
+          <a:chExt cx="0" cy="0"/>
+        </a:xfrm>
+      </p:grpSpPr>
+      <p:sp>
+        <p:nvSpPr>
+          <p:cNvPr id="6" name="Content Placeholder 5">
+            <a:extLst>
+              <a:ext uri="{FF2B5EF4-FFF2-40B4-BE49-F238E27FC236}">
+                <a16:creationId xmlns:a16="http://schemas.microsoft.com/office/drawing/2014/main" id="{703AB319-6705-45CC-9B92-664CBDCA9653}"/>
+              </a:ext>
+            </a:extLst>
+          </p:cNvPr>
+          <p:cNvSpPr>
+            <a:spLocks noGrp="1"/>
+          </p:cNvSpPr>
+          <p:nvPr>
+            <p:ph idx="1"/>
+          </p:nvPr>
+        </p:nvSpPr>
+        <p:spPr/>
+        <p:txBody>
+          <a:bodyPr/>
+          <a:lstStyle/>
+          <a:p>
+            <a:pPr>
+              <a:buFont typeface="Arial" panose="020B0604020202020204" pitchFamily="34" charset="0"/>
+              <a:buChar char="•"/>
+            </a:pPr>
+            <a:r>
+              <a:rPr lang="en-IN" dirty="0"/>
               <a:t> The available dataset was divided into two parts – First Wave Data and Second Wave Data</a:t>
             </a:r>
           </a:p>
@@ -25911,7 +26634,7 @@
           <a:p>
             <a:fld id="{CCAA1144-E559-445C-AEC7-865AEBFCCAD8}" type="slidenum">
               <a:rPr lang="en-IN" smtClean="0"/>
-              <a:t>20</a:t>
+              <a:t>21</a:t>
             </a:fld>
             <a:endParaRPr lang="en-IN" dirty="0"/>
           </a:p>
@@ -26396,6 +27119,311 @@
           <p:cNvPr id="2" name="Title 1">
             <a:extLst>
               <a:ext uri="{FF2B5EF4-FFF2-40B4-BE49-F238E27FC236}">
+                <a16:creationId xmlns:a16="http://schemas.microsoft.com/office/drawing/2014/main" id="{5C4002AA-2261-4EBF-93F1-1214A928EC3B}"/>
+              </a:ext>
+            </a:extLst>
+          </p:cNvPr>
+          <p:cNvSpPr>
+            <a:spLocks noGrp="1"/>
+          </p:cNvSpPr>
+          <p:nvPr>
+            <p:ph type="title"/>
+          </p:nvPr>
+        </p:nvSpPr>
+        <p:spPr>
+          <a:xfrm>
+            <a:off x="1097280" y="224866"/>
+            <a:ext cx="10058400" cy="1450757"/>
+          </a:xfrm>
+        </p:spPr>
+        <p:txBody>
+          <a:bodyPr/>
+          <a:lstStyle/>
+          <a:p>
+            <a:r>
+              <a:rPr lang="en-IN" dirty="0"/>
+              <a:t>Motivation</a:t>
+            </a:r>
+          </a:p>
+        </p:txBody>
+      </p:sp>
+      <p:sp>
+        <p:nvSpPr>
+          <p:cNvPr id="4" name="Content Placeholder 2">
+            <a:extLst>
+              <a:ext uri="{FF2B5EF4-FFF2-40B4-BE49-F238E27FC236}">
+                <a16:creationId xmlns:a16="http://schemas.microsoft.com/office/drawing/2014/main" id="{A42024B4-9448-4077-B91E-7350C0BC75CD}"/>
+              </a:ext>
+            </a:extLst>
+          </p:cNvPr>
+          <p:cNvSpPr>
+            <a:spLocks noGrp="1"/>
+          </p:cNvSpPr>
+          <p:nvPr>
+            <p:ph idx="4294967295"/>
+          </p:nvPr>
+        </p:nvSpPr>
+        <p:spPr>
+          <a:xfrm>
+            <a:off x="1097280" y="1845734"/>
+            <a:ext cx="10058400" cy="4023360"/>
+          </a:xfrm>
+        </p:spPr>
+        <p:txBody>
+          <a:bodyPr/>
+          <a:lstStyle/>
+          <a:p>
+            <a:pPr lvl="1" algn="just">
+              <a:lnSpc>
+                <a:spcPct val="150000"/>
+              </a:lnSpc>
+              <a:buFont typeface="Arial" panose="020B0604020202020204" pitchFamily="34" charset="0"/>
+              <a:buChar char="•"/>
+            </a:pPr>
+            <a:r>
+              <a:rPr lang="en-US" sz="1600" dirty="0"/>
+              <a:t>Increased rate of Testing has led to significant prevention in transmission of COVID 19</a:t>
+            </a:r>
+            <a:endParaRPr lang="en-IN" sz="1600" dirty="0"/>
+          </a:p>
+          <a:p>
+            <a:pPr lvl="1" algn="just">
+              <a:lnSpc>
+                <a:spcPct val="150000"/>
+              </a:lnSpc>
+              <a:buFont typeface="Arial" panose="020B0604020202020204" pitchFamily="34" charset="0"/>
+              <a:buChar char="•"/>
+            </a:pPr>
+            <a:r>
+              <a:rPr lang="en-IN" sz="1600" dirty="0"/>
+              <a:t>Frequent Testing can be really affective at catching COVID – 19 infections and potentially blocking transmission</a:t>
+            </a:r>
+          </a:p>
+          <a:p>
+            <a:pPr marL="201168" lvl="1" indent="0" algn="just">
+              <a:lnSpc>
+                <a:spcPct val="150000"/>
+              </a:lnSpc>
+              <a:buNone/>
+            </a:pPr>
+            <a:endParaRPr lang="en-IN" sz="1600" dirty="0"/>
+          </a:p>
+          <a:p>
+            <a:pPr lvl="1" algn="just">
+              <a:lnSpc>
+                <a:spcPct val="150000"/>
+              </a:lnSpc>
+              <a:buFont typeface="Arial" panose="020B0604020202020204" pitchFamily="34" charset="0"/>
+              <a:buChar char="•"/>
+            </a:pPr>
+            <a:r>
+              <a:rPr lang="en-IN" dirty="0"/>
+              <a:t>Existing Solution: RTPCR Kits</a:t>
+            </a:r>
+          </a:p>
+          <a:p>
+            <a:pPr lvl="2" algn="just">
+              <a:lnSpc>
+                <a:spcPct val="200000"/>
+              </a:lnSpc>
+              <a:buFont typeface="Arial" panose="020B0604020202020204" pitchFamily="34" charset="0"/>
+              <a:buChar char="•"/>
+            </a:pPr>
+            <a:r>
+              <a:rPr lang="en-IN" dirty="0"/>
+              <a:t>Takes at least 24 hours to get results</a:t>
+            </a:r>
+          </a:p>
+          <a:p>
+            <a:pPr lvl="2" algn="just">
+              <a:lnSpc>
+                <a:spcPct val="200000"/>
+              </a:lnSpc>
+              <a:buFont typeface="Arial" panose="020B0604020202020204" pitchFamily="34" charset="0"/>
+              <a:buChar char="•"/>
+            </a:pPr>
+            <a:r>
+              <a:rPr lang="en-IN" dirty="0"/>
+              <a:t>Limited frequency of tests</a:t>
+            </a:r>
+          </a:p>
+          <a:p>
+            <a:pPr lvl="2" algn="just">
+              <a:lnSpc>
+                <a:spcPct val="200000"/>
+              </a:lnSpc>
+              <a:buFont typeface="Arial" panose="020B0604020202020204" pitchFamily="34" charset="0"/>
+              <a:buChar char="•"/>
+            </a:pPr>
+            <a:r>
+              <a:rPr lang="en-IN" dirty="0"/>
+              <a:t>Doesn’t account for new strains</a:t>
+            </a:r>
+          </a:p>
+          <a:p>
+            <a:pPr lvl="2" algn="just">
+              <a:lnSpc>
+                <a:spcPct val="200000"/>
+              </a:lnSpc>
+              <a:buFont typeface="Arial" panose="020B0604020202020204" pitchFamily="34" charset="0"/>
+              <a:buChar char="•"/>
+            </a:pPr>
+            <a:r>
+              <a:rPr lang="en-IN" dirty="0"/>
+              <a:t>Can be performed only by medical professionals </a:t>
+            </a:r>
+          </a:p>
+          <a:p>
+            <a:pPr lvl="2" algn="just">
+              <a:buFont typeface="Arial" panose="020B0604020202020204" pitchFamily="34" charset="0"/>
+              <a:buChar char="•"/>
+            </a:pPr>
+            <a:endParaRPr lang="en-IN" dirty="0"/>
+          </a:p>
+          <a:p>
+            <a:pPr lvl="2" algn="just">
+              <a:buFont typeface="Arial" panose="020B0604020202020204" pitchFamily="34" charset="0"/>
+              <a:buChar char="•"/>
+            </a:pPr>
+            <a:endParaRPr lang="en-IN" dirty="0"/>
+          </a:p>
+          <a:p>
+            <a:pPr lvl="2" algn="just">
+              <a:buFont typeface="Arial" panose="020B0604020202020204" pitchFamily="34" charset="0"/>
+              <a:buChar char="•"/>
+            </a:pPr>
+            <a:endParaRPr lang="en-US" dirty="0"/>
+          </a:p>
+        </p:txBody>
+      </p:sp>
+      <p:sp>
+        <p:nvSpPr>
+          <p:cNvPr id="7" name="Footer Placeholder 6">
+            <a:extLst>
+              <a:ext uri="{FF2B5EF4-FFF2-40B4-BE49-F238E27FC236}">
+                <a16:creationId xmlns:a16="http://schemas.microsoft.com/office/drawing/2014/main" id="{AAC67DC8-AB9E-4243-9508-BCAC1035F2A5}"/>
+              </a:ext>
+            </a:extLst>
+          </p:cNvPr>
+          <p:cNvSpPr>
+            <a:spLocks noGrp="1"/>
+          </p:cNvSpPr>
+          <p:nvPr>
+            <p:ph type="ftr" sz="quarter" idx="11"/>
+          </p:nvPr>
+        </p:nvSpPr>
+        <p:spPr>
+          <a:xfrm>
+            <a:off x="150483" y="6459785"/>
+            <a:ext cx="4822804" cy="365125"/>
+          </a:xfrm>
+        </p:spPr>
+        <p:txBody>
+          <a:bodyPr/>
+          <a:lstStyle/>
+          <a:p>
+            <a:pPr algn="l"/>
+            <a:r>
+              <a:rPr lang="en-IN" dirty="0"/>
+              <a:t>Source:  CDC, IHME, OXFORD</a:t>
+            </a:r>
+          </a:p>
+        </p:txBody>
+      </p:sp>
+      <p:sp>
+        <p:nvSpPr>
+          <p:cNvPr id="8" name="Slide Number Placeholder 7">
+            <a:extLst>
+              <a:ext uri="{FF2B5EF4-FFF2-40B4-BE49-F238E27FC236}">
+                <a16:creationId xmlns:a16="http://schemas.microsoft.com/office/drawing/2014/main" id="{B8942129-8F19-4A75-82CD-1A7F232C25D9}"/>
+              </a:ext>
+            </a:extLst>
+          </p:cNvPr>
+          <p:cNvSpPr>
+            <a:spLocks noGrp="1"/>
+          </p:cNvSpPr>
+          <p:nvPr>
+            <p:ph type="sldNum" sz="quarter" idx="12"/>
+          </p:nvPr>
+        </p:nvSpPr>
+        <p:spPr>
+          <a:xfrm>
+            <a:off x="9900458" y="6459785"/>
+            <a:ext cx="1312025" cy="365125"/>
+          </a:xfrm>
+        </p:spPr>
+        <p:txBody>
+          <a:bodyPr/>
+          <a:lstStyle/>
+          <a:p>
+            <a:fld id="{CCAA1144-E559-445C-AEC7-865AEBFCCAD8}" type="slidenum">
+              <a:rPr lang="en-IN" smtClean="0"/>
+              <a:t>4</a:t>
+            </a:fld>
+            <a:endParaRPr lang="en-IN" dirty="0"/>
+          </a:p>
+        </p:txBody>
+      </p:sp>
+      <p:sp>
+        <p:nvSpPr>
+          <p:cNvPr id="5" name="Content Placeholder 4">
+            <a:extLst>
+              <a:ext uri="{FF2B5EF4-FFF2-40B4-BE49-F238E27FC236}">
+                <a16:creationId xmlns:a16="http://schemas.microsoft.com/office/drawing/2014/main" id="{D34E1F8D-8096-4EE2-8C84-3B3BFD2B3F7C}"/>
+              </a:ext>
+            </a:extLst>
+          </p:cNvPr>
+          <p:cNvSpPr>
+            <a:spLocks noGrp="1"/>
+          </p:cNvSpPr>
+          <p:nvPr>
+            <p:ph idx="1"/>
+          </p:nvPr>
+        </p:nvSpPr>
+        <p:spPr/>
+        <p:txBody>
+          <a:bodyPr/>
+          <a:lstStyle/>
+          <a:p>
+            <a:endParaRPr lang="en-IN" dirty="0"/>
+          </a:p>
+        </p:txBody>
+      </p:sp>
+    </p:spTree>
+    <p:extLst>
+      <p:ext uri="{BB962C8B-B14F-4D97-AF65-F5344CB8AC3E}">
+        <p14:creationId xmlns:p14="http://schemas.microsoft.com/office/powerpoint/2010/main" val="3192677182"/>
+      </p:ext>
+    </p:extLst>
+  </p:cSld>
+  <p:clrMapOvr>
+    <a:masterClrMapping/>
+  </p:clrMapOvr>
+</p:sld>
+</file>
+
+<file path=ppt/slides/slide5.xml><?xml version="1.0" encoding="utf-8"?>
+<p:sld xmlns:a="http://schemas.openxmlformats.org/drawingml/2006/main" xmlns:r="http://schemas.openxmlformats.org/officeDocument/2006/relationships" xmlns:p="http://schemas.openxmlformats.org/presentationml/2006/main">
+  <p:cSld>
+    <p:spTree>
+      <p:nvGrpSpPr>
+        <p:cNvPr id="1" name=""/>
+        <p:cNvGrpSpPr/>
+        <p:nvPr/>
+      </p:nvGrpSpPr>
+      <p:grpSpPr>
+        <a:xfrm>
+          <a:off x="0" y="0"/>
+          <a:ext cx="0" cy="0"/>
+          <a:chOff x="0" y="0"/>
+          <a:chExt cx="0" cy="0"/>
+        </a:xfrm>
+      </p:grpSpPr>
+      <p:sp>
+        <p:nvSpPr>
+          <p:cNvPr id="2" name="Title 1">
+            <a:extLst>
+              <a:ext uri="{FF2B5EF4-FFF2-40B4-BE49-F238E27FC236}">
                 <a16:creationId xmlns:a16="http://schemas.microsoft.com/office/drawing/2014/main" id="{EE09DA05-AD31-47D2-91BC-E383F294E06F}"/>
               </a:ext>
             </a:extLst>
@@ -26603,7 +27631,7 @@
           <a:p>
             <a:fld id="{CCAA1144-E559-445C-AEC7-865AEBFCCAD8}" type="slidenum">
               <a:rPr lang="en-IN" smtClean="0"/>
-              <a:t>4</a:t>
+              <a:t>5</a:t>
             </a:fld>
             <a:endParaRPr lang="en-IN" dirty="0"/>
           </a:p>
@@ -26622,7 +27650,7 @@
 </p:sld>
 </file>
 
-<file path=ppt/slides/slide5.xml><?xml version="1.0" encoding="utf-8"?>
+<file path=ppt/slides/slide6.xml><?xml version="1.0" encoding="utf-8"?>
 <p:sld xmlns:a="http://schemas.openxmlformats.org/drawingml/2006/main" xmlns:r="http://schemas.openxmlformats.org/officeDocument/2006/relationships" xmlns:p="http://schemas.openxmlformats.org/presentationml/2006/main">
   <p:cSld>
     <p:spTree>
@@ -26814,7 +27842,7 @@
           <a:p>
             <a:fld id="{CCAA1144-E559-445C-AEC7-865AEBFCCAD8}" type="slidenum">
               <a:rPr lang="en-IN" smtClean="0"/>
-              <a:t>5</a:t>
+              <a:t>6</a:t>
             </a:fld>
             <a:endParaRPr lang="en-IN" dirty="0"/>
           </a:p>
@@ -26833,7 +27861,7 @@
 </p:sld>
 </file>
 
-<file path=ppt/slides/slide6.xml><?xml version="1.0" encoding="utf-8"?>
+<file path=ppt/slides/slide7.xml><?xml version="1.0" encoding="utf-8"?>
 <p:sld xmlns:a="http://schemas.openxmlformats.org/drawingml/2006/main" xmlns:r="http://schemas.openxmlformats.org/officeDocument/2006/relationships" xmlns:p="http://schemas.openxmlformats.org/presentationml/2006/main">
   <p:cSld>
     <p:spTree>
@@ -26982,7 +28010,7 @@
           <a:p>
             <a:fld id="{CCAA1144-E559-445C-AEC7-865AEBFCCAD8}" type="slidenum">
               <a:rPr lang="en-IN" smtClean="0"/>
-              <a:t>6</a:t>
+              <a:t>7</a:t>
             </a:fld>
             <a:endParaRPr lang="en-IN" dirty="0"/>
           </a:p>
@@ -27001,7 +28029,7 @@
 </p:sld>
 </file>
 
-<file path=ppt/slides/slide7.xml><?xml version="1.0" encoding="utf-8"?>
+<file path=ppt/slides/slide8.xml><?xml version="1.0" encoding="utf-8"?>
 <p:sld xmlns:a="http://schemas.openxmlformats.org/drawingml/2006/main" xmlns:r="http://schemas.openxmlformats.org/officeDocument/2006/relationships" xmlns:p="http://schemas.openxmlformats.org/presentationml/2006/main">
   <p:cSld>
     <p:spTree>
@@ -27159,7 +28187,7 @@
           <a:p>
             <a:fld id="{CCAA1144-E559-445C-AEC7-865AEBFCCAD8}" type="slidenum">
               <a:rPr lang="en-IN" smtClean="0"/>
-              <a:t>7</a:t>
+              <a:t>8</a:t>
             </a:fld>
             <a:endParaRPr lang="en-IN" dirty="0"/>
           </a:p>
@@ -27327,7 +28355,7 @@
 </p:sld>
 </file>
 
-<file path=ppt/slides/slide8.xml><?xml version="1.0" encoding="utf-8"?>
+<file path=ppt/slides/slide9.xml><?xml version="1.0" encoding="utf-8"?>
 <p:sld xmlns:a="http://schemas.openxmlformats.org/drawingml/2006/main" xmlns:r="http://schemas.openxmlformats.org/officeDocument/2006/relationships" xmlns:p="http://schemas.openxmlformats.org/presentationml/2006/main">
   <p:cSld>
     <p:spTree>
@@ -27479,7 +28507,7 @@
           <a:p>
             <a:fld id="{CCAA1144-E559-445C-AEC7-865AEBFCCAD8}" type="slidenum">
               <a:rPr lang="en-IN" smtClean="0"/>
-              <a:t>8</a:t>
+              <a:t>9</a:t>
             </a:fld>
             <a:endParaRPr lang="en-IN" dirty="0"/>
           </a:p>
@@ -27489,570 +28517,6 @@
     <p:extLst>
       <p:ext uri="{BB962C8B-B14F-4D97-AF65-F5344CB8AC3E}">
         <p14:creationId xmlns:p14="http://schemas.microsoft.com/office/powerpoint/2010/main" val="3810055214"/>
-      </p:ext>
-    </p:extLst>
-  </p:cSld>
-  <p:clrMapOvr>
-    <a:masterClrMapping/>
-  </p:clrMapOvr>
-</p:sld>
-</file>
-
-<file path=ppt/slides/slide9.xml><?xml version="1.0" encoding="utf-8"?>
-<p:sld xmlns:a="http://schemas.openxmlformats.org/drawingml/2006/main" xmlns:r="http://schemas.openxmlformats.org/officeDocument/2006/relationships" xmlns:p="http://schemas.openxmlformats.org/presentationml/2006/main">
-  <p:cSld>
-    <p:spTree>
-      <p:nvGrpSpPr>
-        <p:cNvPr id="1" name=""/>
-        <p:cNvGrpSpPr/>
-        <p:nvPr/>
-      </p:nvGrpSpPr>
-      <p:grpSpPr>
-        <a:xfrm>
-          <a:off x="0" y="0"/>
-          <a:ext cx="0" cy="0"/>
-          <a:chOff x="0" y="0"/>
-          <a:chExt cx="0" cy="0"/>
-        </a:xfrm>
-      </p:grpSpPr>
-      <p:sp>
-        <p:nvSpPr>
-          <p:cNvPr id="8" name="Content Placeholder 2">
-            <a:extLst>
-              <a:ext uri="{FF2B5EF4-FFF2-40B4-BE49-F238E27FC236}">
-                <a16:creationId xmlns:a16="http://schemas.microsoft.com/office/drawing/2014/main" id="{F35A97AB-994C-437E-AEDC-71D0883BA4C9}"/>
-              </a:ext>
-            </a:extLst>
-          </p:cNvPr>
-          <p:cNvSpPr txBox="1">
-            <a:spLocks/>
-          </p:cNvSpPr>
-          <p:nvPr/>
-        </p:nvSpPr>
-        <p:spPr>
-          <a:xfrm>
-            <a:off x="1066800" y="554815"/>
-            <a:ext cx="10040471" cy="5429125"/>
-          </a:xfrm>
-          <a:prstGeom prst="rect">
-            <a:avLst/>
-          </a:prstGeom>
-        </p:spPr>
-        <p:txBody>
-          <a:bodyPr vert="horz" lIns="0" tIns="45720" rIns="0" bIns="45720" rtlCol="0">
-            <a:normAutofit/>
-          </a:bodyPr>
-          <a:lstStyle>
-            <a:lvl1pPr marL="91440" indent="-91440" algn="l" defTabSz="914400" rtl="0" eaLnBrk="1" latinLnBrk="0" hangingPunct="1">
-              <a:lnSpc>
-                <a:spcPct val="90000"/>
-              </a:lnSpc>
-              <a:spcBef>
-                <a:spcPts val="1200"/>
-              </a:spcBef>
-              <a:spcAft>
-                <a:spcPts val="200"/>
-              </a:spcAft>
-              <a:buClr>
-                <a:schemeClr val="accent1"/>
-              </a:buClr>
-              <a:buSzPct val="100000"/>
-              <a:buFont typeface="Calibri" panose="020F0502020204030204" pitchFamily="34" charset="0"/>
-              <a:buChar char=" "/>
-              <a:defRPr sz="2000" kern="1200">
-                <a:solidFill>
-                  <a:schemeClr val="tx1">
-                    <a:lumMod val="75000"/>
-                    <a:lumOff val="25000"/>
-                  </a:schemeClr>
-                </a:solidFill>
-                <a:latin typeface="+mn-lt"/>
-                <a:ea typeface="+mn-ea"/>
-                <a:cs typeface="+mn-cs"/>
-              </a:defRPr>
-            </a:lvl1pPr>
-            <a:lvl2pPr marL="384048" indent="-182880" algn="l" defTabSz="914400" rtl="0" eaLnBrk="1" latinLnBrk="0" hangingPunct="1">
-              <a:lnSpc>
-                <a:spcPct val="90000"/>
-              </a:lnSpc>
-              <a:spcBef>
-                <a:spcPts val="200"/>
-              </a:spcBef>
-              <a:spcAft>
-                <a:spcPts val="400"/>
-              </a:spcAft>
-              <a:buClr>
-                <a:schemeClr val="accent1"/>
-              </a:buClr>
-              <a:buFont typeface="Calibri" pitchFamily="34" charset="0"/>
-              <a:buChar char="◦"/>
-              <a:defRPr sz="1800" kern="1200">
-                <a:solidFill>
-                  <a:schemeClr val="tx1">
-                    <a:lumMod val="75000"/>
-                    <a:lumOff val="25000"/>
-                  </a:schemeClr>
-                </a:solidFill>
-                <a:latin typeface="+mn-lt"/>
-                <a:ea typeface="+mn-ea"/>
-                <a:cs typeface="+mn-cs"/>
-              </a:defRPr>
-            </a:lvl2pPr>
-            <a:lvl3pPr marL="566928" indent="-182880" algn="l" defTabSz="914400" rtl="0" eaLnBrk="1" latinLnBrk="0" hangingPunct="1">
-              <a:lnSpc>
-                <a:spcPct val="90000"/>
-              </a:lnSpc>
-              <a:spcBef>
-                <a:spcPts val="200"/>
-              </a:spcBef>
-              <a:spcAft>
-                <a:spcPts val="400"/>
-              </a:spcAft>
-              <a:buClr>
-                <a:schemeClr val="accent1"/>
-              </a:buClr>
-              <a:buFont typeface="Calibri" pitchFamily="34" charset="0"/>
-              <a:buChar char="◦"/>
-              <a:defRPr sz="1400" kern="1200">
-                <a:solidFill>
-                  <a:schemeClr val="tx1">
-                    <a:lumMod val="75000"/>
-                    <a:lumOff val="25000"/>
-                  </a:schemeClr>
-                </a:solidFill>
-                <a:latin typeface="+mn-lt"/>
-                <a:ea typeface="+mn-ea"/>
-                <a:cs typeface="+mn-cs"/>
-              </a:defRPr>
-            </a:lvl3pPr>
-            <a:lvl4pPr marL="749808" indent="-182880" algn="l" defTabSz="914400" rtl="0" eaLnBrk="1" latinLnBrk="0" hangingPunct="1">
-              <a:lnSpc>
-                <a:spcPct val="90000"/>
-              </a:lnSpc>
-              <a:spcBef>
-                <a:spcPts val="200"/>
-              </a:spcBef>
-              <a:spcAft>
-                <a:spcPts val="400"/>
-              </a:spcAft>
-              <a:buClr>
-                <a:schemeClr val="accent1"/>
-              </a:buClr>
-              <a:buFont typeface="Calibri" pitchFamily="34" charset="0"/>
-              <a:buChar char="◦"/>
-              <a:defRPr sz="1400" kern="1200">
-                <a:solidFill>
-                  <a:schemeClr val="tx1">
-                    <a:lumMod val="75000"/>
-                    <a:lumOff val="25000"/>
-                  </a:schemeClr>
-                </a:solidFill>
-                <a:latin typeface="+mn-lt"/>
-                <a:ea typeface="+mn-ea"/>
-                <a:cs typeface="+mn-cs"/>
-              </a:defRPr>
-            </a:lvl4pPr>
-            <a:lvl5pPr marL="932688" indent="-182880" algn="l" defTabSz="914400" rtl="0" eaLnBrk="1" latinLnBrk="0" hangingPunct="1">
-              <a:lnSpc>
-                <a:spcPct val="90000"/>
-              </a:lnSpc>
-              <a:spcBef>
-                <a:spcPts val="200"/>
-              </a:spcBef>
-              <a:spcAft>
-                <a:spcPts val="400"/>
-              </a:spcAft>
-              <a:buClr>
-                <a:schemeClr val="accent1"/>
-              </a:buClr>
-              <a:buFont typeface="Calibri" pitchFamily="34" charset="0"/>
-              <a:buChar char="◦"/>
-              <a:defRPr sz="1400" kern="1200">
-                <a:solidFill>
-                  <a:schemeClr val="tx1">
-                    <a:lumMod val="75000"/>
-                    <a:lumOff val="25000"/>
-                  </a:schemeClr>
-                </a:solidFill>
-                <a:latin typeface="+mn-lt"/>
-                <a:ea typeface="+mn-ea"/>
-                <a:cs typeface="+mn-cs"/>
-              </a:defRPr>
-            </a:lvl5pPr>
-            <a:lvl6pPr marL="1100000" indent="-228600" algn="l" defTabSz="914400" rtl="0" eaLnBrk="1" latinLnBrk="0" hangingPunct="1">
-              <a:lnSpc>
-                <a:spcPct val="90000"/>
-              </a:lnSpc>
-              <a:spcBef>
-                <a:spcPts val="200"/>
-              </a:spcBef>
-              <a:spcAft>
-                <a:spcPts val="400"/>
-              </a:spcAft>
-              <a:buClr>
-                <a:schemeClr val="accent1"/>
-              </a:buClr>
-              <a:buFont typeface="Calibri" pitchFamily="34" charset="0"/>
-              <a:buChar char="◦"/>
-              <a:defRPr sz="1400" kern="1200">
-                <a:solidFill>
-                  <a:schemeClr val="tx1">
-                    <a:lumMod val="75000"/>
-                    <a:lumOff val="25000"/>
-                  </a:schemeClr>
-                </a:solidFill>
-                <a:latin typeface="+mn-lt"/>
-                <a:ea typeface="+mn-ea"/>
-                <a:cs typeface="+mn-cs"/>
-              </a:defRPr>
-            </a:lvl6pPr>
-            <a:lvl7pPr marL="1300000" indent="-228600" algn="l" defTabSz="914400" rtl="0" eaLnBrk="1" latinLnBrk="0" hangingPunct="1">
-              <a:lnSpc>
-                <a:spcPct val="90000"/>
-              </a:lnSpc>
-              <a:spcBef>
-                <a:spcPts val="200"/>
-              </a:spcBef>
-              <a:spcAft>
-                <a:spcPts val="400"/>
-              </a:spcAft>
-              <a:buClr>
-                <a:schemeClr val="accent1"/>
-              </a:buClr>
-              <a:buFont typeface="Calibri" pitchFamily="34" charset="0"/>
-              <a:buChar char="◦"/>
-              <a:defRPr sz="1400" kern="1200">
-                <a:solidFill>
-                  <a:schemeClr val="tx1">
-                    <a:lumMod val="75000"/>
-                    <a:lumOff val="25000"/>
-                  </a:schemeClr>
-                </a:solidFill>
-                <a:latin typeface="+mn-lt"/>
-                <a:ea typeface="+mn-ea"/>
-                <a:cs typeface="+mn-cs"/>
-              </a:defRPr>
-            </a:lvl7pPr>
-            <a:lvl8pPr marL="1500000" indent="-228600" algn="l" defTabSz="914400" rtl="0" eaLnBrk="1" latinLnBrk="0" hangingPunct="1">
-              <a:lnSpc>
-                <a:spcPct val="90000"/>
-              </a:lnSpc>
-              <a:spcBef>
-                <a:spcPts val="200"/>
-              </a:spcBef>
-              <a:spcAft>
-                <a:spcPts val="400"/>
-              </a:spcAft>
-              <a:buClr>
-                <a:schemeClr val="accent1"/>
-              </a:buClr>
-              <a:buFont typeface="Calibri" pitchFamily="34" charset="0"/>
-              <a:buChar char="◦"/>
-              <a:defRPr sz="1400" kern="1200">
-                <a:solidFill>
-                  <a:schemeClr val="tx1">
-                    <a:lumMod val="75000"/>
-                    <a:lumOff val="25000"/>
-                  </a:schemeClr>
-                </a:solidFill>
-                <a:latin typeface="+mn-lt"/>
-                <a:ea typeface="+mn-ea"/>
-                <a:cs typeface="+mn-cs"/>
-              </a:defRPr>
-            </a:lvl8pPr>
-            <a:lvl9pPr marL="1700000" indent="-228600" algn="l" defTabSz="914400" rtl="0" eaLnBrk="1" latinLnBrk="0" hangingPunct="1">
-              <a:lnSpc>
-                <a:spcPct val="90000"/>
-              </a:lnSpc>
-              <a:spcBef>
-                <a:spcPts val="200"/>
-              </a:spcBef>
-              <a:spcAft>
-                <a:spcPts val="400"/>
-              </a:spcAft>
-              <a:buClr>
-                <a:schemeClr val="accent1"/>
-              </a:buClr>
-              <a:buFont typeface="Calibri" pitchFamily="34" charset="0"/>
-              <a:buChar char="◦"/>
-              <a:defRPr sz="1400" kern="1200">
-                <a:solidFill>
-                  <a:schemeClr val="tx1">
-                    <a:lumMod val="75000"/>
-                    <a:lumOff val="25000"/>
-                  </a:schemeClr>
-                </a:solidFill>
-                <a:latin typeface="+mn-lt"/>
-                <a:ea typeface="+mn-ea"/>
-                <a:cs typeface="+mn-cs"/>
-              </a:defRPr>
-            </a:lvl9pPr>
-          </a:lstStyle>
-          <a:p>
-            <a:pPr>
-              <a:lnSpc>
-                <a:spcPct val="200000"/>
-              </a:lnSpc>
-            </a:pPr>
-            <a:r>
-              <a:rPr lang="en-IN" sz="2400" b="1" dirty="0"/>
-              <a:t>Analog Digital Converter (ADC)</a:t>
-            </a:r>
-            <a:r>
-              <a:rPr lang="en-IN" sz="2400" dirty="0"/>
-              <a:t>:</a:t>
-            </a:r>
-          </a:p>
-          <a:p>
-            <a:pPr>
-              <a:lnSpc>
-                <a:spcPct val="200000"/>
-              </a:lnSpc>
-            </a:pPr>
-            <a:endParaRPr lang="en-IN" dirty="0"/>
-          </a:p>
-          <a:p>
-            <a:pPr marL="749808" lvl="1" indent="-457200">
-              <a:buFont typeface="Arial" panose="020B0604020202020204" pitchFamily="34" charset="0"/>
-              <a:buChar char="•"/>
-            </a:pPr>
-            <a:endParaRPr lang="en-IN" dirty="0"/>
-          </a:p>
-          <a:p>
-            <a:pPr marL="749808" lvl="1" indent="-457200">
-              <a:buFont typeface="+mj-lt"/>
-              <a:buAutoNum type="arabicPeriod"/>
-            </a:pPr>
-            <a:endParaRPr lang="en-IN" dirty="0"/>
-          </a:p>
-        </p:txBody>
-      </p:sp>
-      <p:sp>
-        <p:nvSpPr>
-          <p:cNvPr id="3" name="Slide Number Placeholder 7">
-            <a:extLst>
-              <a:ext uri="{FF2B5EF4-FFF2-40B4-BE49-F238E27FC236}">
-                <a16:creationId xmlns:a16="http://schemas.microsoft.com/office/drawing/2014/main" id="{63A0B9E7-168D-4E70-A1C9-3F418791B7B6}"/>
-              </a:ext>
-            </a:extLst>
-          </p:cNvPr>
-          <p:cNvSpPr>
-            <a:spLocks noGrp="1"/>
-          </p:cNvSpPr>
-          <p:nvPr>
-            <p:ph type="sldNum" sz="quarter" idx="12"/>
-          </p:nvPr>
-        </p:nvSpPr>
-        <p:spPr>
-          <a:xfrm>
-            <a:off x="9900458" y="6459785"/>
-            <a:ext cx="1312025" cy="365125"/>
-          </a:xfrm>
-        </p:spPr>
-        <p:txBody>
-          <a:bodyPr/>
-          <a:lstStyle/>
-          <a:p>
-            <a:fld id="{CCAA1144-E559-445C-AEC7-865AEBFCCAD8}" type="slidenum">
-              <a:rPr lang="en-IN" smtClean="0"/>
-              <a:t>9</a:t>
-            </a:fld>
-            <a:endParaRPr lang="en-IN" dirty="0"/>
-          </a:p>
-        </p:txBody>
-      </p:sp>
-      <p:pic>
-        <p:nvPicPr>
-          <p:cNvPr id="1026" name="Picture 2">
-            <a:extLst>
-              <a:ext uri="{FF2B5EF4-FFF2-40B4-BE49-F238E27FC236}">
-                <a16:creationId xmlns:a16="http://schemas.microsoft.com/office/drawing/2014/main" id="{2681E017-6997-48F1-8357-8CA7CA407854}"/>
-              </a:ext>
-            </a:extLst>
-          </p:cNvPr>
-          <p:cNvPicPr>
-            <a:picLocks noChangeAspect="1" noChangeArrowheads="1"/>
-          </p:cNvPicPr>
-          <p:nvPr/>
-        </p:nvPicPr>
-        <p:blipFill>
-          <a:blip r:embed="rId3">
-            <a:extLst>
-              <a:ext uri="{28A0092B-C50C-407E-A947-70E740481C1C}">
-                <a14:useLocalDpi xmlns:a14="http://schemas.microsoft.com/office/drawing/2010/main" val="0"/>
-              </a:ext>
-            </a:extLst>
-          </a:blip>
-          <a:srcRect/>
-          <a:stretch>
-            <a:fillRect/>
-          </a:stretch>
-        </p:blipFill>
-        <p:spPr bwMode="auto">
-          <a:xfrm>
-            <a:off x="4011186" y="1802624"/>
-            <a:ext cx="4169627" cy="2675869"/>
-          </a:xfrm>
-          <a:prstGeom prst="rect">
-            <a:avLst/>
-          </a:prstGeom>
-          <a:noFill/>
-          <a:extLst>
-            <a:ext uri="{909E8E84-426E-40DD-AFC4-6F175D3DCCD1}">
-              <a14:hiddenFill xmlns:a14="http://schemas.microsoft.com/office/drawing/2010/main">
-                <a:solidFill>
-                  <a:srgbClr val="FFFFFF"/>
-                </a:solidFill>
-              </a14:hiddenFill>
-            </a:ext>
-          </a:extLst>
-        </p:spPr>
-      </p:pic>
-      <p:sp>
-        <p:nvSpPr>
-          <p:cNvPr id="2" name="TextBox 1">
-            <a:extLst>
-              <a:ext uri="{FF2B5EF4-FFF2-40B4-BE49-F238E27FC236}">
-                <a16:creationId xmlns:a16="http://schemas.microsoft.com/office/drawing/2014/main" id="{5974C1CC-CDE3-4FF1-AD61-634B86428C10}"/>
-              </a:ext>
-            </a:extLst>
-          </p:cNvPr>
-          <p:cNvSpPr txBox="1"/>
-          <p:nvPr/>
-        </p:nvSpPr>
-        <p:spPr>
-          <a:xfrm>
-            <a:off x="1195387" y="4954338"/>
-            <a:ext cx="9801225" cy="923330"/>
-          </a:xfrm>
-          <a:prstGeom prst="rect">
-            <a:avLst/>
-          </a:prstGeom>
-          <a:noFill/>
-        </p:spPr>
-        <p:txBody>
-          <a:bodyPr wrap="square" rtlCol="0">
-            <a:spAutoFit/>
-          </a:bodyPr>
-          <a:lstStyle/>
-          <a:p>
-            <a:pPr marL="285750" indent="-285750">
-              <a:buClr>
-                <a:srgbClr val="63A537"/>
-              </a:buClr>
-              <a:buFont typeface="Arial" panose="020B0604020202020204" pitchFamily="34" charset="0"/>
-              <a:buChar char="•"/>
-            </a:pPr>
-            <a:r>
-              <a:rPr lang="en-IN" dirty="0">
-                <a:solidFill>
-                  <a:srgbClr val="404040"/>
-                </a:solidFill>
-              </a:rPr>
-              <a:t>Analogue Signal </a:t>
-            </a:r>
-            <a:r>
-              <a:rPr lang="en-IN" sz="1400" dirty="0">
-                <a:solidFill>
-                  <a:srgbClr val="404040"/>
-                </a:solidFill>
-                <a:sym typeface="Wingdings" panose="05000000000000000000" pitchFamily="2" charset="2"/>
-              </a:rPr>
-              <a:t></a:t>
-            </a:r>
-            <a:r>
-              <a:rPr lang="en-IN" dirty="0">
-                <a:solidFill>
-                  <a:srgbClr val="404040"/>
-                </a:solidFill>
-                <a:sym typeface="Wingdings" panose="05000000000000000000" pitchFamily="2" charset="2"/>
-              </a:rPr>
-              <a:t> Digital Signal </a:t>
-            </a:r>
-            <a:r>
-              <a:rPr lang="en-IN" sz="1400" dirty="0">
-                <a:solidFill>
-                  <a:srgbClr val="404040"/>
-                </a:solidFill>
-                <a:sym typeface="Wingdings" panose="05000000000000000000" pitchFamily="2" charset="2"/>
-              </a:rPr>
-              <a:t></a:t>
-            </a:r>
-            <a:r>
-              <a:rPr lang="en-IN" dirty="0">
-                <a:solidFill>
-                  <a:srgbClr val="404040"/>
-                </a:solidFill>
-                <a:sym typeface="Wingdings" panose="05000000000000000000" pitchFamily="2" charset="2"/>
-              </a:rPr>
-              <a:t> Digital Representation of the obtained points </a:t>
-            </a:r>
-            <a:r>
-              <a:rPr lang="en-IN" sz="1400" dirty="0">
-                <a:solidFill>
-                  <a:srgbClr val="404040"/>
-                </a:solidFill>
-                <a:sym typeface="Wingdings" panose="05000000000000000000" pitchFamily="2" charset="2"/>
-              </a:rPr>
-              <a:t></a:t>
-            </a:r>
-            <a:r>
-              <a:rPr lang="en-IN" dirty="0">
-                <a:solidFill>
-                  <a:srgbClr val="404040"/>
-                </a:solidFill>
-                <a:sym typeface="Wingdings" panose="05000000000000000000" pitchFamily="2" charset="2"/>
-              </a:rPr>
-              <a:t> Array of numbers</a:t>
-            </a:r>
-          </a:p>
-          <a:p>
-            <a:pPr marL="285750" indent="-285750">
-              <a:buClr>
-                <a:srgbClr val="63A537"/>
-              </a:buClr>
-              <a:buFont typeface="Arial" panose="020B0604020202020204" pitchFamily="34" charset="0"/>
-              <a:buChar char="•"/>
-            </a:pPr>
-            <a:r>
-              <a:rPr lang="en-IN" dirty="0">
-                <a:solidFill>
-                  <a:srgbClr val="404040"/>
-                </a:solidFill>
-                <a:sym typeface="Wingdings" panose="05000000000000000000" pitchFamily="2" charset="2"/>
-              </a:rPr>
-              <a:t>Here the Sampling Rate is fixed to 22050 Hz for all cough samples</a:t>
-            </a:r>
-          </a:p>
-          <a:p>
-            <a:pPr marL="285750" indent="-285750">
-              <a:buClr>
-                <a:srgbClr val="63A537"/>
-              </a:buClr>
-              <a:buFont typeface="Arial" panose="020B0604020202020204" pitchFamily="34" charset="0"/>
-              <a:buChar char="•"/>
-            </a:pPr>
-            <a:r>
-              <a:rPr lang="en-IN" dirty="0">
-                <a:solidFill>
-                  <a:srgbClr val="404040"/>
-                </a:solidFill>
-                <a:sym typeface="Wingdings" panose="05000000000000000000" pitchFamily="2" charset="2"/>
-              </a:rPr>
-              <a:t>This process is performed using Python’s Librosa Library</a:t>
-            </a:r>
-            <a:endParaRPr lang="en-IN" dirty="0">
-              <a:solidFill>
-                <a:srgbClr val="404040"/>
-              </a:solidFill>
-            </a:endParaRPr>
-          </a:p>
-        </p:txBody>
-      </p:sp>
-    </p:spTree>
-    <p:extLst>
-      <p:ext uri="{BB962C8B-B14F-4D97-AF65-F5344CB8AC3E}">
-        <p14:creationId xmlns:p14="http://schemas.microsoft.com/office/powerpoint/2010/main" val="2659829889"/>
       </p:ext>
     </p:extLst>
   </p:cSld>
@@ -28641,21 +29105,6 @@
 </file>
 
 <file path=customXml/item1.xml><?xml version="1.0" encoding="utf-8"?>
-<?mso-contentType ?>
-<FormTemplates xmlns="http://schemas.microsoft.com/sharepoint/v3/contenttype/forms">
-  <Display>DocumentLibraryForm</Display>
-  <Edit>DocumentLibraryForm</Edit>
-  <New>DocumentLibraryForm</New>
-</FormTemplates>
-</file>
-
-<file path=customXml/item2.xml><?xml version="1.0" encoding="utf-8"?>
-<p:properties xmlns:p="http://schemas.microsoft.com/office/2006/metadata/properties" xmlns:xsi="http://www.w3.org/2001/XMLSchema-instance" xmlns:pc="http://schemas.microsoft.com/office/infopath/2007/PartnerControls">
-  <documentManagement/>
-</p:properties>
-</file>
-
-<file path=customXml/item3.xml><?xml version="1.0" encoding="utf-8"?>
 <ct:contentTypeSchema xmlns:ct="http://schemas.microsoft.com/office/2006/metadata/contentType" xmlns:ma="http://schemas.microsoft.com/office/2006/metadata/properties/metaAttributes" ct:_="" ma:_="" ma:contentTypeName="Document" ma:contentTypeID="0x010100E09B93165D420748A94852C5ABD932FF" ma:contentTypeVersion="12" ma:contentTypeDescription="Create a new document." ma:contentTypeScope="" ma:versionID="53e7b934e3fe1a65e33cb0ba8b72b9f7">
   <xsd:schema xmlns:xsd="http://www.w3.org/2001/XMLSchema" xmlns:xs="http://www.w3.org/2001/XMLSchema" xmlns:p="http://schemas.microsoft.com/office/2006/metadata/properties" xmlns:ns2="592d9fb0-1a1d-4a9a-9e0b-69a672cb261c" xmlns:ns3="5d2c7095-18b8-4183-aadd-e425b6bf220a" targetNamespace="http://schemas.microsoft.com/office/2006/metadata/properties" ma:root="true" ma:fieldsID="fd5b825e4f5b1d3cdcd8aa45c8a11bc1" ns2:_="" ns3:_="">
     <xsd:import namespace="592d9fb0-1a1d-4a9a-9e0b-69a672cb261c"/>
@@ -28872,24 +29321,22 @@
 </ct:contentTypeSchema>
 </file>
 
-<file path=customXml/itemProps1.xml><?xml version="1.0" encoding="utf-8"?>
-<ds:datastoreItem xmlns:ds="http://schemas.openxmlformats.org/officeDocument/2006/customXml" ds:itemID="{09336D99-013F-4F23-AD82-4B56D2839D59}">
-  <ds:schemaRefs>
-    <ds:schemaRef ds:uri="http://schemas.microsoft.com/sharepoint/v3/contenttype/forms"/>
-  </ds:schemaRefs>
-</ds:datastoreItem>
+<file path=customXml/item2.xml><?xml version="1.0" encoding="utf-8"?>
+<p:properties xmlns:p="http://schemas.microsoft.com/office/2006/metadata/properties" xmlns:xsi="http://www.w3.org/2001/XMLSchema-instance" xmlns:pc="http://schemas.microsoft.com/office/infopath/2007/PartnerControls">
+  <documentManagement/>
+</p:properties>
 </file>
 
-<file path=customXml/itemProps2.xml><?xml version="1.0" encoding="utf-8"?>
-<ds:datastoreItem xmlns:ds="http://schemas.openxmlformats.org/officeDocument/2006/customXml" ds:itemID="{06538482-182C-4EDB-AE0D-E73B444CFC73}">
-  <ds:schemaRefs>
-    <ds:schemaRef ds:uri="http://schemas.microsoft.com/office/2006/metadata/properties"/>
-    <ds:schemaRef ds:uri="http://schemas.microsoft.com/office/infopath/2007/PartnerControls"/>
-  </ds:schemaRefs>
-</ds:datastoreItem>
+<file path=customXml/item3.xml><?xml version="1.0" encoding="utf-8"?>
+<?mso-contentType ?>
+<FormTemplates xmlns="http://schemas.microsoft.com/sharepoint/v3/contenttype/forms">
+  <Display>DocumentLibraryForm</Display>
+  <Edit>DocumentLibraryForm</Edit>
+  <New>DocumentLibraryForm</New>
+</FormTemplates>
 </file>
 
-<file path=customXml/itemProps3.xml><?xml version="1.0" encoding="utf-8"?>
+<file path=customXml/itemProps1.xml><?xml version="1.0" encoding="utf-8"?>
 <ds:datastoreItem xmlns:ds="http://schemas.openxmlformats.org/officeDocument/2006/customXml" ds:itemID="{FC2CE1C4-9E24-4DB7-8F89-E1FC52F9E391}">
   <ds:schemaRefs>
     <ds:schemaRef ds:uri="http://schemas.microsoft.com/office/2006/metadata/contentType"/>
@@ -28906,4 +29353,21 @@
     <ds:schemaRef ds:uri="http://schemas.microsoft.com/internal/obd"/>
   </ds:schemaRefs>
 </ds:datastoreItem>
+</file>
+
+<file path=customXml/itemProps2.xml><?xml version="1.0" encoding="utf-8"?>
+<ds:datastoreItem xmlns:ds="http://schemas.openxmlformats.org/officeDocument/2006/customXml" ds:itemID="{06538482-182C-4EDB-AE0D-E73B444CFC73}">
+  <ds:schemaRefs>
+    <ds:schemaRef ds:uri="http://schemas.microsoft.com/office/2006/metadata/properties"/>
+    <ds:schemaRef ds:uri="http://schemas.microsoft.com/office/infopath/2007/PartnerControls"/>
+  </ds:schemaRefs>
+</ds:datastoreItem>
+</file>
+
+<file path=customXml/itemProps3.xml><?xml version="1.0" encoding="utf-8"?>
+<ds:datastoreItem xmlns:ds="http://schemas.openxmlformats.org/officeDocument/2006/customXml" ds:itemID="{09336D99-013F-4F23-AD82-4B56D2839D59}">
+  <ds:schemaRefs>
+    <ds:schemaRef ds:uri="http://schemas.microsoft.com/sharepoint/v3/contenttype/forms"/>
+  </ds:schemaRefs>
+</ds:datastoreItem>
 </file>